--- a/powerpoint.pptx
+++ b/powerpoint.pptx
@@ -865,7 +865,7 @@
           <a:p>
             <a:fld id="{846CE7D5-CF57-46EF-B807-FDD0502418D4}" type="datetimeFigureOut">
               <a:rPr lang="en-US" smtClean="0"/>
-              <a:t>5/30/2024</a:t>
+              <a:t>6/1/2024</a:t>
             </a:fld>
             <a:endParaRPr lang="en-US"/>
           </a:p>
@@ -1116,7 +1116,7 @@
           <a:p>
             <a:fld id="{846CE7D5-CF57-46EF-B807-FDD0502418D4}" type="datetimeFigureOut">
               <a:rPr lang="en-US" smtClean="0"/>
-              <a:t>5/30/2024</a:t>
+              <a:t>6/1/2024</a:t>
             </a:fld>
             <a:endParaRPr lang="en-US"/>
           </a:p>
@@ -1430,7 +1430,7 @@
           <a:p>
             <a:fld id="{846CE7D5-CF57-46EF-B807-FDD0502418D4}" type="datetimeFigureOut">
               <a:rPr lang="en-US" smtClean="0"/>
-              <a:t>5/30/2024</a:t>
+              <a:t>6/1/2024</a:t>
             </a:fld>
             <a:endParaRPr lang="en-US"/>
           </a:p>
@@ -1771,7 +1771,7 @@
           <a:p>
             <a:fld id="{846CE7D5-CF57-46EF-B807-FDD0502418D4}" type="datetimeFigureOut">
               <a:rPr lang="en-US" smtClean="0"/>
-              <a:t>5/30/2024</a:t>
+              <a:t>6/1/2024</a:t>
             </a:fld>
             <a:endParaRPr lang="en-US"/>
           </a:p>
@@ -2085,7 +2085,7 @@
           <a:p>
             <a:fld id="{846CE7D5-CF57-46EF-B807-FDD0502418D4}" type="datetimeFigureOut">
               <a:rPr lang="en-US" smtClean="0"/>
-              <a:t>5/30/2024</a:t>
+              <a:t>6/1/2024</a:t>
             </a:fld>
             <a:endParaRPr lang="en-US"/>
           </a:p>
@@ -2478,7 +2478,7 @@
           <a:p>
             <a:fld id="{846CE7D5-CF57-46EF-B807-FDD0502418D4}" type="datetimeFigureOut">
               <a:rPr lang="en-US" smtClean="0"/>
-              <a:t>5/30/2024</a:t>
+              <a:t>6/1/2024</a:t>
             </a:fld>
             <a:endParaRPr lang="en-US"/>
           </a:p>
@@ -2648,7 +2648,7 @@
           <a:p>
             <a:fld id="{846CE7D5-CF57-46EF-B807-FDD0502418D4}" type="datetimeFigureOut">
               <a:rPr lang="en-US" smtClean="0"/>
-              <a:t>5/30/2024</a:t>
+              <a:t>6/1/2024</a:t>
             </a:fld>
             <a:endParaRPr lang="en-US"/>
           </a:p>
@@ -2828,7 +2828,7 @@
           <a:p>
             <a:fld id="{846CE7D5-CF57-46EF-B807-FDD0502418D4}" type="datetimeFigureOut">
               <a:rPr lang="en-US" smtClean="0"/>
-              <a:t>5/30/2024</a:t>
+              <a:t>6/1/2024</a:t>
             </a:fld>
             <a:endParaRPr lang="en-US"/>
           </a:p>
@@ -3004,7 +3004,7 @@
           <a:p>
             <a:fld id="{846CE7D5-CF57-46EF-B807-FDD0502418D4}" type="datetimeFigureOut">
               <a:rPr lang="en-US" smtClean="0"/>
-              <a:t>5/30/2024</a:t>
+              <a:t>6/1/2024</a:t>
             </a:fld>
             <a:endParaRPr lang="en-US"/>
           </a:p>
@@ -3251,7 +3251,7 @@
           <a:p>
             <a:fld id="{846CE7D5-CF57-46EF-B807-FDD0502418D4}" type="datetimeFigureOut">
               <a:rPr lang="en-US" smtClean="0"/>
-              <a:t>5/30/2024</a:t>
+              <a:t>6/1/2024</a:t>
             </a:fld>
             <a:endParaRPr lang="en-US"/>
           </a:p>
@@ -3483,7 +3483,7 @@
           <a:p>
             <a:fld id="{846CE7D5-CF57-46EF-B807-FDD0502418D4}" type="datetimeFigureOut">
               <a:rPr lang="en-US" smtClean="0"/>
-              <a:t>5/30/2024</a:t>
+              <a:t>6/1/2024</a:t>
             </a:fld>
             <a:endParaRPr lang="en-US"/>
           </a:p>
@@ -3857,7 +3857,7 @@
           <a:p>
             <a:fld id="{846CE7D5-CF57-46EF-B807-FDD0502418D4}" type="datetimeFigureOut">
               <a:rPr lang="en-US" smtClean="0"/>
-              <a:t>5/30/2024</a:t>
+              <a:t>6/1/2024</a:t>
             </a:fld>
             <a:endParaRPr lang="en-US"/>
           </a:p>
@@ -3980,7 +3980,7 @@
           <a:p>
             <a:fld id="{846CE7D5-CF57-46EF-B807-FDD0502418D4}" type="datetimeFigureOut">
               <a:rPr lang="en-US" smtClean="0"/>
-              <a:t>5/30/2024</a:t>
+              <a:t>6/1/2024</a:t>
             </a:fld>
             <a:endParaRPr lang="en-US"/>
           </a:p>
@@ -4075,7 +4075,7 @@
           <a:p>
             <a:fld id="{846CE7D5-CF57-46EF-B807-FDD0502418D4}" type="datetimeFigureOut">
               <a:rPr lang="en-US" smtClean="0"/>
-              <a:t>5/30/2024</a:t>
+              <a:t>6/1/2024</a:t>
             </a:fld>
             <a:endParaRPr lang="en-US"/>
           </a:p>
@@ -4330,7 +4330,7 @@
           <a:p>
             <a:fld id="{846CE7D5-CF57-46EF-B807-FDD0502418D4}" type="datetimeFigureOut">
               <a:rPr lang="en-US" smtClean="0"/>
-              <a:t>5/30/2024</a:t>
+              <a:t>6/1/2024</a:t>
             </a:fld>
             <a:endParaRPr lang="en-US"/>
           </a:p>
@@ -4593,7 +4593,7 @@
           <a:p>
             <a:fld id="{846CE7D5-CF57-46EF-B807-FDD0502418D4}" type="datetimeFigureOut">
               <a:rPr lang="en-US" smtClean="0"/>
-              <a:t>5/30/2024</a:t>
+              <a:t>6/1/2024</a:t>
             </a:fld>
             <a:endParaRPr lang="en-US"/>
           </a:p>
@@ -5336,7 +5336,7 @@
           <a:p>
             <a:fld id="{846CE7D5-CF57-46EF-B807-FDD0502418D4}" type="datetimeFigureOut">
               <a:rPr lang="en-US" smtClean="0"/>
-              <a:t>5/30/2024</a:t>
+              <a:t>6/1/2024</a:t>
             </a:fld>
             <a:endParaRPr lang="en-US"/>
           </a:p>
@@ -6429,12 +6429,1380 @@
           <a:chExt cx="0" cy="0"/>
         </a:xfrm>
       </p:grpSpPr>
+      <p:pic>
+        <p:nvPicPr>
+          <p:cNvPr id="5" name="Picture 4" descr="Hand with red strings">
+            <a:extLst>
+              <a:ext uri="{FF2B5EF4-FFF2-40B4-BE49-F238E27FC236}">
+                <a16:creationId xmlns:a16="http://schemas.microsoft.com/office/drawing/2014/main" id="{E32D2A84-6560-E8D0-2F88-3D8F7D938BCC}"/>
+              </a:ext>
+            </a:extLst>
+          </p:cNvPr>
+          <p:cNvPicPr>
+            <a:picLocks noChangeAspect="1"/>
+          </p:cNvPicPr>
+          <p:nvPr/>
+        </p:nvPicPr>
+        <p:blipFill rotWithShape="1">
+          <a:blip r:embed="rId2"/>
+          <a:srcRect l="27245" r="20244" b="-2"/>
+          <a:stretch/>
+        </p:blipFill>
+        <p:spPr>
+          <a:xfrm>
+            <a:off x="20" y="-1"/>
+            <a:ext cx="5394940" cy="6858001"/>
+          </a:xfrm>
+          <a:custGeom>
+            <a:avLst/>
+            <a:gdLst/>
+            <a:ahLst/>
+            <a:cxnLst/>
+            <a:rect l="l" t="t" r="r" b="b"/>
+            <a:pathLst>
+              <a:path w="5394960" h="6858000">
+                <a:moveTo>
+                  <a:pt x="842596" y="0"/>
+                </a:moveTo>
+                <a:lnTo>
+                  <a:pt x="5394960" y="0"/>
+                </a:lnTo>
+                <a:lnTo>
+                  <a:pt x="5394960" y="21851"/>
+                </a:lnTo>
+                <a:lnTo>
+                  <a:pt x="4365943" y="6858000"/>
+                </a:lnTo>
+                <a:lnTo>
+                  <a:pt x="0" y="6858000"/>
+                </a:lnTo>
+                <a:lnTo>
+                  <a:pt x="0" y="5666154"/>
+                </a:lnTo>
+                <a:close/>
+              </a:path>
+            </a:pathLst>
+          </a:custGeom>
+        </p:spPr>
+      </p:pic>
+      <p:sp>
+        <p:nvSpPr>
+          <p:cNvPr id="2" name="Title 1">
+            <a:extLst>
+              <a:ext uri="{FF2B5EF4-FFF2-40B4-BE49-F238E27FC236}">
+                <a16:creationId xmlns:a16="http://schemas.microsoft.com/office/drawing/2014/main" id="{435453C3-B42C-1312-6824-B83F8EBEF65A}"/>
+              </a:ext>
+            </a:extLst>
+          </p:cNvPr>
+          <p:cNvSpPr>
+            <a:spLocks noGrp="1"/>
+          </p:cNvSpPr>
+          <p:nvPr>
+            <p:ph type="title"/>
+          </p:nvPr>
+        </p:nvSpPr>
+        <p:spPr>
+          <a:xfrm>
+            <a:off x="5380563" y="1678665"/>
+            <a:ext cx="3887839" cy="2372168"/>
+          </a:xfrm>
+        </p:spPr>
+        <p:txBody>
+          <a:bodyPr vert="horz" lIns="91440" tIns="45720" rIns="91440" bIns="45720" rtlCol="0" anchor="b">
+            <a:normAutofit/>
+          </a:bodyPr>
+          <a:lstStyle/>
+          <a:p>
+            <a:pPr algn="r"/>
+            <a:r>
+              <a:rPr lang="en-US" sz="5000"/>
+              <a:t>Interactivity</a:t>
+            </a:r>
+          </a:p>
+        </p:txBody>
+      </p:sp>
+    </p:spTree>
+    <p:extLst>
+      <p:ext uri="{BB962C8B-B14F-4D97-AF65-F5344CB8AC3E}">
+        <p14:creationId xmlns:p14="http://schemas.microsoft.com/office/powerpoint/2010/main" val="242654588"/>
+      </p:ext>
+    </p:extLst>
+  </p:cSld>
+  <p:clrMapOvr>
+    <a:masterClrMapping/>
+  </p:clrMapOvr>
+</p:sld>
+</file>
+
+<file path=ppt/slides/slide14.xml><?xml version="1.0" encoding="utf-8"?>
+<p:sld xmlns:a="http://schemas.openxmlformats.org/drawingml/2006/main" xmlns:r="http://schemas.openxmlformats.org/officeDocument/2006/relationships" xmlns:p="http://schemas.openxmlformats.org/presentationml/2006/main">
+  <p:cSld>
+    <p:spTree>
+      <p:nvGrpSpPr>
+        <p:cNvPr id="1" name=""/>
+        <p:cNvGrpSpPr/>
+        <p:nvPr/>
+      </p:nvGrpSpPr>
+      <p:grpSpPr>
+        <a:xfrm>
+          <a:off x="0" y="0"/>
+          <a:ext cx="0" cy="0"/>
+          <a:chOff x="0" y="0"/>
+          <a:chExt cx="0" cy="0"/>
+        </a:xfrm>
+      </p:grpSpPr>
+      <p:sp>
+        <p:nvSpPr>
+          <p:cNvPr id="2" name="Title 1">
+            <a:extLst>
+              <a:ext uri="{FF2B5EF4-FFF2-40B4-BE49-F238E27FC236}">
+                <a16:creationId xmlns:a16="http://schemas.microsoft.com/office/drawing/2014/main" id="{AE35C01B-56A1-109D-14FF-7672EAF4B7D7}"/>
+              </a:ext>
+            </a:extLst>
+          </p:cNvPr>
+          <p:cNvSpPr>
+            <a:spLocks noGrp="1"/>
+          </p:cNvSpPr>
+          <p:nvPr>
+            <p:ph type="title"/>
+          </p:nvPr>
+        </p:nvSpPr>
+        <p:spPr/>
+        <p:txBody>
+          <a:bodyPr/>
+          <a:lstStyle/>
+          <a:p>
+            <a:r>
+              <a:rPr lang="en-GB" dirty="0"/>
+              <a:t>Webpage Styling (CSS)</a:t>
+            </a:r>
+          </a:p>
+        </p:txBody>
+      </p:sp>
+      <p:sp>
+        <p:nvSpPr>
+          <p:cNvPr id="3" name="Content Placeholder 2">
+            <a:extLst>
+              <a:ext uri="{FF2B5EF4-FFF2-40B4-BE49-F238E27FC236}">
+                <a16:creationId xmlns:a16="http://schemas.microsoft.com/office/drawing/2014/main" id="{071AABD5-774A-746F-93EA-339D488FD090}"/>
+              </a:ext>
+            </a:extLst>
+          </p:cNvPr>
+          <p:cNvSpPr>
+            <a:spLocks noGrp="1"/>
+          </p:cNvSpPr>
+          <p:nvPr>
+            <p:ph idx="1"/>
+          </p:nvPr>
+        </p:nvSpPr>
+        <p:spPr/>
+        <p:txBody>
+          <a:bodyPr/>
+          <a:lstStyle/>
+          <a:p>
+            <a:endParaRPr lang="en-GB"/>
+          </a:p>
+        </p:txBody>
+      </p:sp>
+    </p:spTree>
+    <p:extLst>
+      <p:ext uri="{BB962C8B-B14F-4D97-AF65-F5344CB8AC3E}">
+        <p14:creationId xmlns:p14="http://schemas.microsoft.com/office/powerpoint/2010/main" val="2857698935"/>
+      </p:ext>
+    </p:extLst>
+  </p:cSld>
+  <p:clrMapOvr>
+    <a:masterClrMapping/>
+  </p:clrMapOvr>
+</p:sld>
+</file>
+
+<file path=ppt/slides/slide15.xml><?xml version="1.0" encoding="utf-8"?>
+<p:sld xmlns:a="http://schemas.openxmlformats.org/drawingml/2006/main" xmlns:r="http://schemas.openxmlformats.org/officeDocument/2006/relationships" xmlns:p="http://schemas.openxmlformats.org/presentationml/2006/main">
+  <p:cSld>
+    <p:spTree>
+      <p:nvGrpSpPr>
+        <p:cNvPr id="1" name=""/>
+        <p:cNvGrpSpPr/>
+        <p:nvPr/>
+      </p:nvGrpSpPr>
+      <p:grpSpPr>
+        <a:xfrm>
+          <a:off x="0" y="0"/>
+          <a:ext cx="0" cy="0"/>
+          <a:chOff x="0" y="0"/>
+          <a:chExt cx="0" cy="0"/>
+        </a:xfrm>
+      </p:grpSpPr>
+      <p:sp>
+        <p:nvSpPr>
+          <p:cNvPr id="2" name="Title 1">
+            <a:extLst>
+              <a:ext uri="{FF2B5EF4-FFF2-40B4-BE49-F238E27FC236}">
+                <a16:creationId xmlns:a16="http://schemas.microsoft.com/office/drawing/2014/main" id="{C7FB40C7-28EB-2B80-0936-CFA563856794}"/>
+              </a:ext>
+            </a:extLst>
+          </p:cNvPr>
+          <p:cNvSpPr>
+            <a:spLocks noGrp="1"/>
+          </p:cNvSpPr>
+          <p:nvPr>
+            <p:ph type="title"/>
+          </p:nvPr>
+        </p:nvSpPr>
+        <p:spPr/>
+        <p:txBody>
+          <a:bodyPr/>
+          <a:lstStyle/>
+          <a:p>
+            <a:endParaRPr lang="en-US"/>
+          </a:p>
+        </p:txBody>
+      </p:sp>
+      <p:sp>
+        <p:nvSpPr>
+          <p:cNvPr id="3" name="Content Placeholder 2">
+            <a:extLst>
+              <a:ext uri="{FF2B5EF4-FFF2-40B4-BE49-F238E27FC236}">
+                <a16:creationId xmlns:a16="http://schemas.microsoft.com/office/drawing/2014/main" id="{6E0D6D93-EE9E-50AE-E7B3-BC013D2E8FC4}"/>
+              </a:ext>
+            </a:extLst>
+          </p:cNvPr>
+          <p:cNvSpPr>
+            <a:spLocks noGrp="1"/>
+          </p:cNvSpPr>
+          <p:nvPr>
+            <p:ph idx="1"/>
+          </p:nvPr>
+        </p:nvSpPr>
+        <p:spPr/>
+        <p:txBody>
+          <a:bodyPr vert="horz" lIns="91440" tIns="45720" rIns="91440" bIns="45720" rtlCol="0" anchor="t">
+            <a:normAutofit/>
+          </a:bodyPr>
+          <a:lstStyle/>
+          <a:p>
+            <a:r>
+              <a:rPr lang="en-US" dirty="0"/>
+              <a:t>Over 2021, China produced a staggering 8 000 </a:t>
+            </a:r>
+            <a:r>
+              <a:rPr lang="en-US" dirty="0" err="1"/>
+              <a:t>megatonnes</a:t>
+            </a:r>
+            <a:r>
+              <a:rPr lang="en-US" dirty="0"/>
+              <a:t> of CO2 from burning coal alone.  Based on burning coal again, India was a distant second worst culprit with 2 000 </a:t>
+            </a:r>
+            <a:r>
+              <a:rPr lang="en-US" dirty="0" err="1"/>
+              <a:t>megatonnes</a:t>
+            </a:r>
+            <a:r>
+              <a:rPr lang="en-US" dirty="0"/>
+              <a:t>, as this bar chart shows:</a:t>
+            </a:r>
+          </a:p>
+        </p:txBody>
+      </p:sp>
+      <p:pic>
+        <p:nvPicPr>
+          <p:cNvPr id="4" name="Content Placeholder 3" descr="A graph of a number of coal burning&#10;&#10;Description automatically generated">
+            <a:extLst>
+              <a:ext uri="{FF2B5EF4-FFF2-40B4-BE49-F238E27FC236}">
+                <a16:creationId xmlns:a16="http://schemas.microsoft.com/office/drawing/2014/main" id="{5CA68C9F-EC1E-1B93-0519-4DCBC14AF9F1}"/>
+              </a:ext>
+            </a:extLst>
+          </p:cNvPr>
+          <p:cNvPicPr>
+            <a:picLocks noChangeAspect="1"/>
+          </p:cNvPicPr>
+          <p:nvPr/>
+        </p:nvPicPr>
+        <p:blipFill>
+          <a:blip r:embed="rId2"/>
+          <a:stretch>
+            <a:fillRect/>
+          </a:stretch>
+        </p:blipFill>
+        <p:spPr>
+          <a:xfrm>
+            <a:off x="3723939" y="1943894"/>
+            <a:ext cx="4744122" cy="4114800"/>
+          </a:xfrm>
+          <a:prstGeom prst="rect">
+            <a:avLst/>
+          </a:prstGeom>
+        </p:spPr>
+      </p:pic>
+    </p:spTree>
+    <p:extLst>
+      <p:ext uri="{BB962C8B-B14F-4D97-AF65-F5344CB8AC3E}">
+        <p14:creationId xmlns:p14="http://schemas.microsoft.com/office/powerpoint/2010/main" val="180695691"/>
+      </p:ext>
+    </p:extLst>
+  </p:cSld>
+  <p:clrMapOvr>
+    <a:masterClrMapping/>
+  </p:clrMapOvr>
+</p:sld>
+</file>
+
+<file path=ppt/slides/slide16.xml><?xml version="1.0" encoding="utf-8"?>
+<p:sld xmlns:a="http://schemas.openxmlformats.org/drawingml/2006/main" xmlns:r="http://schemas.openxmlformats.org/officeDocument/2006/relationships" xmlns:p="http://schemas.openxmlformats.org/presentationml/2006/main">
+  <p:cSld>
+    <p:spTree>
+      <p:nvGrpSpPr>
+        <p:cNvPr id="1" name=""/>
+        <p:cNvGrpSpPr/>
+        <p:nvPr/>
+      </p:nvGrpSpPr>
+      <p:grpSpPr>
+        <a:xfrm>
+          <a:off x="0" y="0"/>
+          <a:ext cx="0" cy="0"/>
+          <a:chOff x="0" y="0"/>
+          <a:chExt cx="0" cy="0"/>
+        </a:xfrm>
+      </p:grpSpPr>
+      <p:sp>
+        <p:nvSpPr>
+          <p:cNvPr id="2" name="Title 1">
+            <a:extLst>
+              <a:ext uri="{FF2B5EF4-FFF2-40B4-BE49-F238E27FC236}">
+                <a16:creationId xmlns:a16="http://schemas.microsoft.com/office/drawing/2014/main" id="{F0195532-2810-56FD-51F6-EBC179710DC4}"/>
+              </a:ext>
+            </a:extLst>
+          </p:cNvPr>
+          <p:cNvSpPr>
+            <a:spLocks noGrp="1"/>
+          </p:cNvSpPr>
+          <p:nvPr>
+            <p:ph type="title"/>
+          </p:nvPr>
+        </p:nvSpPr>
+        <p:spPr/>
+        <p:txBody>
+          <a:bodyPr/>
+          <a:lstStyle/>
+          <a:p>
+            <a:endParaRPr lang="en-US"/>
+          </a:p>
+        </p:txBody>
+      </p:sp>
+      <p:sp>
+        <p:nvSpPr>
+          <p:cNvPr id="3" name="Content Placeholder 2">
+            <a:extLst>
+              <a:ext uri="{FF2B5EF4-FFF2-40B4-BE49-F238E27FC236}">
+                <a16:creationId xmlns:a16="http://schemas.microsoft.com/office/drawing/2014/main" id="{4BA4B914-FF6B-D5C1-87F1-DFF2CF67A5BC}"/>
+              </a:ext>
+            </a:extLst>
+          </p:cNvPr>
+          <p:cNvSpPr>
+            <a:spLocks noGrp="1"/>
+          </p:cNvSpPr>
+          <p:nvPr>
+            <p:ph idx="1"/>
+          </p:nvPr>
+        </p:nvSpPr>
+        <p:spPr/>
+        <p:txBody>
+          <a:bodyPr vert="horz" lIns="91440" tIns="45720" rIns="91440" bIns="45720" rtlCol="0" anchor="t">
+            <a:normAutofit/>
+          </a:bodyPr>
+          <a:lstStyle/>
+          <a:p>
+            <a:r>
+              <a:rPr lang="en-US" dirty="0"/>
+              <a:t>Looking at this line plot, China's CO2 production seems to be increasing exponentially:</a:t>
+            </a:r>
+          </a:p>
+        </p:txBody>
+      </p:sp>
+      <p:pic>
+        <p:nvPicPr>
+          <p:cNvPr id="4" name="Content Placeholder 3" descr="A graph of growth in china&#10;&#10;Description automatically generated">
+            <a:extLst>
+              <a:ext uri="{FF2B5EF4-FFF2-40B4-BE49-F238E27FC236}">
+                <a16:creationId xmlns:a16="http://schemas.microsoft.com/office/drawing/2014/main" id="{EBBF8A04-B253-9D6D-0C7C-6F52EF0B7855}"/>
+              </a:ext>
+            </a:extLst>
+          </p:cNvPr>
+          <p:cNvPicPr>
+            <a:picLocks noChangeAspect="1"/>
+          </p:cNvPicPr>
+          <p:nvPr/>
+        </p:nvPicPr>
+        <p:blipFill>
+          <a:blip r:embed="rId2"/>
+          <a:stretch>
+            <a:fillRect/>
+          </a:stretch>
+        </p:blipFill>
+        <p:spPr>
+          <a:xfrm>
+            <a:off x="3473380" y="1943894"/>
+            <a:ext cx="5245240" cy="4114800"/>
+          </a:xfrm>
+          <a:prstGeom prst="rect">
+            <a:avLst/>
+          </a:prstGeom>
+        </p:spPr>
+      </p:pic>
+    </p:spTree>
+    <p:extLst>
+      <p:ext uri="{BB962C8B-B14F-4D97-AF65-F5344CB8AC3E}">
+        <p14:creationId xmlns:p14="http://schemas.microsoft.com/office/powerpoint/2010/main" val="3175557702"/>
+      </p:ext>
+    </p:extLst>
+  </p:cSld>
+  <p:clrMapOvr>
+    <a:masterClrMapping/>
+  </p:clrMapOvr>
+</p:sld>
+</file>
+
+<file path=ppt/slides/slide17.xml><?xml version="1.0" encoding="utf-8"?>
+<p:sld xmlns:a="http://schemas.openxmlformats.org/drawingml/2006/main" xmlns:r="http://schemas.openxmlformats.org/officeDocument/2006/relationships" xmlns:p="http://schemas.openxmlformats.org/presentationml/2006/main">
+  <p:cSld>
+    <p:bg>
+      <p:bgPr>
+        <a:solidFill>
+          <a:schemeClr val="bg1"/>
+        </a:solidFill>
+        <a:effectLst/>
+      </p:bgPr>
+    </p:bg>
+    <p:spTree>
+      <p:nvGrpSpPr>
+        <p:cNvPr id="1" name=""/>
+        <p:cNvGrpSpPr/>
+        <p:nvPr/>
+      </p:nvGrpSpPr>
+      <p:grpSpPr>
+        <a:xfrm>
+          <a:off x="0" y="0"/>
+          <a:ext cx="0" cy="0"/>
+          <a:chOff x="0" y="0"/>
+          <a:chExt cx="0" cy="0"/>
+        </a:xfrm>
+      </p:grpSpPr>
+      <p:sp>
+        <p:nvSpPr>
+          <p:cNvPr id="2" name="Title 1">
+            <a:extLst>
+              <a:ext uri="{FF2B5EF4-FFF2-40B4-BE49-F238E27FC236}">
+                <a16:creationId xmlns:a16="http://schemas.microsoft.com/office/drawing/2014/main" id="{170CAA3A-BD43-5AB6-E06B-6F24256CA6ED}"/>
+              </a:ext>
+            </a:extLst>
+          </p:cNvPr>
+          <p:cNvSpPr>
+            <a:spLocks noGrp="1"/>
+          </p:cNvSpPr>
+          <p:nvPr>
+            <p:ph type="title"/>
+          </p:nvPr>
+        </p:nvSpPr>
+        <p:spPr>
+          <a:xfrm>
+            <a:off x="2849562" y="609600"/>
+            <a:ext cx="6424440" cy="1320800"/>
+          </a:xfrm>
+        </p:spPr>
+        <p:txBody>
+          <a:bodyPr>
+            <a:normAutofit/>
+          </a:bodyPr>
+          <a:lstStyle/>
+          <a:p>
+            <a:endParaRPr lang="en-US"/>
+          </a:p>
+        </p:txBody>
+      </p:sp>
+      <p:sp>
+        <p:nvSpPr>
+          <p:cNvPr id="3" name="Content Placeholder 2">
+            <a:extLst>
+              <a:ext uri="{FF2B5EF4-FFF2-40B4-BE49-F238E27FC236}">
+                <a16:creationId xmlns:a16="http://schemas.microsoft.com/office/drawing/2014/main" id="{2E0248C5-DE5D-8578-DF0C-DAC32F433D67}"/>
+              </a:ext>
+            </a:extLst>
+          </p:cNvPr>
+          <p:cNvSpPr>
+            <a:spLocks noGrp="1"/>
+          </p:cNvSpPr>
+          <p:nvPr>
+            <p:ph idx="1"/>
+          </p:nvPr>
+        </p:nvSpPr>
+        <p:spPr>
+          <a:xfrm>
+            <a:off x="2849562" y="2160589"/>
+            <a:ext cx="6424440" cy="3880773"/>
+          </a:xfrm>
+        </p:spPr>
+        <p:txBody>
+          <a:bodyPr vert="horz" lIns="91440" tIns="45720" rIns="91440" bIns="45720" rtlCol="0">
+            <a:normAutofit/>
+          </a:bodyPr>
+          <a:lstStyle/>
+          <a:p>
+            <a:pPr>
+              <a:lnSpc>
+                <a:spcPct val="90000"/>
+              </a:lnSpc>
+            </a:pPr>
+            <a:r>
+              <a:rPr lang="en-US" sz="1500"/>
+              <a:t>This must stop.  We must</a:t>
+            </a:r>
+          </a:p>
+          <a:p>
+            <a:pPr>
+              <a:lnSpc>
+                <a:spcPct val="90000"/>
+              </a:lnSpc>
+            </a:pPr>
+            <a:endParaRPr lang="en-US" sz="1500"/>
+          </a:p>
+          <a:p>
+            <a:pPr>
+              <a:lnSpc>
+                <a:spcPct val="90000"/>
+              </a:lnSpc>
+            </a:pPr>
+            <a:r>
+              <a:rPr lang="en-US" sz="1500"/>
+              <a:t>Drive less</a:t>
+            </a:r>
+          </a:p>
+          <a:p>
+            <a:pPr>
+              <a:lnSpc>
+                <a:spcPct val="90000"/>
+              </a:lnSpc>
+            </a:pPr>
+            <a:r>
+              <a:rPr lang="en-US" sz="1500"/>
+              <a:t>Fly less</a:t>
+            </a:r>
+          </a:p>
+          <a:p>
+            <a:pPr>
+              <a:lnSpc>
+                <a:spcPct val="90000"/>
+              </a:lnSpc>
+            </a:pPr>
+            <a:r>
+              <a:rPr lang="en-US" sz="1500"/>
+              <a:t>Recycle more</a:t>
+            </a:r>
+          </a:p>
+          <a:p>
+            <a:pPr>
+              <a:lnSpc>
+                <a:spcPct val="90000"/>
+              </a:lnSpc>
+            </a:pPr>
+            <a:r>
+              <a:rPr lang="en-US" sz="1500"/>
+              <a:t>Plant trees (trees absorb CO2)</a:t>
+            </a:r>
+          </a:p>
+          <a:p>
+            <a:pPr>
+              <a:lnSpc>
+                <a:spcPct val="90000"/>
+              </a:lnSpc>
+            </a:pPr>
+            <a:r>
+              <a:rPr lang="en-US" sz="1500"/>
+              <a:t>Use less electricity</a:t>
+            </a:r>
+          </a:p>
+          <a:p>
+            <a:pPr>
+              <a:lnSpc>
+                <a:spcPct val="90000"/>
+              </a:lnSpc>
+            </a:pPr>
+            <a:r>
+              <a:rPr lang="en-US" sz="1500"/>
+              <a:t>Eat less meat (cows produce methane, another greenhouse gas)</a:t>
+            </a:r>
+          </a:p>
+          <a:p>
+            <a:pPr>
+              <a:lnSpc>
+                <a:spcPct val="90000"/>
+              </a:lnSpc>
+            </a:pPr>
+            <a:r>
+              <a:rPr lang="en-US" sz="1500"/>
+              <a:t>Use solar, wind and nuclear power </a:t>
+            </a:r>
+            <a:r>
+              <a:rPr lang="en-US" sz="1500" err="1"/>
+              <a:t>etc</a:t>
+            </a:r>
+            <a:r>
+              <a:rPr lang="en-US" sz="1500"/>
+              <a:t> rather than burn fossil fuels.</a:t>
+            </a:r>
+          </a:p>
+          <a:p>
+            <a:pPr>
+              <a:lnSpc>
+                <a:spcPct val="90000"/>
+              </a:lnSpc>
+            </a:pPr>
+            <a:endParaRPr lang="en-US" sz="1500"/>
+          </a:p>
+          <a:p>
+            <a:pPr>
+              <a:lnSpc>
+                <a:spcPct val="90000"/>
+              </a:lnSpc>
+            </a:pPr>
+            <a:r>
+              <a:rPr lang="en-US" sz="1500"/>
+              <a:t>(Data source: Kaggle (www.kaggle.com))</a:t>
+            </a:r>
+          </a:p>
+        </p:txBody>
+      </p:sp>
+      <p:pic>
+        <p:nvPicPr>
+          <p:cNvPr id="5" name="Picture 4" descr="Plant sprouting from the earth">
+            <a:extLst>
+              <a:ext uri="{FF2B5EF4-FFF2-40B4-BE49-F238E27FC236}">
+                <a16:creationId xmlns:a16="http://schemas.microsoft.com/office/drawing/2014/main" id="{EEE5F273-D7A5-8405-3FF2-3E15BCFADDF9}"/>
+              </a:ext>
+            </a:extLst>
+          </p:cNvPr>
+          <p:cNvPicPr>
+            <a:picLocks noChangeAspect="1"/>
+          </p:cNvPicPr>
+          <p:nvPr/>
+        </p:nvPicPr>
+        <p:blipFill rotWithShape="1">
+          <a:blip r:embed="rId2"/>
+          <a:srcRect l="46625" r="26802" b="1"/>
+          <a:stretch/>
+        </p:blipFill>
+        <p:spPr>
+          <a:xfrm>
+            <a:off x="20" y="10"/>
+            <a:ext cx="2734036" cy="6867719"/>
+          </a:xfrm>
+          <a:custGeom>
+            <a:avLst/>
+            <a:gdLst/>
+            <a:ahLst/>
+            <a:cxnLst/>
+            <a:rect l="l" t="t" r="r" b="b"/>
+            <a:pathLst>
+              <a:path w="2734056" h="6858000">
+                <a:moveTo>
+                  <a:pt x="0" y="0"/>
+                </a:moveTo>
+                <a:lnTo>
+                  <a:pt x="1674254" y="0"/>
+                </a:lnTo>
+                <a:lnTo>
+                  <a:pt x="2734056" y="6850199"/>
+                </a:lnTo>
+                <a:lnTo>
+                  <a:pt x="2734056" y="6858000"/>
+                </a:lnTo>
+                <a:lnTo>
+                  <a:pt x="461457" y="6858000"/>
+                </a:lnTo>
+                <a:lnTo>
+                  <a:pt x="0" y="4134118"/>
+                </a:lnTo>
+                <a:close/>
+              </a:path>
+            </a:pathLst>
+          </a:custGeom>
+        </p:spPr>
+      </p:pic>
+    </p:spTree>
+    <p:extLst>
+      <p:ext uri="{BB962C8B-B14F-4D97-AF65-F5344CB8AC3E}">
+        <p14:creationId xmlns:p14="http://schemas.microsoft.com/office/powerpoint/2010/main" val="3235549688"/>
+      </p:ext>
+    </p:extLst>
+  </p:cSld>
+  <p:clrMapOvr>
+    <a:masterClrMapping/>
+  </p:clrMapOvr>
+</p:sld>
+</file>
+
+<file path=ppt/slides/slide18.xml><?xml version="1.0" encoding="utf-8"?>
+<p:sld xmlns:a="http://schemas.openxmlformats.org/drawingml/2006/main" xmlns:r="http://schemas.openxmlformats.org/officeDocument/2006/relationships" xmlns:p="http://schemas.openxmlformats.org/presentationml/2006/main">
+  <p:cSld>
+    <p:spTree>
+      <p:nvGrpSpPr>
+        <p:cNvPr id="1" name=""/>
+        <p:cNvGrpSpPr/>
+        <p:nvPr/>
+      </p:nvGrpSpPr>
+      <p:grpSpPr>
+        <a:xfrm>
+          <a:off x="0" y="0"/>
+          <a:ext cx="0" cy="0"/>
+          <a:chOff x="0" y="0"/>
+          <a:chExt cx="0" cy="0"/>
+        </a:xfrm>
+      </p:grpSpPr>
+      <p:sp>
+        <p:nvSpPr>
+          <p:cNvPr id="2" name="Title 1">
+            <a:extLst>
+              <a:ext uri="{FF2B5EF4-FFF2-40B4-BE49-F238E27FC236}">
+                <a16:creationId xmlns:a16="http://schemas.microsoft.com/office/drawing/2014/main" id="{4B9A5112-35B7-7DF6-F977-5D5F99C4FD6E}"/>
+              </a:ext>
+            </a:extLst>
+          </p:cNvPr>
+          <p:cNvSpPr>
+            <a:spLocks noGrp="1"/>
+          </p:cNvSpPr>
+          <p:nvPr>
+            <p:ph type="title"/>
+          </p:nvPr>
+        </p:nvSpPr>
+        <p:spPr/>
+        <p:txBody>
+          <a:bodyPr/>
+          <a:lstStyle/>
+          <a:p>
+            <a:r>
+              <a:rPr lang="en-GB" dirty="0"/>
+              <a:t>A Description of the Code</a:t>
+            </a:r>
+          </a:p>
+        </p:txBody>
+      </p:sp>
+      <p:sp>
+        <p:nvSpPr>
+          <p:cNvPr id="3" name="Content Placeholder 2">
+            <a:extLst>
+              <a:ext uri="{FF2B5EF4-FFF2-40B4-BE49-F238E27FC236}">
+                <a16:creationId xmlns:a16="http://schemas.microsoft.com/office/drawing/2014/main" id="{499D0A79-E5B4-A238-45C2-76F74F9F9A15}"/>
+              </a:ext>
+            </a:extLst>
+          </p:cNvPr>
+          <p:cNvSpPr>
+            <a:spLocks noGrp="1"/>
+          </p:cNvSpPr>
+          <p:nvPr>
+            <p:ph idx="1"/>
+          </p:nvPr>
+        </p:nvSpPr>
+        <p:spPr/>
+        <p:txBody>
+          <a:bodyPr>
+            <a:normAutofit fontScale="85000" lnSpcReduction="20000"/>
+          </a:bodyPr>
+          <a:lstStyle/>
+          <a:p>
+            <a:r>
+              <a:rPr lang="en-GB" dirty="0"/>
+              <a:t>This program looks at the world’s worst ten carbon producers.  You can specify which of these countries you’d like a look at:</a:t>
+            </a:r>
+          </a:p>
+          <a:p>
+            <a:r>
+              <a:rPr lang="en-GB" dirty="0" err="1"/>
+              <a:t>country_of_interest</a:t>
+            </a:r>
+            <a:r>
+              <a:rPr lang="en-GB" dirty="0"/>
+              <a:t> = input (‘Which country are you interested in?’)</a:t>
+            </a:r>
+          </a:p>
+          <a:p>
+            <a:r>
+              <a:rPr lang="en-GB" dirty="0"/>
+              <a:t>Earlier, the </a:t>
+            </a:r>
+            <a:r>
+              <a:rPr lang="en-GB" dirty="0" err="1"/>
+              <a:t>dataframe</a:t>
+            </a:r>
+            <a:r>
+              <a:rPr lang="en-GB" dirty="0"/>
+              <a:t> is cleaned:</a:t>
+            </a:r>
+          </a:p>
+          <a:p>
+            <a:r>
+              <a:rPr lang="en-GB" dirty="0" err="1"/>
+              <a:t>df.dropna</a:t>
+            </a:r>
+            <a:r>
+              <a:rPr lang="en-GB" dirty="0"/>
+              <a:t> (axis = 0, how = ‘any’, subset = ‘Country’, </a:t>
+            </a:r>
+            <a:r>
+              <a:rPr lang="en-GB" dirty="0" err="1"/>
+              <a:t>inplace</a:t>
+            </a:r>
+            <a:r>
+              <a:rPr lang="en-GB" dirty="0"/>
+              <a:t> = True)</a:t>
+            </a:r>
+          </a:p>
+          <a:p>
+            <a:r>
+              <a:rPr lang="en-GB" dirty="0" err="1"/>
+              <a:t>df</a:t>
+            </a:r>
+            <a:r>
+              <a:rPr lang="en-GB" dirty="0"/>
+              <a:t> [‘Country’] = </a:t>
+            </a:r>
+            <a:r>
+              <a:rPr lang="en-GB" dirty="0" err="1"/>
+              <a:t>df</a:t>
+            </a:r>
+            <a:r>
+              <a:rPr lang="en-GB" dirty="0"/>
+              <a:t> [‘Country’].</a:t>
+            </a:r>
+            <a:r>
+              <a:rPr lang="en-GB" dirty="0" err="1"/>
+              <a:t>str.replace</a:t>
+            </a:r>
+            <a:r>
+              <a:rPr lang="en-GB" dirty="0"/>
+              <a:t> (r’\W’, ‘’, regex = True)</a:t>
+            </a:r>
+          </a:p>
+          <a:p>
+            <a:r>
+              <a:rPr lang="en-GB" dirty="0"/>
+              <a:t>and a bar chart of the top ten coal burners in 2021 produced using Seaborn and </a:t>
+            </a:r>
+            <a:r>
+              <a:rPr lang="en-GB" dirty="0" err="1"/>
+              <a:t>MatPlotLib</a:t>
+            </a:r>
+            <a:r>
+              <a:rPr lang="en-GB" dirty="0"/>
+              <a:t>:</a:t>
+            </a:r>
+          </a:p>
+          <a:p>
+            <a:r>
+              <a:rPr lang="en-GB" dirty="0"/>
+              <a:t>df1 = </a:t>
+            </a:r>
+            <a:r>
+              <a:rPr lang="en-GB" dirty="0" err="1"/>
+              <a:t>pd.DataFrame</a:t>
+            </a:r>
+            <a:r>
+              <a:rPr lang="en-GB" dirty="0"/>
+              <a:t> ({‘Country’: </a:t>
+            </a:r>
+            <a:r>
+              <a:rPr lang="en-GB" dirty="0" err="1"/>
+              <a:t>top_ten</a:t>
+            </a:r>
+            <a:r>
+              <a:rPr lang="en-GB" dirty="0"/>
+              <a:t>, ‘Emissions from Coal Burning (MtCO2)’: </a:t>
+            </a:r>
+            <a:r>
+              <a:rPr lang="en-GB" dirty="0" err="1"/>
+              <a:t>top_ten_Coal</a:t>
+            </a:r>
+            <a:r>
+              <a:rPr lang="en-GB" dirty="0"/>
+              <a:t>})</a:t>
+            </a:r>
+          </a:p>
+          <a:p>
+            <a:r>
+              <a:rPr lang="en-GB" dirty="0" err="1"/>
+              <a:t>sns.barplot</a:t>
+            </a:r>
+            <a:r>
+              <a:rPr lang="en-GB" dirty="0"/>
+              <a:t> (x = ‘Country’, y = ‘Emissions from Coal Burning (MtCO2’, data = df1).set (title = ‘Top Ten Coal Burners in 2021’)</a:t>
+            </a:r>
+          </a:p>
+          <a:p>
+            <a:r>
+              <a:rPr lang="en-GB" dirty="0" err="1"/>
+              <a:t>plt.xticks</a:t>
+            </a:r>
+            <a:r>
+              <a:rPr lang="en-GB" dirty="0"/>
+              <a:t> (rotation = 45)</a:t>
+            </a:r>
+          </a:p>
+          <a:p>
+            <a:r>
+              <a:rPr lang="en-GB" dirty="0" err="1"/>
+              <a:t>plt.show</a:t>
+            </a:r>
+            <a:r>
+              <a:rPr lang="en-GB" dirty="0"/>
+              <a:t> ()</a:t>
+            </a:r>
+          </a:p>
+        </p:txBody>
+      </p:sp>
+    </p:spTree>
+    <p:extLst>
+      <p:ext uri="{BB962C8B-B14F-4D97-AF65-F5344CB8AC3E}">
+        <p14:creationId xmlns:p14="http://schemas.microsoft.com/office/powerpoint/2010/main" val="3577190490"/>
+      </p:ext>
+    </p:extLst>
+  </p:cSld>
+  <p:clrMapOvr>
+    <a:masterClrMapping/>
+  </p:clrMapOvr>
+</p:sld>
+</file>
+
+<file path=ppt/slides/slide19.xml><?xml version="1.0" encoding="utf-8"?>
+<p:sld xmlns:a="http://schemas.openxmlformats.org/drawingml/2006/main" xmlns:r="http://schemas.openxmlformats.org/officeDocument/2006/relationships" xmlns:p="http://schemas.openxmlformats.org/presentationml/2006/main">
+  <p:cSld>
+    <p:spTree>
+      <p:nvGrpSpPr>
+        <p:cNvPr id="1" name=""/>
+        <p:cNvGrpSpPr/>
+        <p:nvPr/>
+      </p:nvGrpSpPr>
+      <p:grpSpPr>
+        <a:xfrm>
+          <a:off x="0" y="0"/>
+          <a:ext cx="0" cy="0"/>
+          <a:chOff x="0" y="0"/>
+          <a:chExt cx="0" cy="0"/>
+        </a:xfrm>
+      </p:grpSpPr>
+      <p:sp>
+        <p:nvSpPr>
+          <p:cNvPr id="2" name="Title 1">
+            <a:extLst>
+              <a:ext uri="{FF2B5EF4-FFF2-40B4-BE49-F238E27FC236}">
+                <a16:creationId xmlns:a16="http://schemas.microsoft.com/office/drawing/2014/main" id="{637A1897-9702-B849-C739-FFFD58A47A03}"/>
+              </a:ext>
+            </a:extLst>
+          </p:cNvPr>
+          <p:cNvSpPr>
+            <a:spLocks noGrp="1"/>
+          </p:cNvSpPr>
+          <p:nvPr>
+            <p:ph type="title"/>
+          </p:nvPr>
+        </p:nvSpPr>
+        <p:spPr/>
+        <p:txBody>
+          <a:bodyPr/>
+          <a:lstStyle/>
+          <a:p>
+            <a:endParaRPr lang="en-GB" dirty="0"/>
+          </a:p>
+        </p:txBody>
+      </p:sp>
+      <p:sp>
+        <p:nvSpPr>
+          <p:cNvPr id="3" name="Content Placeholder 2">
+            <a:extLst>
+              <a:ext uri="{FF2B5EF4-FFF2-40B4-BE49-F238E27FC236}">
+                <a16:creationId xmlns:a16="http://schemas.microsoft.com/office/drawing/2014/main" id="{AC0F54DD-A009-9310-33B8-C2BEA5C27F56}"/>
+              </a:ext>
+            </a:extLst>
+          </p:cNvPr>
+          <p:cNvSpPr>
+            <a:spLocks noGrp="1"/>
+          </p:cNvSpPr>
+          <p:nvPr>
+            <p:ph idx="1"/>
+          </p:nvPr>
+        </p:nvSpPr>
+        <p:spPr/>
+        <p:txBody>
+          <a:bodyPr/>
+          <a:lstStyle/>
+          <a:p>
+            <a:r>
+              <a:rPr lang="en-GB" dirty="0"/>
+              <a:t>Once you’ve input which country you’re interested in, a line plot of emissions from burning coal in 2021 for that country is produced:</a:t>
+            </a:r>
+          </a:p>
+          <a:p>
+            <a:r>
+              <a:rPr lang="en-GB" dirty="0"/>
+              <a:t>df1 = </a:t>
+            </a:r>
+            <a:r>
+              <a:rPr lang="en-GB" dirty="0" err="1"/>
+              <a:t>pd.DataFrame</a:t>
+            </a:r>
+            <a:r>
+              <a:rPr lang="en-GB" dirty="0"/>
+              <a:t> ({‘Year’: </a:t>
+            </a:r>
+            <a:r>
+              <a:rPr lang="en-GB" dirty="0" err="1"/>
+              <a:t>Country_Year</a:t>
+            </a:r>
+            <a:r>
+              <a:rPr lang="en-GB" dirty="0"/>
+              <a:t>, ‘Emission from Burning Coal (MtCO2)’: </a:t>
+            </a:r>
+            <a:r>
+              <a:rPr lang="en-GB" dirty="0" err="1"/>
+              <a:t>Country_Coal</a:t>
+            </a:r>
+            <a:r>
+              <a:rPr lang="en-GB" dirty="0"/>
+              <a:t>})</a:t>
+            </a:r>
+          </a:p>
+          <a:p>
+            <a:r>
+              <a:rPr lang="en-GB" dirty="0" err="1"/>
+              <a:t>sns.lineplot</a:t>
+            </a:r>
+            <a:r>
+              <a:rPr lang="en-GB" dirty="0"/>
+              <a:t> (x = ‘Year’, y = ‘Emission from Burning Coal (MtCO2)’, data = df1).set (title = </a:t>
+            </a:r>
+            <a:r>
+              <a:rPr lang="en-GB" dirty="0" err="1"/>
+              <a:t>country_of_interest</a:t>
+            </a:r>
+            <a:r>
+              <a:rPr lang="en-GB" dirty="0"/>
+              <a:t>)</a:t>
+            </a:r>
+          </a:p>
+          <a:p>
+            <a:r>
+              <a:rPr lang="en-GB" dirty="0" err="1"/>
+              <a:t>plt.show</a:t>
+            </a:r>
+            <a:r>
+              <a:rPr lang="en-GB" dirty="0"/>
+              <a:t> ().</a:t>
+            </a:r>
+          </a:p>
+        </p:txBody>
+      </p:sp>
+    </p:spTree>
+    <p:extLst>
+      <p:ext uri="{BB962C8B-B14F-4D97-AF65-F5344CB8AC3E}">
+        <p14:creationId xmlns:p14="http://schemas.microsoft.com/office/powerpoint/2010/main" val="50207207"/>
+      </p:ext>
+    </p:extLst>
+  </p:cSld>
+  <p:clrMapOvr>
+    <a:masterClrMapping/>
+  </p:clrMapOvr>
+</p:sld>
+</file>
+
+<file path=ppt/slides/slide2.xml><?xml version="1.0" encoding="utf-8"?>
+<p:sld xmlns:a="http://schemas.openxmlformats.org/drawingml/2006/main" xmlns:r="http://schemas.openxmlformats.org/officeDocument/2006/relationships" xmlns:p="http://schemas.openxmlformats.org/presentationml/2006/main">
+  <p:cSld>
+    <p:spTree>
+      <p:nvGrpSpPr>
+        <p:cNvPr id="1" name=""/>
+        <p:cNvGrpSpPr/>
+        <p:nvPr/>
+      </p:nvGrpSpPr>
+      <p:grpSpPr>
+        <a:xfrm>
+          <a:off x="0" y="0"/>
+          <a:ext cx="0" cy="0"/>
+          <a:chOff x="0" y="0"/>
+          <a:chExt cx="0" cy="0"/>
+        </a:xfrm>
+      </p:grpSpPr>
+      <p:sp>
+        <p:nvSpPr>
+          <p:cNvPr id="4" name="Title 3">
+            <a:extLst>
+              <a:ext uri="{FF2B5EF4-FFF2-40B4-BE49-F238E27FC236}">
+                <a16:creationId xmlns:a16="http://schemas.microsoft.com/office/drawing/2014/main" id="{157C2C8F-2BB1-BB2D-1A05-FCF8E4AAE8BE}"/>
+              </a:ext>
+            </a:extLst>
+          </p:cNvPr>
+          <p:cNvSpPr>
+            <a:spLocks noGrp="1"/>
+          </p:cNvSpPr>
+          <p:nvPr>
+            <p:ph type="title"/>
+          </p:nvPr>
+        </p:nvSpPr>
+        <p:spPr/>
+        <p:txBody>
+          <a:bodyPr/>
+          <a:lstStyle/>
+          <a:p>
+            <a:r>
+              <a:rPr lang="en-GB" dirty="0"/>
+              <a:t>Background</a:t>
+            </a:r>
+          </a:p>
+        </p:txBody>
+      </p:sp>
+      <p:sp>
+        <p:nvSpPr>
+          <p:cNvPr id="5" name="Text Placeholder 4">
+            <a:extLst>
+              <a:ext uri="{FF2B5EF4-FFF2-40B4-BE49-F238E27FC236}">
+                <a16:creationId xmlns:a16="http://schemas.microsoft.com/office/drawing/2014/main" id="{F9ED4BA8-6268-F14C-A9F8-D56E87FFC3CD}"/>
+              </a:ext>
+            </a:extLst>
+          </p:cNvPr>
+          <p:cNvSpPr>
+            <a:spLocks noGrp="1"/>
+          </p:cNvSpPr>
+          <p:nvPr>
+            <p:ph type="body" idx="1"/>
+          </p:nvPr>
+        </p:nvSpPr>
+        <p:spPr/>
+        <p:txBody>
+          <a:bodyPr/>
+          <a:lstStyle/>
+          <a:p>
+            <a:endParaRPr lang="en-GB"/>
+          </a:p>
+        </p:txBody>
+      </p:sp>
+    </p:spTree>
+    <p:extLst>
+      <p:ext uri="{BB962C8B-B14F-4D97-AF65-F5344CB8AC3E}">
+        <p14:creationId xmlns:p14="http://schemas.microsoft.com/office/powerpoint/2010/main" val="4028857016"/>
+      </p:ext>
+    </p:extLst>
+  </p:cSld>
+  <p:clrMapOvr>
+    <a:masterClrMapping/>
+  </p:clrMapOvr>
+</p:sld>
+</file>
+
+<file path=ppt/slides/slide20.xml><?xml version="1.0" encoding="utf-8"?>
+<p:sld xmlns:a="http://schemas.openxmlformats.org/drawingml/2006/main" xmlns:r="http://schemas.openxmlformats.org/officeDocument/2006/relationships" xmlns:p="http://schemas.openxmlformats.org/presentationml/2006/main">
+  <p:cSld>
+    <p:spTree>
+      <p:nvGrpSpPr>
+        <p:cNvPr id="1" name=""/>
+        <p:cNvGrpSpPr/>
+        <p:nvPr/>
+      </p:nvGrpSpPr>
+      <p:grpSpPr>
+        <a:xfrm>
+          <a:off x="0" y="0"/>
+          <a:ext cx="0" cy="0"/>
+          <a:chOff x="0" y="0"/>
+          <a:chExt cx="0" cy="0"/>
+        </a:xfrm>
+      </p:grpSpPr>
+      <p:sp>
+        <p:nvSpPr>
+          <p:cNvPr id="4" name="Title 3">
+            <a:extLst>
+              <a:ext uri="{FF2B5EF4-FFF2-40B4-BE49-F238E27FC236}">
+                <a16:creationId xmlns:a16="http://schemas.microsoft.com/office/drawing/2014/main" id="{975E6D1F-3237-A86C-F2A3-8EC545B61C8F}"/>
+              </a:ext>
+            </a:extLst>
+          </p:cNvPr>
+          <p:cNvSpPr>
+            <a:spLocks noGrp="1"/>
+          </p:cNvSpPr>
+          <p:nvPr>
+            <p:ph type="title"/>
+          </p:nvPr>
+        </p:nvSpPr>
+        <p:spPr/>
+        <p:txBody>
+          <a:bodyPr/>
+          <a:lstStyle/>
+          <a:p>
+            <a:r>
+              <a:rPr lang="en-GB" dirty="0"/>
+              <a:t>Ethics</a:t>
+            </a:r>
+          </a:p>
+        </p:txBody>
+      </p:sp>
+      <p:sp>
+        <p:nvSpPr>
+          <p:cNvPr id="5" name="Text Placeholder 4">
+            <a:extLst>
+              <a:ext uri="{FF2B5EF4-FFF2-40B4-BE49-F238E27FC236}">
+                <a16:creationId xmlns:a16="http://schemas.microsoft.com/office/drawing/2014/main" id="{4F2AD9B8-F234-7580-FBA6-0E82DD0080CF}"/>
+              </a:ext>
+            </a:extLst>
+          </p:cNvPr>
+          <p:cNvSpPr>
+            <a:spLocks noGrp="1"/>
+          </p:cNvSpPr>
+          <p:nvPr>
+            <p:ph type="body" idx="1"/>
+          </p:nvPr>
+        </p:nvSpPr>
+        <p:spPr/>
+        <p:txBody>
+          <a:bodyPr/>
+          <a:lstStyle/>
+          <a:p>
+            <a:endParaRPr lang="en-GB"/>
+          </a:p>
+        </p:txBody>
+      </p:sp>
+    </p:spTree>
+    <p:extLst>
+      <p:ext uri="{BB962C8B-B14F-4D97-AF65-F5344CB8AC3E}">
+        <p14:creationId xmlns:p14="http://schemas.microsoft.com/office/powerpoint/2010/main" val="4253070290"/>
+      </p:ext>
+    </p:extLst>
+  </p:cSld>
+  <p:clrMapOvr>
+    <a:masterClrMapping/>
+  </p:clrMapOvr>
+</p:sld>
+</file>
+
+<file path=ppt/slides/slide21.xml><?xml version="1.0" encoding="utf-8"?>
+<p:sld xmlns:a="http://schemas.openxmlformats.org/drawingml/2006/main" xmlns:r="http://schemas.openxmlformats.org/officeDocument/2006/relationships" xmlns:p="http://schemas.openxmlformats.org/presentationml/2006/main">
+  <p:cSld>
+    <p:spTree>
+      <p:nvGrpSpPr>
+        <p:cNvPr id="1" name=""/>
+        <p:cNvGrpSpPr/>
+        <p:nvPr/>
+      </p:nvGrpSpPr>
+      <p:grpSpPr>
+        <a:xfrm>
+          <a:off x="0" y="0"/>
+          <a:ext cx="0" cy="0"/>
+          <a:chOff x="0" y="0"/>
+          <a:chExt cx="0" cy="0"/>
+        </a:xfrm>
+      </p:grpSpPr>
+      <p:sp>
+        <p:nvSpPr>
+          <p:cNvPr id="2" name="Title 1">
+            <a:extLst>
+              <a:ext uri="{FF2B5EF4-FFF2-40B4-BE49-F238E27FC236}">
+                <a16:creationId xmlns:a16="http://schemas.microsoft.com/office/drawing/2014/main" id="{957141F4-88F0-47D6-1E74-2DF1ECE36EF7}"/>
+              </a:ext>
+            </a:extLst>
+          </p:cNvPr>
+          <p:cNvSpPr>
+            <a:spLocks noGrp="1"/>
+          </p:cNvSpPr>
+          <p:nvPr>
+            <p:ph type="title"/>
+          </p:nvPr>
+        </p:nvSpPr>
+        <p:spPr/>
+        <p:txBody>
+          <a:bodyPr/>
+          <a:lstStyle/>
+          <a:p>
+            <a:r>
+              <a:rPr lang="en-GB" dirty="0"/>
+              <a:t>Ethical considerations</a:t>
+            </a:r>
+          </a:p>
+        </p:txBody>
+      </p:sp>
+      <p:sp>
+        <p:nvSpPr>
+          <p:cNvPr id="3" name="Content Placeholder 2">
+            <a:extLst>
+              <a:ext uri="{FF2B5EF4-FFF2-40B4-BE49-F238E27FC236}">
+                <a16:creationId xmlns:a16="http://schemas.microsoft.com/office/drawing/2014/main" id="{6A1B0301-834D-74C2-C144-88D52291A685}"/>
+              </a:ext>
+            </a:extLst>
+          </p:cNvPr>
+          <p:cNvSpPr>
+            <a:spLocks noGrp="1"/>
+          </p:cNvSpPr>
+          <p:nvPr>
+            <p:ph idx="1"/>
+          </p:nvPr>
+        </p:nvSpPr>
+        <p:spPr/>
+        <p:txBody>
+          <a:bodyPr/>
+          <a:lstStyle/>
+          <a:p>
+            <a:r>
+              <a:rPr lang="en-GB" dirty="0"/>
+              <a:t>At the risk of promoting bias against Chinese and Indian people, we’ve established that production of CO2 by China and India runs at 8 000 and 2 000 </a:t>
+            </a:r>
+            <a:r>
+              <a:rPr lang="en-GB" dirty="0" err="1"/>
+              <a:t>megatonnes</a:t>
+            </a:r>
+            <a:r>
+              <a:rPr lang="en-GB" dirty="0"/>
+              <a:t> respectively as of 2021.  This is irrefutable, despite ethical considerations.</a:t>
+            </a:r>
+          </a:p>
+        </p:txBody>
+      </p:sp>
+    </p:spTree>
+    <p:extLst>
+      <p:ext uri="{BB962C8B-B14F-4D97-AF65-F5344CB8AC3E}">
+        <p14:creationId xmlns:p14="http://schemas.microsoft.com/office/powerpoint/2010/main" val="371696489"/>
+      </p:ext>
+    </p:extLst>
+  </p:cSld>
+  <p:clrMapOvr>
+    <a:masterClrMapping/>
+  </p:clrMapOvr>
+</p:sld>
+</file>
+
+<file path=ppt/slides/slide22.xml><?xml version="1.0" encoding="utf-8"?>
+<p:sld xmlns:a="http://schemas.openxmlformats.org/drawingml/2006/main" xmlns:r="http://schemas.openxmlformats.org/officeDocument/2006/relationships" xmlns:p="http://schemas.openxmlformats.org/presentationml/2006/main">
+  <p:cSld>
+    <p:bg>
+      <p:bgPr>
+        <a:solidFill>
+          <a:schemeClr val="bg2"/>
+        </a:solidFill>
+        <a:effectLst/>
+      </p:bgPr>
+    </p:bg>
+    <p:spTree>
+      <p:nvGrpSpPr>
+        <p:cNvPr id="1" name=""/>
+        <p:cNvGrpSpPr/>
+        <p:nvPr/>
+      </p:nvGrpSpPr>
+      <p:grpSpPr>
+        <a:xfrm>
+          <a:off x="0" y="0"/>
+          <a:ext cx="0" cy="0"/>
+          <a:chOff x="0" y="0"/>
+          <a:chExt cx="0" cy="0"/>
+        </a:xfrm>
+      </p:grpSpPr>
       <p:grpSp>
         <p:nvGrpSpPr>
-          <p:cNvPr id="9" name="Group 8">
+          <p:cNvPr id="31" name="Group 30">
             <a:extLst>
               <a:ext uri="{FF2B5EF4-FFF2-40B4-BE49-F238E27FC236}">
-                <a16:creationId xmlns:a16="http://schemas.microsoft.com/office/drawing/2014/main" id="{88C9B83F-64CD-41C1-925F-A08801FFD0BD}"/>
+                <a16:creationId xmlns:a16="http://schemas.microsoft.com/office/drawing/2014/main" id="{28460BD8-AE3F-4AC9-9D0B-717052AA5D3A}"/>
               </a:ext>
               <a:ext uri="{C183D7F6-B498-43B3-948B-1728B52AA6E4}">
                 <adec:decorative xmlns:adec="http://schemas.microsoft.com/office/drawing/2017/decorative" val="1"/>
@@ -6462,10 +7830,10 @@
         </p:grpSpPr>
         <p:cxnSp>
           <p:nvCxnSpPr>
-            <p:cNvPr id="10" name="Straight Connector 9">
+            <p:cNvPr id="32" name="Straight Connector 31">
               <a:extLst>
                 <a:ext uri="{FF2B5EF4-FFF2-40B4-BE49-F238E27FC236}">
-                  <a16:creationId xmlns:a16="http://schemas.microsoft.com/office/drawing/2014/main" id="{E1655065-0BD7-4422-BEC0-4401E998090A}"/>
+                  <a16:creationId xmlns:a16="http://schemas.microsoft.com/office/drawing/2014/main" id="{54420CFE-F482-466E-9E1E-C78513C0B85D}"/>
                 </a:ext>
                 <a:ext uri="{C183D7F6-B498-43B3-948B-1728B52AA6E4}">
                   <adec:decorative xmlns:adec="http://schemas.microsoft.com/office/drawing/2017/decorative" val="1"/>
@@ -6514,10 +7882,10 @@
         </p:cxnSp>
         <p:cxnSp>
           <p:nvCxnSpPr>
-            <p:cNvPr id="11" name="Straight Connector 10">
+            <p:cNvPr id="33" name="Straight Connector 32">
               <a:extLst>
                 <a:ext uri="{FF2B5EF4-FFF2-40B4-BE49-F238E27FC236}">
-                  <a16:creationId xmlns:a16="http://schemas.microsoft.com/office/drawing/2014/main" id="{4DDD90AC-ABEC-4A76-9C9C-AD0A5F8FC7F2}"/>
+                  <a16:creationId xmlns:a16="http://schemas.microsoft.com/office/drawing/2014/main" id="{5331032B-BD21-4BDA-920C-12E358052567}"/>
                 </a:ext>
                 <a:ext uri="{C183D7F6-B498-43B3-948B-1728B52AA6E4}">
                   <adec:decorative xmlns:adec="http://schemas.microsoft.com/office/drawing/2017/decorative" val="1"/>
@@ -6566,10 +7934,10 @@
         </p:cxnSp>
         <p:sp>
           <p:nvSpPr>
-            <p:cNvPr id="12" name="Rectangle 23">
+            <p:cNvPr id="34" name="Rectangle 23">
               <a:extLst>
                 <a:ext uri="{FF2B5EF4-FFF2-40B4-BE49-F238E27FC236}">
-                  <a16:creationId xmlns:a16="http://schemas.microsoft.com/office/drawing/2014/main" id="{21A8AFEF-EC50-4C0B-9C64-814B76C82090}"/>
+                  <a16:creationId xmlns:a16="http://schemas.microsoft.com/office/drawing/2014/main" id="{E7514DA3-59E7-409E-8A3B-AD097F6E5644}"/>
                 </a:ext>
                 <a:ext uri="{C183D7F6-B498-43B3-948B-1728B52AA6E4}">
                   <adec:decorative xmlns:adec="http://schemas.microsoft.com/office/drawing/2017/decorative" val="1"/>
@@ -6651,10 +8019,10 @@
         </p:sp>
         <p:sp>
           <p:nvSpPr>
-            <p:cNvPr id="13" name="Rectangle 25">
+            <p:cNvPr id="35" name="Rectangle 25">
               <a:extLst>
                 <a:ext uri="{FF2B5EF4-FFF2-40B4-BE49-F238E27FC236}">
-                  <a16:creationId xmlns:a16="http://schemas.microsoft.com/office/drawing/2014/main" id="{CAFAA800-E117-4357-84E4-56B63EA03E37}"/>
+                  <a16:creationId xmlns:a16="http://schemas.microsoft.com/office/drawing/2014/main" id="{57B9A2A6-3BE4-4599-9364-F71C5BFD61F8}"/>
                 </a:ext>
                 <a:ext uri="{C183D7F6-B498-43B3-948B-1728B52AA6E4}">
                   <adec:decorative xmlns:adec="http://schemas.microsoft.com/office/drawing/2017/decorative" val="1"/>
@@ -6736,10 +8104,10 @@
         </p:sp>
         <p:sp>
           <p:nvSpPr>
-            <p:cNvPr id="14" name="Isosceles Triangle 13">
+            <p:cNvPr id="36" name="Isosceles Triangle 35">
               <a:extLst>
                 <a:ext uri="{FF2B5EF4-FFF2-40B4-BE49-F238E27FC236}">
-                  <a16:creationId xmlns:a16="http://schemas.microsoft.com/office/drawing/2014/main" id="{8DDFC9F4-3B45-402D-8AD7-60B3F08ED755}"/>
+                  <a16:creationId xmlns:a16="http://schemas.microsoft.com/office/drawing/2014/main" id="{4FD744C6-4ED8-4BC9-BF68-6BDF701C5DB4}"/>
                 </a:ext>
                 <a:ext uri="{C183D7F6-B498-43B3-948B-1728B52AA6E4}">
                   <adec:decorative xmlns:adec="http://schemas.microsoft.com/office/drawing/2017/decorative" val="1"/>
@@ -6799,10 +8167,10 @@
         </p:sp>
         <p:sp>
           <p:nvSpPr>
-            <p:cNvPr id="15" name="Rectangle 27">
+            <p:cNvPr id="37" name="Rectangle 27">
               <a:extLst>
                 <a:ext uri="{FF2B5EF4-FFF2-40B4-BE49-F238E27FC236}">
-                  <a16:creationId xmlns:a16="http://schemas.microsoft.com/office/drawing/2014/main" id="{F26A0854-FBE4-4587-B349-06BE192BD7F6}"/>
+                  <a16:creationId xmlns:a16="http://schemas.microsoft.com/office/drawing/2014/main" id="{092C5BAD-C911-4F8F-A1C5-470268BE668B}"/>
                 </a:ext>
                 <a:ext uri="{C183D7F6-B498-43B3-948B-1728B52AA6E4}">
                   <adec:decorative xmlns:adec="http://schemas.microsoft.com/office/drawing/2017/decorative" val="1"/>
@@ -6885,10 +8253,10 @@
         </p:sp>
         <p:sp>
           <p:nvSpPr>
-            <p:cNvPr id="16" name="Rectangle 28">
+            <p:cNvPr id="38" name="Rectangle 28">
               <a:extLst>
                 <a:ext uri="{FF2B5EF4-FFF2-40B4-BE49-F238E27FC236}">
-                  <a16:creationId xmlns:a16="http://schemas.microsoft.com/office/drawing/2014/main" id="{54A9C4C6-FF7D-470E-BFCA-CE4F60A1F0A8}"/>
+                  <a16:creationId xmlns:a16="http://schemas.microsoft.com/office/drawing/2014/main" id="{B133D0C8-4EC4-424F-8E70-0482D5B1B653}"/>
                 </a:ext>
                 <a:ext uri="{C183D7F6-B498-43B3-948B-1728B52AA6E4}">
                   <adec:decorative xmlns:adec="http://schemas.microsoft.com/office/drawing/2017/decorative" val="1"/>
@@ -6972,10 +8340,10 @@
         </p:sp>
         <p:sp>
           <p:nvSpPr>
-            <p:cNvPr id="17" name="Rectangle 29">
+            <p:cNvPr id="39" name="Rectangle 29">
               <a:extLst>
                 <a:ext uri="{FF2B5EF4-FFF2-40B4-BE49-F238E27FC236}">
-                  <a16:creationId xmlns:a16="http://schemas.microsoft.com/office/drawing/2014/main" id="{B1721EA8-4871-45D4-B78F-AE805A3004B1}"/>
+                  <a16:creationId xmlns:a16="http://schemas.microsoft.com/office/drawing/2014/main" id="{7B1532A0-F4B3-4DE8-B18F-740CAAD25AC4}"/>
                 </a:ext>
                 <a:ext uri="{C183D7F6-B498-43B3-948B-1728B52AA6E4}">
                   <adec:decorative xmlns:adec="http://schemas.microsoft.com/office/drawing/2017/decorative" val="1"/>
@@ -7057,10 +8425,10 @@
         </p:sp>
         <p:sp>
           <p:nvSpPr>
-            <p:cNvPr id="18" name="Isosceles Triangle 17">
+            <p:cNvPr id="40" name="Isosceles Triangle 39">
               <a:extLst>
                 <a:ext uri="{FF2B5EF4-FFF2-40B4-BE49-F238E27FC236}">
-                  <a16:creationId xmlns:a16="http://schemas.microsoft.com/office/drawing/2014/main" id="{E5763971-E3A3-45C6-9BA8-2E032C7A55EB}"/>
+                  <a16:creationId xmlns:a16="http://schemas.microsoft.com/office/drawing/2014/main" id="{8EFDD162-BBBA-4062-8BBF-53DBA1091374}"/>
                 </a:ext>
                 <a:ext uri="{C183D7F6-B498-43B3-948B-1728B52AA6E4}">
                   <adec:decorative xmlns:adec="http://schemas.microsoft.com/office/drawing/2017/decorative" val="1"/>
@@ -7120,10 +8488,10 @@
         </p:sp>
         <p:sp>
           <p:nvSpPr>
-            <p:cNvPr id="19" name="Isosceles Triangle 18">
+            <p:cNvPr id="41" name="Isosceles Triangle 40">
               <a:extLst>
                 <a:ext uri="{FF2B5EF4-FFF2-40B4-BE49-F238E27FC236}">
-                  <a16:creationId xmlns:a16="http://schemas.microsoft.com/office/drawing/2014/main" id="{32752E94-0E01-4AF5-A43A-F2FAD8737C29}"/>
+                  <a16:creationId xmlns:a16="http://schemas.microsoft.com/office/drawing/2014/main" id="{DCFC9E65-3E19-4483-B952-25D29683CA56}"/>
                 </a:ext>
                 <a:ext uri="{C183D7F6-B498-43B3-948B-1728B52AA6E4}">
                   <adec:decorative xmlns:adec="http://schemas.microsoft.com/office/drawing/2017/decorative" val="1"/>
@@ -7182,29 +8550,203 @@
           </p:txBody>
         </p:sp>
       </p:grpSp>
-      <p:pic>
-        <p:nvPicPr>
-          <p:cNvPr id="5" name="Picture 4" descr="Hand with red strings">
+      <p:sp useBgFill="1">
+        <p:nvSpPr>
+          <p:cNvPr id="43" name="Rectangle 42">
             <a:extLst>
               <a:ext uri="{FF2B5EF4-FFF2-40B4-BE49-F238E27FC236}">
-                <a16:creationId xmlns:a16="http://schemas.microsoft.com/office/drawing/2014/main" id="{E32D2A84-6560-E8D0-2F88-3D8F7D938BCC}"/>
+                <a16:creationId xmlns:a16="http://schemas.microsoft.com/office/drawing/2014/main" id="{9179DE42-5613-4B35-A1E6-6CCBAA13C743}"/>
+              </a:ext>
+              <a:ext uri="{C183D7F6-B498-43B3-948B-1728B52AA6E4}">
+                <adec:decorative xmlns:adec="http://schemas.microsoft.com/office/drawing/2017/decorative" val="1"/>
               </a:ext>
             </a:extLst>
           </p:cNvPr>
-          <p:cNvPicPr>
-            <a:picLocks noChangeAspect="1"/>
-          </p:cNvPicPr>
-          <p:nvPr/>
-        </p:nvPicPr>
-        <p:blipFill rotWithShape="1">
-          <a:blip r:embed="rId2"/>
-          <a:srcRect l="27245" r="20244" b="-2"/>
-          <a:stretch/>
-        </p:blipFill>
+          <p:cNvSpPr>
+            <a:spLocks noGrp="1" noRot="1" noChangeAspect="1" noMove="1" noResize="1" noEditPoints="1" noAdjustHandles="1" noChangeArrowheads="1" noChangeShapeType="1" noTextEdit="1"/>
+          </p:cNvSpPr>
+          <p:nvPr>
+            <p:extLst>
+              <p:ext uri="{386F3935-93C4-4BCD-93E2-E3B085C9AB24}">
+                <p16:designElem xmlns:p16="http://schemas.microsoft.com/office/powerpoint/2015/main" val="1"/>
+              </p:ext>
+            </p:extLst>
+          </p:nvPr>
+        </p:nvSpPr>
         <p:spPr>
           <a:xfrm>
-            <a:off x="20" y="-1"/>
-            <a:ext cx="5394940" cy="6858001"/>
+            <a:off x="0" y="0"/>
+            <a:ext cx="12192000" cy="6858000"/>
+          </a:xfrm>
+          <a:prstGeom prst="rect">
+            <a:avLst/>
+          </a:prstGeom>
+          <a:ln>
+            <a:noFill/>
+          </a:ln>
+        </p:spPr>
+        <p:style>
+          <a:lnRef idx="2">
+            <a:schemeClr val="accent1">
+              <a:shade val="50000"/>
+            </a:schemeClr>
+          </a:lnRef>
+          <a:fillRef idx="1">
+            <a:schemeClr val="accent1"/>
+          </a:fillRef>
+          <a:effectRef idx="0">
+            <a:schemeClr val="accent1"/>
+          </a:effectRef>
+          <a:fontRef idx="minor">
+            <a:schemeClr val="lt1"/>
+          </a:fontRef>
+        </p:style>
+        <p:txBody>
+          <a:bodyPr rtlCol="0" anchor="ctr"/>
+          <a:lstStyle/>
+          <a:p>
+            <a:pPr algn="ctr"/>
+            <a:endParaRPr lang="en-US"/>
+          </a:p>
+        </p:txBody>
+      </p:sp>
+      <p:cxnSp>
+        <p:nvCxnSpPr>
+          <p:cNvPr id="45" name="Straight Connector 44">
+            <a:extLst>
+              <a:ext uri="{FF2B5EF4-FFF2-40B4-BE49-F238E27FC236}">
+                <a16:creationId xmlns:a16="http://schemas.microsoft.com/office/drawing/2014/main" id="{EB898B32-3891-4C3A-8F58-C5969D2E9033}"/>
+              </a:ext>
+              <a:ext uri="{C183D7F6-B498-43B3-948B-1728B52AA6E4}">
+                <adec:decorative xmlns:adec="http://schemas.microsoft.com/office/drawing/2017/decorative" val="1"/>
+              </a:ext>
+            </a:extLst>
+          </p:cNvPr>
+          <p:cNvCxnSpPr>
+            <a:cxnSpLocks noGrp="1" noRot="1" noChangeAspect="1" noMove="1" noResize="1" noEditPoints="1" noAdjustHandles="1" noChangeArrowheads="1" noChangeShapeType="1"/>
+          </p:cNvCxnSpPr>
+          <p:nvPr>
+            <p:extLst>
+              <p:ext uri="{386F3935-93C4-4BCD-93E2-E3B085C9AB24}">
+                <p16:designElem xmlns:p16="http://schemas.microsoft.com/office/powerpoint/2015/main" val="1"/>
+              </p:ext>
+            </p:extLst>
+          </p:nvPr>
+        </p:nvCxnSpPr>
+        <p:spPr>
+          <a:xfrm>
+            <a:off x="1448300" y="0"/>
+            <a:ext cx="1219200" cy="6858000"/>
+          </a:xfrm>
+          <a:prstGeom prst="line">
+            <a:avLst/>
+          </a:prstGeom>
+          <a:ln w="9525">
+            <a:solidFill>
+              <a:schemeClr val="accent1">
+                <a:lumMod val="75000"/>
+              </a:schemeClr>
+            </a:solidFill>
+          </a:ln>
+        </p:spPr>
+        <p:style>
+          <a:lnRef idx="2">
+            <a:schemeClr val="accent1"/>
+          </a:lnRef>
+          <a:fillRef idx="0">
+            <a:schemeClr val="accent1"/>
+          </a:fillRef>
+          <a:effectRef idx="1">
+            <a:schemeClr val="accent1"/>
+          </a:effectRef>
+          <a:fontRef idx="minor">
+            <a:schemeClr val="tx1"/>
+          </a:fontRef>
+        </p:style>
+      </p:cxnSp>
+      <p:cxnSp>
+        <p:nvCxnSpPr>
+          <p:cNvPr id="47" name="Straight Connector 46">
+            <a:extLst>
+              <a:ext uri="{FF2B5EF4-FFF2-40B4-BE49-F238E27FC236}">
+                <a16:creationId xmlns:a16="http://schemas.microsoft.com/office/drawing/2014/main" id="{4AE4806D-B8F9-4679-A68A-9BD21C01A301}"/>
+              </a:ext>
+              <a:ext uri="{C183D7F6-B498-43B3-948B-1728B52AA6E4}">
+                <adec:decorative xmlns:adec="http://schemas.microsoft.com/office/drawing/2017/decorative" val="1"/>
+              </a:ext>
+            </a:extLst>
+          </p:cNvPr>
+          <p:cNvCxnSpPr>
+            <a:cxnSpLocks noGrp="1" noRot="1" noChangeAspect="1" noMove="1" noResize="1" noEditPoints="1" noAdjustHandles="1" noChangeArrowheads="1" noChangeShapeType="1"/>
+          </p:cNvCxnSpPr>
+          <p:nvPr>
+            <p:extLst>
+              <p:ext uri="{386F3935-93C4-4BCD-93E2-E3B085C9AB24}">
+                <p16:designElem xmlns:p16="http://schemas.microsoft.com/office/powerpoint/2015/main" val="1"/>
+              </p:ext>
+            </p:extLst>
+          </p:nvPr>
+        </p:nvCxnSpPr>
+        <p:spPr>
+          <a:xfrm flipH="1">
+            <a:off x="67175" y="3681413"/>
+            <a:ext cx="4763558" cy="3176587"/>
+          </a:xfrm>
+          <a:prstGeom prst="line">
+            <a:avLst/>
+          </a:prstGeom>
+          <a:ln w="9525">
+            <a:solidFill>
+              <a:schemeClr val="tx1">
+                <a:lumMod val="50000"/>
+                <a:lumOff val="50000"/>
+                <a:alpha val="80000"/>
+              </a:schemeClr>
+            </a:solidFill>
+          </a:ln>
+        </p:spPr>
+        <p:style>
+          <a:lnRef idx="2">
+            <a:schemeClr val="accent1"/>
+          </a:lnRef>
+          <a:fillRef idx="0">
+            <a:schemeClr val="accent1"/>
+          </a:fillRef>
+          <a:effectRef idx="1">
+            <a:schemeClr val="accent1"/>
+          </a:effectRef>
+          <a:fontRef idx="minor">
+            <a:schemeClr val="tx1"/>
+          </a:fontRef>
+        </p:style>
+      </p:cxnSp>
+      <p:sp>
+        <p:nvSpPr>
+          <p:cNvPr id="49" name="Rectangle 23">
+            <a:extLst>
+              <a:ext uri="{FF2B5EF4-FFF2-40B4-BE49-F238E27FC236}">
+                <a16:creationId xmlns:a16="http://schemas.microsoft.com/office/drawing/2014/main" id="{52FB45E9-914E-4471-AC87-E475CD51767D}"/>
+              </a:ext>
+              <a:ext uri="{C183D7F6-B498-43B3-948B-1728B52AA6E4}">
+                <adec:decorative xmlns:adec="http://schemas.microsoft.com/office/drawing/2017/decorative" val="1"/>
+              </a:ext>
+            </a:extLst>
+          </p:cNvPr>
+          <p:cNvSpPr>
+            <a:spLocks noGrp="1" noRot="1" noChangeAspect="1" noMove="1" noResize="1" noEditPoints="1" noAdjustHandles="1" noChangeArrowheads="1" noChangeShapeType="1" noTextEdit="1"/>
+          </p:cNvSpPr>
+          <p:nvPr>
+            <p:extLst>
+              <p:ext uri="{386F3935-93C4-4BCD-93E2-E3B085C9AB24}">
+                <p16:designElem xmlns:p16="http://schemas.microsoft.com/office/powerpoint/2015/main" val="1"/>
+              </p:ext>
+            </p:extLst>
+          </p:nvPr>
+        </p:nvSpPr>
+        <p:spPr>
+          <a:xfrm>
+            <a:off x="1258764" y="-8467"/>
+            <a:ext cx="3007349" cy="6866467"/>
           </a:xfrm>
           <a:custGeom>
             <a:avLst/>
@@ -7213,557 +8755,30 @@
             <a:cxnLst/>
             <a:rect l="l" t="t" r="r" b="b"/>
             <a:pathLst>
-              <a:path w="5394960" h="6858000">
+              <a:path w="3007349" h="6866467">
                 <a:moveTo>
-                  <a:pt x="842596" y="0"/>
+                  <a:pt x="2045532" y="0"/>
                 </a:moveTo>
                 <a:lnTo>
-                  <a:pt x="5394960" y="0"/>
+                  <a:pt x="3007349" y="0"/>
                 </a:lnTo>
                 <a:lnTo>
-                  <a:pt x="5394960" y="21851"/>
+                  <a:pt x="3007349" y="6866467"/>
                 </a:lnTo>
                 <a:lnTo>
-                  <a:pt x="4365943" y="6858000"/>
+                  <a:pt x="0" y="6866467"/>
                 </a:lnTo>
                 <a:lnTo>
-                  <a:pt x="0" y="6858000"/>
-                </a:lnTo>
-                <a:lnTo>
-                  <a:pt x="0" y="5666154"/>
+                  <a:pt x="2045532" y="0"/>
                 </a:lnTo>
                 <a:close/>
               </a:path>
             </a:pathLst>
           </a:custGeom>
-        </p:spPr>
-      </p:pic>
-      <p:sp>
-        <p:nvSpPr>
-          <p:cNvPr id="2" name="Title 1">
-            <a:extLst>
-              <a:ext uri="{FF2B5EF4-FFF2-40B4-BE49-F238E27FC236}">
-                <a16:creationId xmlns:a16="http://schemas.microsoft.com/office/drawing/2014/main" id="{435453C3-B42C-1312-6824-B83F8EBEF65A}"/>
-              </a:ext>
-            </a:extLst>
-          </p:cNvPr>
-          <p:cNvSpPr>
-            <a:spLocks noGrp="1"/>
-          </p:cNvSpPr>
-          <p:nvPr>
-            <p:ph type="title"/>
-          </p:nvPr>
-        </p:nvSpPr>
-        <p:spPr>
-          <a:xfrm>
-            <a:off x="5380563" y="1678665"/>
-            <a:ext cx="3887839" cy="2372168"/>
-          </a:xfrm>
-        </p:spPr>
-        <p:txBody>
-          <a:bodyPr vert="horz" lIns="91440" tIns="45720" rIns="91440" bIns="45720" rtlCol="0" anchor="b">
-            <a:normAutofit/>
-          </a:bodyPr>
-          <a:lstStyle/>
-          <a:p>
-            <a:pPr algn="r"/>
-            <a:r>
-              <a:rPr lang="en-US" sz="5000"/>
-              <a:t>Interactivity</a:t>
-            </a:r>
-          </a:p>
-        </p:txBody>
-      </p:sp>
-    </p:spTree>
-    <p:extLst>
-      <p:ext uri="{BB962C8B-B14F-4D97-AF65-F5344CB8AC3E}">
-        <p14:creationId xmlns:p14="http://schemas.microsoft.com/office/powerpoint/2010/main" val="242654588"/>
-      </p:ext>
-    </p:extLst>
-  </p:cSld>
-  <p:clrMapOvr>
-    <a:masterClrMapping/>
-  </p:clrMapOvr>
-</p:sld>
-</file>
-
-<file path=ppt/slides/slide14.xml><?xml version="1.0" encoding="utf-8"?>
-<p:sld xmlns:a="http://schemas.openxmlformats.org/drawingml/2006/main" xmlns:r="http://schemas.openxmlformats.org/officeDocument/2006/relationships" xmlns:p="http://schemas.openxmlformats.org/presentationml/2006/main">
-  <p:cSld>
-    <p:spTree>
-      <p:nvGrpSpPr>
-        <p:cNvPr id="1" name=""/>
-        <p:cNvGrpSpPr/>
-        <p:nvPr/>
-      </p:nvGrpSpPr>
-      <p:grpSpPr>
-        <a:xfrm>
-          <a:off x="0" y="0"/>
-          <a:ext cx="0" cy="0"/>
-          <a:chOff x="0" y="0"/>
-          <a:chExt cx="0" cy="0"/>
-        </a:xfrm>
-      </p:grpSpPr>
-      <p:sp>
-        <p:nvSpPr>
-          <p:cNvPr id="2" name="Title 1">
-            <a:extLst>
-              <a:ext uri="{FF2B5EF4-FFF2-40B4-BE49-F238E27FC236}">
-                <a16:creationId xmlns:a16="http://schemas.microsoft.com/office/drawing/2014/main" id="{AE35C01B-56A1-109D-14FF-7672EAF4B7D7}"/>
-              </a:ext>
-            </a:extLst>
-          </p:cNvPr>
-          <p:cNvSpPr>
-            <a:spLocks noGrp="1"/>
-          </p:cNvSpPr>
-          <p:nvPr>
-            <p:ph type="title"/>
-          </p:nvPr>
-        </p:nvSpPr>
-        <p:spPr/>
-        <p:txBody>
-          <a:bodyPr/>
-          <a:lstStyle/>
-          <a:p>
-            <a:r>
-              <a:rPr lang="en-GB" dirty="0"/>
-              <a:t>Webpage Styling (CSS)</a:t>
-            </a:r>
-          </a:p>
-        </p:txBody>
-      </p:sp>
-      <p:sp>
-        <p:nvSpPr>
-          <p:cNvPr id="3" name="Content Placeholder 2">
-            <a:extLst>
-              <a:ext uri="{FF2B5EF4-FFF2-40B4-BE49-F238E27FC236}">
-                <a16:creationId xmlns:a16="http://schemas.microsoft.com/office/drawing/2014/main" id="{071AABD5-774A-746F-93EA-339D488FD090}"/>
-              </a:ext>
-            </a:extLst>
-          </p:cNvPr>
-          <p:cNvSpPr>
-            <a:spLocks noGrp="1"/>
-          </p:cNvSpPr>
-          <p:nvPr>
-            <p:ph idx="1"/>
-          </p:nvPr>
-        </p:nvSpPr>
-        <p:spPr/>
-        <p:txBody>
-          <a:bodyPr/>
-          <a:lstStyle/>
-          <a:p>
-            <a:endParaRPr lang="en-GB"/>
-          </a:p>
-        </p:txBody>
-      </p:sp>
-    </p:spTree>
-    <p:extLst>
-      <p:ext uri="{BB962C8B-B14F-4D97-AF65-F5344CB8AC3E}">
-        <p14:creationId xmlns:p14="http://schemas.microsoft.com/office/powerpoint/2010/main" val="2857698935"/>
-      </p:ext>
-    </p:extLst>
-  </p:cSld>
-  <p:clrMapOvr>
-    <a:masterClrMapping/>
-  </p:clrMapOvr>
-</p:sld>
-</file>
-
-<file path=ppt/slides/slide15.xml><?xml version="1.0" encoding="utf-8"?>
-<p:sld xmlns:a="http://schemas.openxmlformats.org/drawingml/2006/main" xmlns:r="http://schemas.openxmlformats.org/officeDocument/2006/relationships" xmlns:p="http://schemas.openxmlformats.org/presentationml/2006/main">
-  <p:cSld>
-    <p:spTree>
-      <p:nvGrpSpPr>
-        <p:cNvPr id="1" name=""/>
-        <p:cNvGrpSpPr/>
-        <p:nvPr/>
-      </p:nvGrpSpPr>
-      <p:grpSpPr>
-        <a:xfrm>
-          <a:off x="0" y="0"/>
-          <a:ext cx="0" cy="0"/>
-          <a:chOff x="0" y="0"/>
-          <a:chExt cx="0" cy="0"/>
-        </a:xfrm>
-      </p:grpSpPr>
-      <p:sp>
-        <p:nvSpPr>
-          <p:cNvPr id="2" name="Title 1">
-            <a:extLst>
-              <a:ext uri="{FF2B5EF4-FFF2-40B4-BE49-F238E27FC236}">
-                <a16:creationId xmlns:a16="http://schemas.microsoft.com/office/drawing/2014/main" id="{C7FB40C7-28EB-2B80-0936-CFA563856794}"/>
-              </a:ext>
-            </a:extLst>
-          </p:cNvPr>
-          <p:cNvSpPr>
-            <a:spLocks noGrp="1"/>
-          </p:cNvSpPr>
-          <p:nvPr>
-            <p:ph type="title"/>
-          </p:nvPr>
-        </p:nvSpPr>
-        <p:spPr/>
-        <p:txBody>
-          <a:bodyPr/>
-          <a:lstStyle/>
-          <a:p>
-            <a:endParaRPr lang="en-US"/>
-          </a:p>
-        </p:txBody>
-      </p:sp>
-      <p:sp>
-        <p:nvSpPr>
-          <p:cNvPr id="3" name="Content Placeholder 2">
-            <a:extLst>
-              <a:ext uri="{FF2B5EF4-FFF2-40B4-BE49-F238E27FC236}">
-                <a16:creationId xmlns:a16="http://schemas.microsoft.com/office/drawing/2014/main" id="{6E0D6D93-EE9E-50AE-E7B3-BC013D2E8FC4}"/>
-              </a:ext>
-            </a:extLst>
-          </p:cNvPr>
-          <p:cNvSpPr>
-            <a:spLocks noGrp="1"/>
-          </p:cNvSpPr>
-          <p:nvPr>
-            <p:ph idx="1"/>
-          </p:nvPr>
-        </p:nvSpPr>
-        <p:spPr/>
-        <p:txBody>
-          <a:bodyPr vert="horz" lIns="91440" tIns="45720" rIns="91440" bIns="45720" rtlCol="0" anchor="t">
-            <a:normAutofit/>
-          </a:bodyPr>
-          <a:lstStyle/>
-          <a:p>
-            <a:r>
-              <a:rPr lang="en-US" dirty="0"/>
-              <a:t>Over 2021, China produced a staggering 8 000 </a:t>
-            </a:r>
-            <a:r>
-              <a:rPr lang="en-US" dirty="0" err="1"/>
-              <a:t>megatonnes</a:t>
-            </a:r>
-            <a:r>
-              <a:rPr lang="en-US" dirty="0"/>
-              <a:t> of CO2 from burning coal alone.  Based on burning coal again, India was a distant second worst culprit with 2 000 </a:t>
-            </a:r>
-            <a:r>
-              <a:rPr lang="en-US" dirty="0" err="1"/>
-              <a:t>megatonnes</a:t>
-            </a:r>
-            <a:r>
-              <a:rPr lang="en-US" dirty="0"/>
-              <a:t>, as this bar chart shows:</a:t>
-            </a:r>
-          </a:p>
-        </p:txBody>
-      </p:sp>
-      <p:pic>
-        <p:nvPicPr>
-          <p:cNvPr id="4" name="Content Placeholder 3" descr="A graph of a number of coal burning&#10;&#10;Description automatically generated">
-            <a:extLst>
-              <a:ext uri="{FF2B5EF4-FFF2-40B4-BE49-F238E27FC236}">
-                <a16:creationId xmlns:a16="http://schemas.microsoft.com/office/drawing/2014/main" id="{5CA68C9F-EC1E-1B93-0519-4DCBC14AF9F1}"/>
-              </a:ext>
-            </a:extLst>
-          </p:cNvPr>
-          <p:cNvPicPr>
-            <a:picLocks noChangeAspect="1"/>
-          </p:cNvPicPr>
-          <p:nvPr/>
-        </p:nvPicPr>
-        <p:blipFill>
-          <a:blip r:embed="rId2"/>
-          <a:stretch>
-            <a:fillRect/>
-          </a:stretch>
-        </p:blipFill>
-        <p:spPr>
-          <a:xfrm>
-            <a:off x="3723939" y="1943894"/>
-            <a:ext cx="4744122" cy="4114800"/>
-          </a:xfrm>
-          <a:prstGeom prst="rect">
-            <a:avLst/>
-          </a:prstGeom>
-        </p:spPr>
-      </p:pic>
-    </p:spTree>
-    <p:extLst>
-      <p:ext uri="{BB962C8B-B14F-4D97-AF65-F5344CB8AC3E}">
-        <p14:creationId xmlns:p14="http://schemas.microsoft.com/office/powerpoint/2010/main" val="180695691"/>
-      </p:ext>
-    </p:extLst>
-  </p:cSld>
-  <p:clrMapOvr>
-    <a:masterClrMapping/>
-  </p:clrMapOvr>
-</p:sld>
-</file>
-
-<file path=ppt/slides/slide16.xml><?xml version="1.0" encoding="utf-8"?>
-<p:sld xmlns:a="http://schemas.openxmlformats.org/drawingml/2006/main" xmlns:r="http://schemas.openxmlformats.org/officeDocument/2006/relationships" xmlns:p="http://schemas.openxmlformats.org/presentationml/2006/main">
-  <p:cSld>
-    <p:spTree>
-      <p:nvGrpSpPr>
-        <p:cNvPr id="1" name=""/>
-        <p:cNvGrpSpPr/>
-        <p:nvPr/>
-      </p:nvGrpSpPr>
-      <p:grpSpPr>
-        <a:xfrm>
-          <a:off x="0" y="0"/>
-          <a:ext cx="0" cy="0"/>
-          <a:chOff x="0" y="0"/>
-          <a:chExt cx="0" cy="0"/>
-        </a:xfrm>
-      </p:grpSpPr>
-      <p:sp>
-        <p:nvSpPr>
-          <p:cNvPr id="2" name="Title 1">
-            <a:extLst>
-              <a:ext uri="{FF2B5EF4-FFF2-40B4-BE49-F238E27FC236}">
-                <a16:creationId xmlns:a16="http://schemas.microsoft.com/office/drawing/2014/main" id="{F0195532-2810-56FD-51F6-EBC179710DC4}"/>
-              </a:ext>
-            </a:extLst>
-          </p:cNvPr>
-          <p:cNvSpPr>
-            <a:spLocks noGrp="1"/>
-          </p:cNvSpPr>
-          <p:nvPr>
-            <p:ph type="title"/>
-          </p:nvPr>
-        </p:nvSpPr>
-        <p:spPr/>
-        <p:txBody>
-          <a:bodyPr/>
-          <a:lstStyle/>
-          <a:p>
-            <a:endParaRPr lang="en-US"/>
-          </a:p>
-        </p:txBody>
-      </p:sp>
-      <p:sp>
-        <p:nvSpPr>
-          <p:cNvPr id="3" name="Content Placeholder 2">
-            <a:extLst>
-              <a:ext uri="{FF2B5EF4-FFF2-40B4-BE49-F238E27FC236}">
-                <a16:creationId xmlns:a16="http://schemas.microsoft.com/office/drawing/2014/main" id="{4BA4B914-FF6B-D5C1-87F1-DFF2CF67A5BC}"/>
-              </a:ext>
-            </a:extLst>
-          </p:cNvPr>
-          <p:cNvSpPr>
-            <a:spLocks noGrp="1"/>
-          </p:cNvSpPr>
-          <p:nvPr>
-            <p:ph idx="1"/>
-          </p:nvPr>
-        </p:nvSpPr>
-        <p:spPr/>
-        <p:txBody>
-          <a:bodyPr vert="horz" lIns="91440" tIns="45720" rIns="91440" bIns="45720" rtlCol="0" anchor="t">
-            <a:normAutofit/>
-          </a:bodyPr>
-          <a:lstStyle/>
-          <a:p>
-            <a:r>
-              <a:rPr lang="en-US" dirty="0"/>
-              <a:t>Looking at this line plot, China's CO2 production seems to be increasing exponentially:</a:t>
-            </a:r>
-          </a:p>
-        </p:txBody>
-      </p:sp>
-      <p:pic>
-        <p:nvPicPr>
-          <p:cNvPr id="4" name="Content Placeholder 3" descr="A graph of growth in china&#10;&#10;Description automatically generated">
-            <a:extLst>
-              <a:ext uri="{FF2B5EF4-FFF2-40B4-BE49-F238E27FC236}">
-                <a16:creationId xmlns:a16="http://schemas.microsoft.com/office/drawing/2014/main" id="{EBBF8A04-B253-9D6D-0C7C-6F52EF0B7855}"/>
-              </a:ext>
-            </a:extLst>
-          </p:cNvPr>
-          <p:cNvPicPr>
-            <a:picLocks noChangeAspect="1"/>
-          </p:cNvPicPr>
-          <p:nvPr/>
-        </p:nvPicPr>
-        <p:blipFill>
-          <a:blip r:embed="rId2"/>
-          <a:stretch>
-            <a:fillRect/>
-          </a:stretch>
-        </p:blipFill>
-        <p:spPr>
-          <a:xfrm>
-            <a:off x="3473380" y="1943894"/>
-            <a:ext cx="5245240" cy="4114800"/>
-          </a:xfrm>
-          <a:prstGeom prst="rect">
-            <a:avLst/>
-          </a:prstGeom>
-        </p:spPr>
-      </p:pic>
-    </p:spTree>
-    <p:extLst>
-      <p:ext uri="{BB962C8B-B14F-4D97-AF65-F5344CB8AC3E}">
-        <p14:creationId xmlns:p14="http://schemas.microsoft.com/office/powerpoint/2010/main" val="3175557702"/>
-      </p:ext>
-    </p:extLst>
-  </p:cSld>
-  <p:clrMapOvr>
-    <a:masterClrMapping/>
-  </p:clrMapOvr>
-</p:sld>
-</file>
-
-<file path=ppt/slides/slide17.xml><?xml version="1.0" encoding="utf-8"?>
-<p:sld xmlns:a="http://schemas.openxmlformats.org/drawingml/2006/main" xmlns:r="http://schemas.openxmlformats.org/officeDocument/2006/relationships" xmlns:p="http://schemas.openxmlformats.org/presentationml/2006/main">
-  <p:cSld>
-    <p:bg>
-      <p:bgPr>
-        <a:solidFill>
-          <a:schemeClr val="bg1"/>
-        </a:solidFill>
-        <a:effectLst/>
-      </p:bgPr>
-    </p:bg>
-    <p:spTree>
-      <p:nvGrpSpPr>
-        <p:cNvPr id="1" name=""/>
-        <p:cNvGrpSpPr/>
-        <p:nvPr/>
-      </p:nvGrpSpPr>
-      <p:grpSpPr>
-        <a:xfrm>
-          <a:off x="0" y="0"/>
-          <a:ext cx="0" cy="0"/>
-          <a:chOff x="0" y="0"/>
-          <a:chExt cx="0" cy="0"/>
-        </a:xfrm>
-      </p:grpSpPr>
-      <p:sp>
-        <p:nvSpPr>
-          <p:cNvPr id="2" name="Title 1">
-            <a:extLst>
-              <a:ext uri="{FF2B5EF4-FFF2-40B4-BE49-F238E27FC236}">
-                <a16:creationId xmlns:a16="http://schemas.microsoft.com/office/drawing/2014/main" id="{170CAA3A-BD43-5AB6-E06B-6F24256CA6ED}"/>
-              </a:ext>
-            </a:extLst>
-          </p:cNvPr>
-          <p:cNvSpPr>
-            <a:spLocks noGrp="1"/>
-          </p:cNvSpPr>
-          <p:nvPr>
-            <p:ph type="title"/>
-          </p:nvPr>
-        </p:nvSpPr>
-        <p:spPr>
-          <a:xfrm>
-            <a:off x="2849562" y="609600"/>
-            <a:ext cx="6424440" cy="1320800"/>
-          </a:xfrm>
-        </p:spPr>
-        <p:txBody>
-          <a:bodyPr>
-            <a:normAutofit/>
-          </a:bodyPr>
-          <a:lstStyle/>
-          <a:p>
-            <a:endParaRPr lang="en-US"/>
-          </a:p>
-        </p:txBody>
-      </p:sp>
-      <p:pic>
-        <p:nvPicPr>
-          <p:cNvPr id="5" name="Picture 4" descr="Plant sprouting from the earth">
-            <a:extLst>
-              <a:ext uri="{FF2B5EF4-FFF2-40B4-BE49-F238E27FC236}">
-                <a16:creationId xmlns:a16="http://schemas.microsoft.com/office/drawing/2014/main" id="{EEE5F273-D7A5-8405-3FF2-3E15BCFADDF9}"/>
-              </a:ext>
-            </a:extLst>
-          </p:cNvPr>
-          <p:cNvPicPr>
-            <a:picLocks noChangeAspect="1"/>
-          </p:cNvPicPr>
-          <p:nvPr/>
-        </p:nvPicPr>
-        <p:blipFill rotWithShape="1">
-          <a:blip r:embed="rId2"/>
-          <a:srcRect l="46625" r="26802" b="1"/>
-          <a:stretch/>
-        </p:blipFill>
-        <p:spPr>
-          <a:xfrm>
-            <a:off x="20" y="10"/>
-            <a:ext cx="2734036" cy="6867719"/>
-          </a:xfrm>
-          <a:custGeom>
-            <a:avLst/>
-            <a:gdLst/>
-            <a:ahLst/>
-            <a:cxnLst/>
-            <a:rect l="l" t="t" r="r" b="b"/>
-            <a:pathLst>
-              <a:path w="2734056" h="6858000">
-                <a:moveTo>
-                  <a:pt x="0" y="0"/>
-                </a:moveTo>
-                <a:lnTo>
-                  <a:pt x="1674254" y="0"/>
-                </a:lnTo>
-                <a:lnTo>
-                  <a:pt x="2734056" y="6850199"/>
-                </a:lnTo>
-                <a:lnTo>
-                  <a:pt x="2734056" y="6858000"/>
-                </a:lnTo>
-                <a:lnTo>
-                  <a:pt x="461457" y="6858000"/>
-                </a:lnTo>
-                <a:lnTo>
-                  <a:pt x="0" y="4134118"/>
-                </a:lnTo>
-                <a:close/>
-              </a:path>
-            </a:pathLst>
-          </a:custGeom>
-        </p:spPr>
-      </p:pic>
-      <p:sp>
-        <p:nvSpPr>
-          <p:cNvPr id="9" name="Isosceles Triangle 8">
-            <a:extLst>
-              <a:ext uri="{FF2B5EF4-FFF2-40B4-BE49-F238E27FC236}">
-                <a16:creationId xmlns:a16="http://schemas.microsoft.com/office/drawing/2014/main" id="{EB6743CF-E74B-4A3C-A785-599069DB89DF}"/>
-              </a:ext>
-              <a:ext uri="{C183D7F6-B498-43B3-948B-1728B52AA6E4}">
-                <adec:decorative xmlns:adec="http://schemas.microsoft.com/office/drawing/2017/decorative" val="1"/>
-              </a:ext>
-            </a:extLst>
-          </p:cNvPr>
-          <p:cNvSpPr>
-            <a:spLocks noGrp="1" noRot="1" noChangeAspect="1" noMove="1" noResize="1" noEditPoints="1" noAdjustHandles="1" noChangeArrowheads="1" noChangeShapeType="1" noTextEdit="1"/>
-          </p:cNvSpPr>
-          <p:nvPr>
-            <p:extLst>
-              <p:ext uri="{386F3935-93C4-4BCD-93E2-E3B085C9AB24}">
-                <p16:designElem xmlns:p16="http://schemas.microsoft.com/office/powerpoint/2015/main" val="1"/>
-              </p:ext>
-            </p:extLst>
-          </p:nvPr>
-        </p:nvSpPr>
-        <p:spPr>
-          <a:xfrm>
-            <a:off x="0" y="4013201"/>
-            <a:ext cx="476655" cy="2844800"/>
-          </a:xfrm>
-          <a:prstGeom prst="triangle">
-            <a:avLst>
-              <a:gd name="adj" fmla="val 0"/>
-            </a:avLst>
-          </a:prstGeom>
           <a:solidFill>
-            <a:schemeClr val="accent1"/>
+            <a:schemeClr val="accent1">
+              <a:alpha val="30000"/>
+            </a:schemeClr>
           </a:solidFill>
           <a:ln>
             <a:noFill/>
@@ -7794,817 +8809,439 @@
       </p:sp>
       <p:sp>
         <p:nvSpPr>
-          <p:cNvPr id="3" name="Content Placeholder 2">
+          <p:cNvPr id="51" name="Rectangle 25">
             <a:extLst>
               <a:ext uri="{FF2B5EF4-FFF2-40B4-BE49-F238E27FC236}">
-                <a16:creationId xmlns:a16="http://schemas.microsoft.com/office/drawing/2014/main" id="{2E0248C5-DE5D-8578-DF0C-DAC32F433D67}"/>
+                <a16:creationId xmlns:a16="http://schemas.microsoft.com/office/drawing/2014/main" id="{C310626D-5743-49D4-8F7D-88C4F8F05774}"/>
+              </a:ext>
+              <a:ext uri="{C183D7F6-B498-43B3-948B-1728B52AA6E4}">
+                <adec:decorative xmlns:adec="http://schemas.microsoft.com/office/drawing/2017/decorative" val="1"/>
               </a:ext>
             </a:extLst>
           </p:cNvPr>
           <p:cNvSpPr>
-            <a:spLocks noGrp="1"/>
-          </p:cNvSpPr>
-          <p:nvPr>
-            <p:ph idx="1"/>
+            <a:spLocks noGrp="1" noRot="1" noChangeAspect="1" noMove="1" noResize="1" noEditPoints="1" noAdjustHandles="1" noChangeArrowheads="1" noChangeShapeType="1" noTextEdit="1"/>
+          </p:cNvSpPr>
+          <p:nvPr>
+            <p:extLst>
+              <p:ext uri="{386F3935-93C4-4BCD-93E2-E3B085C9AB24}">
+                <p16:designElem xmlns:p16="http://schemas.microsoft.com/office/powerpoint/2015/main" val="1"/>
+              </p:ext>
+            </p:extLst>
           </p:nvPr>
         </p:nvSpPr>
         <p:spPr>
           <a:xfrm>
-            <a:off x="2849562" y="2160589"/>
-            <a:ext cx="6424440" cy="3880773"/>
+            <a:off x="1680730" y="-8467"/>
+            <a:ext cx="2588558" cy="6866467"/>
           </a:xfrm>
+          <a:custGeom>
+            <a:avLst/>
+            <a:gdLst/>
+            <a:ahLst/>
+            <a:cxnLst/>
+            <a:rect l="l" t="t" r="r" b="b"/>
+            <a:pathLst>
+              <a:path w="2573311" h="6866467">
+                <a:moveTo>
+                  <a:pt x="0" y="0"/>
+                </a:moveTo>
+                <a:lnTo>
+                  <a:pt x="2573311" y="0"/>
+                </a:lnTo>
+                <a:lnTo>
+                  <a:pt x="2573311" y="6866467"/>
+                </a:lnTo>
+                <a:lnTo>
+                  <a:pt x="1202336" y="6866467"/>
+                </a:lnTo>
+                <a:lnTo>
+                  <a:pt x="0" y="0"/>
+                </a:lnTo>
+                <a:close/>
+              </a:path>
+            </a:pathLst>
+          </a:custGeom>
+          <a:solidFill>
+            <a:schemeClr val="accent1">
+              <a:alpha val="20000"/>
+            </a:schemeClr>
+          </a:solidFill>
+          <a:ln>
+            <a:noFill/>
+          </a:ln>
+          <a:effectLst/>
         </p:spPr>
-        <p:txBody>
-          <a:bodyPr vert="horz" lIns="91440" tIns="45720" rIns="91440" bIns="45720" rtlCol="0">
-            <a:normAutofit/>
-          </a:bodyPr>
-          <a:lstStyle/>
-          <a:p>
-            <a:pPr>
-              <a:lnSpc>
-                <a:spcPct val="90000"/>
-              </a:lnSpc>
-            </a:pPr>
-            <a:r>
-              <a:rPr lang="en-US" sz="1500"/>
-              <a:t>This must stop.  We must</a:t>
-            </a:r>
-          </a:p>
-          <a:p>
-            <a:pPr>
-              <a:lnSpc>
-                <a:spcPct val="90000"/>
-              </a:lnSpc>
-            </a:pPr>
-            <a:endParaRPr lang="en-US" sz="1500"/>
-          </a:p>
-          <a:p>
-            <a:pPr>
-              <a:lnSpc>
-                <a:spcPct val="90000"/>
-              </a:lnSpc>
-            </a:pPr>
-            <a:r>
-              <a:rPr lang="en-US" sz="1500"/>
-              <a:t>Drive less</a:t>
-            </a:r>
-          </a:p>
-          <a:p>
-            <a:pPr>
-              <a:lnSpc>
-                <a:spcPct val="90000"/>
-              </a:lnSpc>
-            </a:pPr>
-            <a:r>
-              <a:rPr lang="en-US" sz="1500"/>
-              <a:t>Fly less</a:t>
-            </a:r>
-          </a:p>
-          <a:p>
-            <a:pPr>
-              <a:lnSpc>
-                <a:spcPct val="90000"/>
-              </a:lnSpc>
-            </a:pPr>
-            <a:r>
-              <a:rPr lang="en-US" sz="1500"/>
-              <a:t>Recycle more</a:t>
-            </a:r>
-          </a:p>
-          <a:p>
-            <a:pPr>
-              <a:lnSpc>
-                <a:spcPct val="90000"/>
-              </a:lnSpc>
-            </a:pPr>
-            <a:r>
-              <a:rPr lang="en-US" sz="1500"/>
-              <a:t>Plant trees (trees absorb CO2)</a:t>
-            </a:r>
-          </a:p>
-          <a:p>
-            <a:pPr>
-              <a:lnSpc>
-                <a:spcPct val="90000"/>
-              </a:lnSpc>
-            </a:pPr>
-            <a:r>
-              <a:rPr lang="en-US" sz="1500"/>
-              <a:t>Use less electricity</a:t>
-            </a:r>
-          </a:p>
-          <a:p>
-            <a:pPr>
-              <a:lnSpc>
-                <a:spcPct val="90000"/>
-              </a:lnSpc>
-            </a:pPr>
-            <a:r>
-              <a:rPr lang="en-US" sz="1500"/>
-              <a:t>Eat less meat (cows produce methane, another greenhouse gas)</a:t>
-            </a:r>
-          </a:p>
-          <a:p>
-            <a:pPr>
-              <a:lnSpc>
-                <a:spcPct val="90000"/>
-              </a:lnSpc>
-            </a:pPr>
-            <a:r>
-              <a:rPr lang="en-US" sz="1500"/>
-              <a:t>Use solar, wind and nuclear power </a:t>
-            </a:r>
-            <a:r>
-              <a:rPr lang="en-US" sz="1500" err="1"/>
-              <a:t>etc</a:t>
-            </a:r>
-            <a:r>
-              <a:rPr lang="en-US" sz="1500"/>
-              <a:t> rather than burn fossil fuels.</a:t>
-            </a:r>
-          </a:p>
-          <a:p>
-            <a:pPr>
-              <a:lnSpc>
-                <a:spcPct val="90000"/>
-              </a:lnSpc>
-            </a:pPr>
-            <a:endParaRPr lang="en-US" sz="1500"/>
-          </a:p>
-          <a:p>
-            <a:pPr>
-              <a:lnSpc>
-                <a:spcPct val="90000"/>
-              </a:lnSpc>
-            </a:pPr>
-            <a:r>
-              <a:rPr lang="en-US" sz="1500"/>
-              <a:t>(Data source: Kaggle (www.kaggle.com))</a:t>
-            </a:r>
-          </a:p>
-        </p:txBody>
-      </p:sp>
-    </p:spTree>
-    <p:extLst>
-      <p:ext uri="{BB962C8B-B14F-4D97-AF65-F5344CB8AC3E}">
-        <p14:creationId xmlns:p14="http://schemas.microsoft.com/office/powerpoint/2010/main" val="3235549688"/>
-      </p:ext>
-    </p:extLst>
-  </p:cSld>
-  <p:clrMapOvr>
-    <a:masterClrMapping/>
-  </p:clrMapOvr>
-</p:sld>
-</file>
-
-<file path=ppt/slides/slide18.xml><?xml version="1.0" encoding="utf-8"?>
-<p:sld xmlns:a="http://schemas.openxmlformats.org/drawingml/2006/main" xmlns:r="http://schemas.openxmlformats.org/officeDocument/2006/relationships" xmlns:p="http://schemas.openxmlformats.org/presentationml/2006/main">
-  <p:cSld>
-    <p:spTree>
-      <p:nvGrpSpPr>
-        <p:cNvPr id="1" name=""/>
-        <p:cNvGrpSpPr/>
-        <p:nvPr/>
-      </p:nvGrpSpPr>
-      <p:grpSpPr>
-        <a:xfrm>
-          <a:off x="0" y="0"/>
-          <a:ext cx="0" cy="0"/>
-          <a:chOff x="0" y="0"/>
-          <a:chExt cx="0" cy="0"/>
-        </a:xfrm>
-      </p:grpSpPr>
-      <p:sp>
-        <p:nvSpPr>
-          <p:cNvPr id="2" name="Title 1">
+        <p:style>
+          <a:lnRef idx="1">
+            <a:schemeClr val="accent1"/>
+          </a:lnRef>
+          <a:fillRef idx="3">
+            <a:schemeClr val="accent1"/>
+          </a:fillRef>
+          <a:effectRef idx="2">
+            <a:schemeClr val="accent1"/>
+          </a:effectRef>
+          <a:fontRef idx="minor">
+            <a:schemeClr val="lt1"/>
+          </a:fontRef>
+        </p:style>
+        <p:txBody>
+          <a:bodyPr/>
+          <a:lstStyle/>
+          <a:p>
+            <a:endParaRPr lang="en-GB"/>
+          </a:p>
+        </p:txBody>
+      </p:sp>
+      <p:sp>
+        <p:nvSpPr>
+          <p:cNvPr id="53" name="Isosceles Triangle 52">
             <a:extLst>
               <a:ext uri="{FF2B5EF4-FFF2-40B4-BE49-F238E27FC236}">
-                <a16:creationId xmlns:a16="http://schemas.microsoft.com/office/drawing/2014/main" id="{4B9A5112-35B7-7DF6-F977-5D5F99C4FD6E}"/>
+                <a16:creationId xmlns:a16="http://schemas.microsoft.com/office/drawing/2014/main" id="{3C195FC1-B568-4C72-9902-34CB35DDD7A1}"/>
+              </a:ext>
+              <a:ext uri="{C183D7F6-B498-43B3-948B-1728B52AA6E4}">
+                <adec:decorative xmlns:adec="http://schemas.microsoft.com/office/drawing/2017/decorative" val="1"/>
               </a:ext>
             </a:extLst>
           </p:cNvPr>
           <p:cNvSpPr>
-            <a:spLocks noGrp="1"/>
-          </p:cNvSpPr>
-          <p:nvPr>
-            <p:ph type="title"/>
-          </p:nvPr>
-        </p:nvSpPr>
-        <p:spPr/>
+            <a:spLocks noGrp="1" noRot="1" noChangeAspect="1" noMove="1" noResize="1" noEditPoints="1" noAdjustHandles="1" noChangeArrowheads="1" noChangeShapeType="1" noTextEdit="1"/>
+          </p:cNvSpPr>
+          <p:nvPr>
+            <p:extLst>
+              <p:ext uri="{386F3935-93C4-4BCD-93E2-E3B085C9AB24}">
+                <p16:designElem xmlns:p16="http://schemas.microsoft.com/office/powerpoint/2015/main" val="1"/>
+              </p:ext>
+            </p:extLst>
+          </p:nvPr>
+        </p:nvSpPr>
+        <p:spPr>
+          <a:xfrm>
+            <a:off x="1009621" y="3048000"/>
+            <a:ext cx="3259667" cy="3810000"/>
+          </a:xfrm>
+          <a:prstGeom prst="triangle">
+            <a:avLst>
+              <a:gd name="adj" fmla="val 100000"/>
+            </a:avLst>
+          </a:prstGeom>
+          <a:solidFill>
+            <a:schemeClr val="accent2">
+              <a:alpha val="72000"/>
+            </a:schemeClr>
+          </a:solidFill>
+          <a:ln>
+            <a:noFill/>
+          </a:ln>
+          <a:effectLst/>
+        </p:spPr>
+        <p:style>
+          <a:lnRef idx="1">
+            <a:schemeClr val="accent1"/>
+          </a:lnRef>
+          <a:fillRef idx="3">
+            <a:schemeClr val="accent1"/>
+          </a:fillRef>
+          <a:effectRef idx="2">
+            <a:schemeClr val="accent1"/>
+          </a:effectRef>
+          <a:fontRef idx="minor">
+            <a:schemeClr val="lt1"/>
+          </a:fontRef>
+        </p:style>
         <p:txBody>
           <a:bodyPr/>
           <a:lstStyle/>
           <a:p>
-            <a:r>
-              <a:rPr lang="en-GB" dirty="0"/>
-              <a:t>A Description of the Code</a:t>
-            </a:r>
-          </a:p>
-        </p:txBody>
-      </p:sp>
-      <p:sp>
-        <p:nvSpPr>
-          <p:cNvPr id="3" name="Content Placeholder 2">
+            <a:endParaRPr lang="en-GB"/>
+          </a:p>
+        </p:txBody>
+      </p:sp>
+      <p:sp>
+        <p:nvSpPr>
+          <p:cNvPr id="55" name="Rectangle 27">
             <a:extLst>
               <a:ext uri="{FF2B5EF4-FFF2-40B4-BE49-F238E27FC236}">
-                <a16:creationId xmlns:a16="http://schemas.microsoft.com/office/drawing/2014/main" id="{499D0A79-E5B4-A238-45C2-76F74F9F9A15}"/>
+                <a16:creationId xmlns:a16="http://schemas.microsoft.com/office/drawing/2014/main" id="{EF2BDF77-362C-43F0-8CBB-A969EC2AE0C4}"/>
+              </a:ext>
+              <a:ext uri="{C183D7F6-B498-43B3-948B-1728B52AA6E4}">
+                <adec:decorative xmlns:adec="http://schemas.microsoft.com/office/drawing/2017/decorative" val="1"/>
               </a:ext>
             </a:extLst>
           </p:cNvPr>
           <p:cNvSpPr>
-            <a:spLocks noGrp="1"/>
-          </p:cNvSpPr>
-          <p:nvPr>
-            <p:ph idx="1"/>
-          </p:nvPr>
-        </p:nvSpPr>
-        <p:spPr/>
-        <p:txBody>
-          <a:bodyPr>
-            <a:normAutofit fontScale="85000" lnSpcReduction="20000"/>
-          </a:bodyPr>
-          <a:lstStyle/>
-          <a:p>
-            <a:r>
-              <a:rPr lang="en-GB" dirty="0"/>
-              <a:t>This program looks at the world’s worst ten carbon producers.  You can specify which of these countries you’d like a look at:</a:t>
-            </a:r>
-          </a:p>
-          <a:p>
-            <a:r>
-              <a:rPr lang="en-GB" dirty="0" err="1"/>
-              <a:t>country_of_interest</a:t>
-            </a:r>
-            <a:r>
-              <a:rPr lang="en-GB" dirty="0"/>
-              <a:t> = input (‘Which country are you interested in?’)</a:t>
-            </a:r>
-          </a:p>
-          <a:p>
-            <a:r>
-              <a:rPr lang="en-GB" dirty="0"/>
-              <a:t>Earlier, the </a:t>
-            </a:r>
-            <a:r>
-              <a:rPr lang="en-GB" dirty="0" err="1"/>
-              <a:t>dataframe</a:t>
-            </a:r>
-            <a:r>
-              <a:rPr lang="en-GB" dirty="0"/>
-              <a:t> is cleaned:</a:t>
-            </a:r>
-          </a:p>
-          <a:p>
-            <a:r>
-              <a:rPr lang="en-GB" dirty="0" err="1"/>
-              <a:t>df.dropna</a:t>
-            </a:r>
-            <a:r>
-              <a:rPr lang="en-GB" dirty="0"/>
-              <a:t> (axis = 0, how = ‘any’, subset = ‘Country’, </a:t>
-            </a:r>
-            <a:r>
-              <a:rPr lang="en-GB" dirty="0" err="1"/>
-              <a:t>inplace</a:t>
-            </a:r>
-            <a:r>
-              <a:rPr lang="en-GB" dirty="0"/>
-              <a:t> = True)</a:t>
-            </a:r>
-          </a:p>
-          <a:p>
-            <a:r>
-              <a:rPr lang="en-GB" dirty="0" err="1"/>
-              <a:t>df</a:t>
-            </a:r>
-            <a:r>
-              <a:rPr lang="en-GB" dirty="0"/>
-              <a:t> [‘Country’] = </a:t>
-            </a:r>
-            <a:r>
-              <a:rPr lang="en-GB" dirty="0" err="1"/>
-              <a:t>df</a:t>
-            </a:r>
-            <a:r>
-              <a:rPr lang="en-GB" dirty="0"/>
-              <a:t> [‘Country’].</a:t>
-            </a:r>
-            <a:r>
-              <a:rPr lang="en-GB" dirty="0" err="1"/>
-              <a:t>str.replace</a:t>
-            </a:r>
-            <a:r>
-              <a:rPr lang="en-GB" dirty="0"/>
-              <a:t> (r’\W’, ‘’, regex = True)</a:t>
-            </a:r>
-          </a:p>
-          <a:p>
-            <a:r>
-              <a:rPr lang="en-GB" dirty="0"/>
-              <a:t>and a bar chart of the top ten coal burners in 2021 produced using Seaborn and </a:t>
-            </a:r>
-            <a:r>
-              <a:rPr lang="en-GB" dirty="0" err="1"/>
-              <a:t>MatPlotLib</a:t>
-            </a:r>
-            <a:r>
-              <a:rPr lang="en-GB" dirty="0"/>
-              <a:t>:</a:t>
-            </a:r>
-          </a:p>
-          <a:p>
-            <a:r>
-              <a:rPr lang="en-GB" dirty="0"/>
-              <a:t>df1 = </a:t>
-            </a:r>
-            <a:r>
-              <a:rPr lang="en-GB" dirty="0" err="1"/>
-              <a:t>pd.DataFrame</a:t>
-            </a:r>
-            <a:r>
-              <a:rPr lang="en-GB" dirty="0"/>
-              <a:t> ({‘Country’: </a:t>
-            </a:r>
-            <a:r>
-              <a:rPr lang="en-GB" dirty="0" err="1"/>
-              <a:t>top_ten</a:t>
-            </a:r>
-            <a:r>
-              <a:rPr lang="en-GB" dirty="0"/>
-              <a:t>, ‘Emissions from Coal Burning (MtCO2)’: </a:t>
-            </a:r>
-            <a:r>
-              <a:rPr lang="en-GB" dirty="0" err="1"/>
-              <a:t>top_ten_Coal</a:t>
-            </a:r>
-            <a:r>
-              <a:rPr lang="en-GB" dirty="0"/>
-              <a:t>})</a:t>
-            </a:r>
-          </a:p>
-          <a:p>
-            <a:r>
-              <a:rPr lang="en-GB" dirty="0" err="1"/>
-              <a:t>sns.barplot</a:t>
-            </a:r>
-            <a:r>
-              <a:rPr lang="en-GB" dirty="0"/>
-              <a:t> (x = ‘Country’, y = ‘Emissions from Coal Burning (MtCO2’, data = df1).set (title = ‘Top Ten Coal Burners in 2021’)</a:t>
-            </a:r>
-          </a:p>
-          <a:p>
-            <a:r>
-              <a:rPr lang="en-GB" dirty="0" err="1"/>
-              <a:t>plt.xticks</a:t>
-            </a:r>
-            <a:r>
-              <a:rPr lang="en-GB" dirty="0"/>
-              <a:t> (rotation = 45)</a:t>
-            </a:r>
-          </a:p>
-          <a:p>
-            <a:r>
-              <a:rPr lang="en-GB" dirty="0" err="1"/>
-              <a:t>plt.show</a:t>
-            </a:r>
-            <a:r>
-              <a:rPr lang="en-GB" dirty="0"/>
-              <a:t> ()</a:t>
-            </a:r>
-          </a:p>
-        </p:txBody>
-      </p:sp>
-    </p:spTree>
-    <p:extLst>
-      <p:ext uri="{BB962C8B-B14F-4D97-AF65-F5344CB8AC3E}">
-        <p14:creationId xmlns:p14="http://schemas.microsoft.com/office/powerpoint/2010/main" val="3577190490"/>
-      </p:ext>
-    </p:extLst>
-  </p:cSld>
-  <p:clrMapOvr>
-    <a:masterClrMapping/>
-  </p:clrMapOvr>
-</p:sld>
-</file>
-
-<file path=ppt/slides/slide19.xml><?xml version="1.0" encoding="utf-8"?>
-<p:sld xmlns:a="http://schemas.openxmlformats.org/drawingml/2006/main" xmlns:r="http://schemas.openxmlformats.org/officeDocument/2006/relationships" xmlns:p="http://schemas.openxmlformats.org/presentationml/2006/main">
-  <p:cSld>
-    <p:spTree>
-      <p:nvGrpSpPr>
-        <p:cNvPr id="1" name=""/>
-        <p:cNvGrpSpPr/>
-        <p:nvPr/>
-      </p:nvGrpSpPr>
-      <p:grpSpPr>
-        <a:xfrm>
-          <a:off x="0" y="0"/>
-          <a:ext cx="0" cy="0"/>
-          <a:chOff x="0" y="0"/>
-          <a:chExt cx="0" cy="0"/>
-        </a:xfrm>
-      </p:grpSpPr>
-      <p:sp>
-        <p:nvSpPr>
-          <p:cNvPr id="2" name="Title 1">
+            <a:spLocks noGrp="1" noRot="1" noChangeAspect="1" noMove="1" noResize="1" noEditPoints="1" noAdjustHandles="1" noChangeArrowheads="1" noChangeShapeType="1" noTextEdit="1"/>
+          </p:cNvSpPr>
+          <p:nvPr>
+            <p:extLst>
+              <p:ext uri="{386F3935-93C4-4BCD-93E2-E3B085C9AB24}">
+                <p16:designElem xmlns:p16="http://schemas.microsoft.com/office/powerpoint/2015/main" val="1"/>
+              </p:ext>
+            </p:extLst>
+          </p:nvPr>
+        </p:nvSpPr>
+        <p:spPr>
+          <a:xfrm>
+            <a:off x="1411788" y="-8467"/>
+            <a:ext cx="2854326" cy="6866467"/>
+          </a:xfrm>
+          <a:custGeom>
+            <a:avLst/>
+            <a:gdLst/>
+            <a:ahLst/>
+            <a:cxnLst/>
+            <a:rect l="l" t="t" r="r" b="b"/>
+            <a:pathLst>
+              <a:path w="2858013" h="6866467">
+                <a:moveTo>
+                  <a:pt x="0" y="0"/>
+                </a:moveTo>
+                <a:lnTo>
+                  <a:pt x="2858013" y="0"/>
+                </a:lnTo>
+                <a:lnTo>
+                  <a:pt x="2858013" y="6866467"/>
+                </a:lnTo>
+                <a:lnTo>
+                  <a:pt x="2473942" y="6866467"/>
+                </a:lnTo>
+                <a:lnTo>
+                  <a:pt x="0" y="0"/>
+                </a:lnTo>
+                <a:close/>
+              </a:path>
+            </a:pathLst>
+          </a:custGeom>
+          <a:solidFill>
+            <a:schemeClr val="accent2">
+              <a:lumMod val="75000"/>
+              <a:alpha val="70000"/>
+            </a:schemeClr>
+          </a:solidFill>
+          <a:ln>
+            <a:noFill/>
+          </a:ln>
+          <a:effectLst/>
+        </p:spPr>
+        <p:style>
+          <a:lnRef idx="1">
+            <a:schemeClr val="accent1"/>
+          </a:lnRef>
+          <a:fillRef idx="3">
+            <a:schemeClr val="accent1"/>
+          </a:fillRef>
+          <a:effectRef idx="2">
+            <a:schemeClr val="accent1"/>
+          </a:effectRef>
+          <a:fontRef idx="minor">
+            <a:schemeClr val="lt1"/>
+          </a:fontRef>
+        </p:style>
+        <p:txBody>
+          <a:bodyPr/>
+          <a:lstStyle/>
+          <a:p>
+            <a:endParaRPr lang="en-GB"/>
+          </a:p>
+        </p:txBody>
+      </p:sp>
+      <p:sp>
+        <p:nvSpPr>
+          <p:cNvPr id="57" name="Isosceles Triangle 56">
             <a:extLst>
               <a:ext uri="{FF2B5EF4-FFF2-40B4-BE49-F238E27FC236}">
-                <a16:creationId xmlns:a16="http://schemas.microsoft.com/office/drawing/2014/main" id="{637A1897-9702-B849-C739-FFFD58A47A03}"/>
+                <a16:creationId xmlns:a16="http://schemas.microsoft.com/office/drawing/2014/main" id="{4BE96B01-3929-432D-B8C2-ADBCB74C2EF4}"/>
+              </a:ext>
+              <a:ext uri="{C183D7F6-B498-43B3-948B-1728B52AA6E4}">
+                <adec:decorative xmlns:adec="http://schemas.microsoft.com/office/drawing/2017/decorative" val="1"/>
               </a:ext>
             </a:extLst>
           </p:cNvPr>
           <p:cNvSpPr>
-            <a:spLocks noGrp="1"/>
-          </p:cNvSpPr>
-          <p:nvPr>
-            <p:ph type="title"/>
-          </p:nvPr>
-        </p:nvSpPr>
-        <p:spPr/>
+            <a:spLocks noGrp="1" noRot="1" noChangeAspect="1" noMove="1" noResize="1" noEditPoints="1" noAdjustHandles="1" noChangeArrowheads="1" noChangeShapeType="1" noTextEdit="1"/>
+          </p:cNvSpPr>
+          <p:nvPr>
+            <p:extLst>
+              <p:ext uri="{386F3935-93C4-4BCD-93E2-E3B085C9AB24}">
+                <p16:designElem xmlns:p16="http://schemas.microsoft.com/office/powerpoint/2015/main" val="1"/>
+              </p:ext>
+            </p:extLst>
+          </p:nvPr>
+        </p:nvSpPr>
+        <p:spPr>
+          <a:xfrm>
+            <a:off x="2448954" y="3589867"/>
+            <a:ext cx="1817159" cy="3268133"/>
+          </a:xfrm>
+          <a:prstGeom prst="triangle">
+            <a:avLst>
+              <a:gd name="adj" fmla="val 100000"/>
+            </a:avLst>
+          </a:prstGeom>
+          <a:solidFill>
+            <a:schemeClr val="accent1">
+              <a:alpha val="80000"/>
+            </a:schemeClr>
+          </a:solidFill>
+          <a:ln>
+            <a:noFill/>
+          </a:ln>
+          <a:effectLst/>
+        </p:spPr>
+        <p:style>
+          <a:lnRef idx="1">
+            <a:schemeClr val="accent1"/>
+          </a:lnRef>
+          <a:fillRef idx="3">
+            <a:schemeClr val="accent1"/>
+          </a:fillRef>
+          <a:effectRef idx="2">
+            <a:schemeClr val="accent1"/>
+          </a:effectRef>
+          <a:fontRef idx="minor">
+            <a:schemeClr val="lt1"/>
+          </a:fontRef>
+        </p:style>
         <p:txBody>
           <a:bodyPr/>
           <a:lstStyle/>
           <a:p>
-            <a:endParaRPr lang="en-GB" dirty="0"/>
-          </a:p>
-        </p:txBody>
-      </p:sp>
-      <p:sp>
-        <p:nvSpPr>
-          <p:cNvPr id="3" name="Content Placeholder 2">
+            <a:endParaRPr lang="en-GB"/>
+          </a:p>
+        </p:txBody>
+      </p:sp>
+      <p:sp>
+        <p:nvSpPr>
+          <p:cNvPr id="59" name="Freeform: Shape 58">
             <a:extLst>
               <a:ext uri="{FF2B5EF4-FFF2-40B4-BE49-F238E27FC236}">
-                <a16:creationId xmlns:a16="http://schemas.microsoft.com/office/drawing/2014/main" id="{AC0F54DD-A009-9310-33B8-C2BEA5C27F56}"/>
+                <a16:creationId xmlns:a16="http://schemas.microsoft.com/office/drawing/2014/main" id="{2A6FCDE6-CDE2-4C51-B18E-A95CFB679714}"/>
+              </a:ext>
+              <a:ext uri="{C183D7F6-B498-43B3-948B-1728B52AA6E4}">
+                <adec:decorative xmlns:adec="http://schemas.microsoft.com/office/drawing/2017/decorative" val="1"/>
               </a:ext>
             </a:extLst>
           </p:cNvPr>
           <p:cNvSpPr>
-            <a:spLocks noGrp="1"/>
-          </p:cNvSpPr>
-          <p:nvPr>
-            <p:ph idx="1"/>
-          </p:nvPr>
-        </p:nvSpPr>
-        <p:spPr/>
-        <p:txBody>
-          <a:bodyPr/>
-          <a:lstStyle/>
-          <a:p>
-            <a:r>
-              <a:rPr lang="en-GB" dirty="0"/>
-              <a:t>Once you’ve input which country you’re interested in, a line plot of emissions from burning coal in 2021 for that country is produced:</a:t>
-            </a:r>
-          </a:p>
-          <a:p>
-            <a:r>
-              <a:rPr lang="en-GB" dirty="0"/>
-              <a:t>df1 = </a:t>
-            </a:r>
-            <a:r>
-              <a:rPr lang="en-GB" dirty="0" err="1"/>
-              <a:t>pd.DataFrame</a:t>
-            </a:r>
-            <a:r>
-              <a:rPr lang="en-GB" dirty="0"/>
-              <a:t> ({‘Year’: </a:t>
-            </a:r>
-            <a:r>
-              <a:rPr lang="en-GB" dirty="0" err="1"/>
-              <a:t>Country_Year</a:t>
-            </a:r>
-            <a:r>
-              <a:rPr lang="en-GB" dirty="0"/>
-              <a:t>, ‘Emission from Burning Coal (MtCO2)’: </a:t>
-            </a:r>
-            <a:r>
-              <a:rPr lang="en-GB" dirty="0" err="1"/>
-              <a:t>Country_Coal</a:t>
-            </a:r>
-            <a:r>
-              <a:rPr lang="en-GB" dirty="0"/>
-              <a:t>})</a:t>
-            </a:r>
-          </a:p>
-          <a:p>
-            <a:r>
-              <a:rPr lang="en-GB" dirty="0" err="1"/>
-              <a:t>sns.lineplot</a:t>
-            </a:r>
-            <a:r>
-              <a:rPr lang="en-GB" dirty="0"/>
-              <a:t> (x = ‘Year’, y = ‘Emission from Burning Coal (MtCO2)’, data = df1).set (title = </a:t>
-            </a:r>
-            <a:r>
-              <a:rPr lang="en-GB" dirty="0" err="1"/>
-              <a:t>country_of_interest</a:t>
-            </a:r>
-            <a:r>
-              <a:rPr lang="en-GB" dirty="0"/>
-              <a:t>)</a:t>
-            </a:r>
-          </a:p>
-          <a:p>
-            <a:r>
-              <a:rPr lang="en-GB" dirty="0" err="1"/>
-              <a:t>plt.show</a:t>
-            </a:r>
-            <a:r>
-              <a:rPr lang="en-GB" dirty="0"/>
-              <a:t> ().</a:t>
-            </a:r>
-          </a:p>
-        </p:txBody>
-      </p:sp>
-    </p:spTree>
-    <p:extLst>
-      <p:ext uri="{BB962C8B-B14F-4D97-AF65-F5344CB8AC3E}">
-        <p14:creationId xmlns:p14="http://schemas.microsoft.com/office/powerpoint/2010/main" val="50207207"/>
-      </p:ext>
-    </p:extLst>
-  </p:cSld>
-  <p:clrMapOvr>
-    <a:masterClrMapping/>
-  </p:clrMapOvr>
-</p:sld>
-</file>
-
-<file path=ppt/slides/slide2.xml><?xml version="1.0" encoding="utf-8"?>
-<p:sld xmlns:a="http://schemas.openxmlformats.org/drawingml/2006/main" xmlns:r="http://schemas.openxmlformats.org/officeDocument/2006/relationships" xmlns:p="http://schemas.openxmlformats.org/presentationml/2006/main">
-  <p:cSld>
-    <p:spTree>
-      <p:nvGrpSpPr>
-        <p:cNvPr id="1" name=""/>
-        <p:cNvGrpSpPr/>
-        <p:nvPr/>
-      </p:nvGrpSpPr>
-      <p:grpSpPr>
-        <a:xfrm>
-          <a:off x="0" y="0"/>
-          <a:ext cx="0" cy="0"/>
-          <a:chOff x="0" y="0"/>
-          <a:chExt cx="0" cy="0"/>
-        </a:xfrm>
-      </p:grpSpPr>
-      <p:sp>
-        <p:nvSpPr>
-          <p:cNvPr id="4" name="Title 3">
-            <a:extLst>
-              <a:ext uri="{FF2B5EF4-FFF2-40B4-BE49-F238E27FC236}">
-                <a16:creationId xmlns:a16="http://schemas.microsoft.com/office/drawing/2014/main" id="{157C2C8F-2BB1-BB2D-1A05-FCF8E4AAE8BE}"/>
-              </a:ext>
-            </a:extLst>
-          </p:cNvPr>
-          <p:cNvSpPr>
-            <a:spLocks noGrp="1"/>
-          </p:cNvSpPr>
-          <p:nvPr>
-            <p:ph type="title"/>
-          </p:nvPr>
-        </p:nvSpPr>
-        <p:spPr/>
-        <p:txBody>
-          <a:bodyPr/>
-          <a:lstStyle/>
-          <a:p>
-            <a:r>
-              <a:rPr lang="en-GB" dirty="0"/>
-              <a:t>Background</a:t>
-            </a:r>
-          </a:p>
-        </p:txBody>
-      </p:sp>
-      <p:sp>
-        <p:nvSpPr>
-          <p:cNvPr id="5" name="Text Placeholder 4">
-            <a:extLst>
-              <a:ext uri="{FF2B5EF4-FFF2-40B4-BE49-F238E27FC236}">
-                <a16:creationId xmlns:a16="http://schemas.microsoft.com/office/drawing/2014/main" id="{F9ED4BA8-6268-F14C-A9F8-D56E87FFC3CD}"/>
-              </a:ext>
-            </a:extLst>
-          </p:cNvPr>
-          <p:cNvSpPr>
-            <a:spLocks noGrp="1"/>
-          </p:cNvSpPr>
-          <p:nvPr>
-            <p:ph type="body" idx="1"/>
-          </p:nvPr>
-        </p:nvSpPr>
-        <p:spPr/>
-        <p:txBody>
-          <a:bodyPr/>
-          <a:lstStyle/>
-          <a:p>
-            <a:endParaRPr lang="en-GB"/>
-          </a:p>
-        </p:txBody>
-      </p:sp>
-    </p:spTree>
-    <p:extLst>
-      <p:ext uri="{BB962C8B-B14F-4D97-AF65-F5344CB8AC3E}">
-        <p14:creationId xmlns:p14="http://schemas.microsoft.com/office/powerpoint/2010/main" val="4028857016"/>
-      </p:ext>
-    </p:extLst>
-  </p:cSld>
-  <p:clrMapOvr>
-    <a:masterClrMapping/>
-  </p:clrMapOvr>
-</p:sld>
-</file>
-
-<file path=ppt/slides/slide20.xml><?xml version="1.0" encoding="utf-8"?>
-<p:sld xmlns:a="http://schemas.openxmlformats.org/drawingml/2006/main" xmlns:r="http://schemas.openxmlformats.org/officeDocument/2006/relationships" xmlns:p="http://schemas.openxmlformats.org/presentationml/2006/main">
-  <p:cSld>
-    <p:spTree>
-      <p:nvGrpSpPr>
-        <p:cNvPr id="1" name=""/>
-        <p:cNvGrpSpPr/>
-        <p:nvPr/>
-      </p:nvGrpSpPr>
-      <p:grpSpPr>
-        <a:xfrm>
-          <a:off x="0" y="0"/>
-          <a:ext cx="0" cy="0"/>
-          <a:chOff x="0" y="0"/>
-          <a:chExt cx="0" cy="0"/>
-        </a:xfrm>
-      </p:grpSpPr>
-      <p:sp>
-        <p:nvSpPr>
-          <p:cNvPr id="4" name="Title 3">
-            <a:extLst>
-              <a:ext uri="{FF2B5EF4-FFF2-40B4-BE49-F238E27FC236}">
-                <a16:creationId xmlns:a16="http://schemas.microsoft.com/office/drawing/2014/main" id="{975E6D1F-3237-A86C-F2A3-8EC545B61C8F}"/>
-              </a:ext>
-            </a:extLst>
-          </p:cNvPr>
-          <p:cNvSpPr>
-            <a:spLocks noGrp="1"/>
-          </p:cNvSpPr>
-          <p:nvPr>
-            <p:ph type="title"/>
-          </p:nvPr>
-        </p:nvSpPr>
-        <p:spPr/>
-        <p:txBody>
-          <a:bodyPr/>
-          <a:lstStyle/>
-          <a:p>
-            <a:r>
-              <a:rPr lang="en-GB" dirty="0"/>
-              <a:t>Ethics</a:t>
-            </a:r>
-          </a:p>
-        </p:txBody>
-      </p:sp>
-      <p:sp>
-        <p:nvSpPr>
-          <p:cNvPr id="5" name="Text Placeholder 4">
-            <a:extLst>
-              <a:ext uri="{FF2B5EF4-FFF2-40B4-BE49-F238E27FC236}">
-                <a16:creationId xmlns:a16="http://schemas.microsoft.com/office/drawing/2014/main" id="{4F2AD9B8-F234-7580-FBA6-0E82DD0080CF}"/>
-              </a:ext>
-            </a:extLst>
-          </p:cNvPr>
-          <p:cNvSpPr>
-            <a:spLocks noGrp="1"/>
-          </p:cNvSpPr>
-          <p:nvPr>
-            <p:ph type="body" idx="1"/>
-          </p:nvPr>
-        </p:nvSpPr>
-        <p:spPr/>
-        <p:txBody>
-          <a:bodyPr/>
-          <a:lstStyle/>
-          <a:p>
-            <a:endParaRPr lang="en-GB"/>
-          </a:p>
-        </p:txBody>
-      </p:sp>
-    </p:spTree>
-    <p:extLst>
-      <p:ext uri="{BB962C8B-B14F-4D97-AF65-F5344CB8AC3E}">
-        <p14:creationId xmlns:p14="http://schemas.microsoft.com/office/powerpoint/2010/main" val="4253070290"/>
-      </p:ext>
-    </p:extLst>
-  </p:cSld>
-  <p:clrMapOvr>
-    <a:masterClrMapping/>
-  </p:clrMapOvr>
-</p:sld>
-</file>
-
-<file path=ppt/slides/slide21.xml><?xml version="1.0" encoding="utf-8"?>
-<p:sld xmlns:a="http://schemas.openxmlformats.org/drawingml/2006/main" xmlns:r="http://schemas.openxmlformats.org/officeDocument/2006/relationships" xmlns:p="http://schemas.openxmlformats.org/presentationml/2006/main">
-  <p:cSld>
-    <p:spTree>
-      <p:nvGrpSpPr>
-        <p:cNvPr id="1" name=""/>
-        <p:cNvGrpSpPr/>
-        <p:nvPr/>
-      </p:nvGrpSpPr>
-      <p:grpSpPr>
-        <a:xfrm>
-          <a:off x="0" y="0"/>
-          <a:ext cx="0" cy="0"/>
-          <a:chOff x="0" y="0"/>
-          <a:chExt cx="0" cy="0"/>
-        </a:xfrm>
-      </p:grpSpPr>
-      <p:sp>
-        <p:nvSpPr>
-          <p:cNvPr id="2" name="Title 1">
-            <a:extLst>
-              <a:ext uri="{FF2B5EF4-FFF2-40B4-BE49-F238E27FC236}">
-                <a16:creationId xmlns:a16="http://schemas.microsoft.com/office/drawing/2014/main" id="{957141F4-88F0-47D6-1E74-2DF1ECE36EF7}"/>
-              </a:ext>
-            </a:extLst>
-          </p:cNvPr>
-          <p:cNvSpPr>
-            <a:spLocks noGrp="1"/>
-          </p:cNvSpPr>
-          <p:nvPr>
-            <p:ph type="title"/>
-          </p:nvPr>
-        </p:nvSpPr>
-        <p:spPr/>
-        <p:txBody>
-          <a:bodyPr/>
-          <a:lstStyle/>
-          <a:p>
-            <a:r>
-              <a:rPr lang="en-GB" dirty="0"/>
-              <a:t>Ethical considerations</a:t>
-            </a:r>
-          </a:p>
-        </p:txBody>
-      </p:sp>
-      <p:sp>
-        <p:nvSpPr>
-          <p:cNvPr id="3" name="Content Placeholder 2">
-            <a:extLst>
-              <a:ext uri="{FF2B5EF4-FFF2-40B4-BE49-F238E27FC236}">
-                <a16:creationId xmlns:a16="http://schemas.microsoft.com/office/drawing/2014/main" id="{6A1B0301-834D-74C2-C144-88D52291A685}"/>
-              </a:ext>
-            </a:extLst>
-          </p:cNvPr>
-          <p:cNvSpPr>
-            <a:spLocks noGrp="1"/>
-          </p:cNvSpPr>
-          <p:nvPr>
-            <p:ph idx="1"/>
-          </p:nvPr>
-        </p:nvSpPr>
-        <p:spPr/>
-        <p:txBody>
-          <a:bodyPr/>
-          <a:lstStyle/>
-          <a:p>
-            <a:r>
-              <a:rPr lang="en-GB" dirty="0"/>
-              <a:t>At the risk of promoting bias against Chinese and Indian people, we’ve established that production of CO2 by China and India runs at 8 000 and 2 000 </a:t>
-            </a:r>
-            <a:r>
-              <a:rPr lang="en-GB" dirty="0" err="1"/>
-              <a:t>megatonnes</a:t>
-            </a:r>
-            <a:r>
-              <a:rPr lang="en-GB" dirty="0"/>
-              <a:t> respectively as of 2021.  This is irrefutable, despite ethical considerations.</a:t>
-            </a:r>
-          </a:p>
-        </p:txBody>
-      </p:sp>
-    </p:spTree>
-    <p:extLst>
-      <p:ext uri="{BB962C8B-B14F-4D97-AF65-F5344CB8AC3E}">
-        <p14:creationId xmlns:p14="http://schemas.microsoft.com/office/powerpoint/2010/main" val="371696489"/>
-      </p:ext>
-    </p:extLst>
-  </p:cSld>
-  <p:clrMapOvr>
-    <a:masterClrMapping/>
-  </p:clrMapOvr>
-</p:sld>
-</file>
-
-<file path=ppt/slides/slide22.xml><?xml version="1.0" encoding="utf-8"?>
-<p:sld xmlns:a="http://schemas.openxmlformats.org/drawingml/2006/main" xmlns:r="http://schemas.openxmlformats.org/officeDocument/2006/relationships" xmlns:p="http://schemas.openxmlformats.org/presentationml/2006/main">
-  <p:cSld>
-    <p:spTree>
-      <p:nvGrpSpPr>
-        <p:cNvPr id="1" name=""/>
-        <p:cNvGrpSpPr/>
-        <p:nvPr/>
-      </p:nvGrpSpPr>
-      <p:grpSpPr>
-        <a:xfrm>
-          <a:off x="0" y="0"/>
-          <a:ext cx="0" cy="0"/>
-          <a:chOff x="0" y="0"/>
-          <a:chExt cx="0" cy="0"/>
-        </a:xfrm>
-      </p:grpSpPr>
+            <a:spLocks noGrp="1" noRot="1" noChangeAspect="1" noMove="1" noResize="1" noEditPoints="1" noAdjustHandles="1" noChangeArrowheads="1" noChangeShapeType="1" noTextEdit="1"/>
+          </p:cNvSpPr>
+          <p:nvPr>
+            <p:extLst>
+              <p:ext uri="{386F3935-93C4-4BCD-93E2-E3B085C9AB24}">
+                <p16:designElem xmlns:p16="http://schemas.microsoft.com/office/powerpoint/2015/main" val="1"/>
+              </p:ext>
+            </p:extLst>
+          </p:nvPr>
+        </p:nvSpPr>
+        <p:spPr>
+          <a:xfrm>
+            <a:off x="3016287" y="-8467"/>
+            <a:ext cx="9175713" cy="6866467"/>
+          </a:xfrm>
+          <a:custGeom>
+            <a:avLst/>
+            <a:gdLst>
+              <a:gd name="connsiteX0" fmla="*/ 0 w 9175713"/>
+              <a:gd name="connsiteY0" fmla="*/ 0 h 6866467"/>
+              <a:gd name="connsiteX1" fmla="*/ 1249825 w 9175713"/>
+              <a:gd name="connsiteY1" fmla="*/ 0 h 6866467"/>
+              <a:gd name="connsiteX2" fmla="*/ 1249825 w 9175713"/>
+              <a:gd name="connsiteY2" fmla="*/ 8467 h 6866467"/>
+              <a:gd name="connsiteX3" fmla="*/ 9175713 w 9175713"/>
+              <a:gd name="connsiteY3" fmla="*/ 8467 h 6866467"/>
+              <a:gd name="connsiteX4" fmla="*/ 9175713 w 9175713"/>
+              <a:gd name="connsiteY4" fmla="*/ 6866467 h 6866467"/>
+              <a:gd name="connsiteX5" fmla="*/ 1249825 w 9175713"/>
+              <a:gd name="connsiteY5" fmla="*/ 6866467 h 6866467"/>
+              <a:gd name="connsiteX6" fmla="*/ 1109382 w 9175713"/>
+              <a:gd name="connsiteY6" fmla="*/ 6866467 h 6866467"/>
+            </a:gdLst>
+            <a:ahLst/>
+            <a:cxnLst>
+              <a:cxn ang="0">
+                <a:pos x="connsiteX0" y="connsiteY0"/>
+              </a:cxn>
+              <a:cxn ang="0">
+                <a:pos x="connsiteX1" y="connsiteY1"/>
+              </a:cxn>
+              <a:cxn ang="0">
+                <a:pos x="connsiteX2" y="connsiteY2"/>
+              </a:cxn>
+              <a:cxn ang="0">
+                <a:pos x="connsiteX3" y="connsiteY3"/>
+              </a:cxn>
+              <a:cxn ang="0">
+                <a:pos x="connsiteX4" y="connsiteY4"/>
+              </a:cxn>
+              <a:cxn ang="0">
+                <a:pos x="connsiteX5" y="connsiteY5"/>
+              </a:cxn>
+              <a:cxn ang="0">
+                <a:pos x="connsiteX6" y="connsiteY6"/>
+              </a:cxn>
+            </a:cxnLst>
+            <a:rect l="l" t="t" r="r" b="b"/>
+            <a:pathLst>
+              <a:path w="9175713" h="6866467">
+                <a:moveTo>
+                  <a:pt x="0" y="0"/>
+                </a:moveTo>
+                <a:lnTo>
+                  <a:pt x="1249825" y="0"/>
+                </a:lnTo>
+                <a:lnTo>
+                  <a:pt x="1249825" y="8467"/>
+                </a:lnTo>
+                <a:lnTo>
+                  <a:pt x="9175713" y="8467"/>
+                </a:lnTo>
+                <a:lnTo>
+                  <a:pt x="9175713" y="6866467"/>
+                </a:lnTo>
+                <a:lnTo>
+                  <a:pt x="1249825" y="6866467"/>
+                </a:lnTo>
+                <a:lnTo>
+                  <a:pt x="1109382" y="6866467"/>
+                </a:lnTo>
+                <a:close/>
+              </a:path>
+            </a:pathLst>
+          </a:custGeom>
+          <a:solidFill>
+            <a:schemeClr val="accent1"/>
+          </a:solidFill>
+          <a:ln>
+            <a:noFill/>
+          </a:ln>
+        </p:spPr>
+        <p:style>
+          <a:lnRef idx="2">
+            <a:schemeClr val="accent1">
+              <a:shade val="50000"/>
+            </a:schemeClr>
+          </a:lnRef>
+          <a:fillRef idx="1">
+            <a:schemeClr val="accent1"/>
+          </a:fillRef>
+          <a:effectRef idx="0">
+            <a:schemeClr val="accent1"/>
+          </a:effectRef>
+          <a:fontRef idx="minor">
+            <a:schemeClr val="lt1"/>
+          </a:fontRef>
+        </p:style>
+        <p:txBody>
+          <a:bodyPr rtlCol="0" anchor="ctr"/>
+          <a:lstStyle/>
+          <a:p>
+            <a:pPr algn="ctr"/>
+            <a:endParaRPr lang="en-US"/>
+          </a:p>
+        </p:txBody>
+      </p:sp>
       <p:sp>
         <p:nvSpPr>
           <p:cNvPr id="2" name="Title 1">
@@ -8621,12 +9258,26 @@
             <p:ph type="title"/>
           </p:nvPr>
         </p:nvSpPr>
-        <p:spPr/>
-        <p:txBody>
-          <a:bodyPr/>
-          <a:lstStyle/>
-          <a:p>
-            <a:endParaRPr lang="en-GB"/>
+        <p:spPr>
+          <a:xfrm>
+            <a:off x="4419136" y="1020871"/>
+            <a:ext cx="6960759" cy="2849671"/>
+          </a:xfrm>
+        </p:spPr>
+        <p:txBody>
+          <a:bodyPr vert="horz" lIns="91440" tIns="45720" rIns="91440" bIns="45720" rtlCol="0" anchor="b">
+            <a:normAutofit/>
+          </a:bodyPr>
+          <a:lstStyle/>
+          <a:p>
+            <a:r>
+              <a:rPr lang="en-US" sz="6000">
+                <a:solidFill>
+                  <a:srgbClr val="FFFFFF"/>
+                </a:solidFill>
+              </a:rPr>
+              <a:t>Webpage Link</a:t>
+            </a:r>
           </a:p>
         </p:txBody>
       </p:sp>
@@ -8646,23 +9297,106 @@
             <p:ph idx="1"/>
           </p:nvPr>
         </p:nvSpPr>
-        <p:spPr/>
-        <p:txBody>
-          <a:bodyPr/>
-          <a:lstStyle/>
-          <a:p>
-            <a:r>
-              <a:rPr lang="en-GB" b="1" i="0" u="sng" dirty="0">
+        <p:spPr>
+          <a:xfrm>
+            <a:off x="4548104" y="3962088"/>
+            <a:ext cx="6112077" cy="1186108"/>
+          </a:xfrm>
+        </p:spPr>
+        <p:txBody>
+          <a:bodyPr vert="horz" lIns="91440" tIns="45720" rIns="91440" bIns="45720" rtlCol="0" anchor="t">
+            <a:normAutofit/>
+          </a:bodyPr>
+          <a:lstStyle/>
+          <a:p>
+            <a:pPr marL="0" indent="0">
+              <a:buNone/>
+            </a:pPr>
+            <a:r>
+              <a:rPr lang="en-US" b="1" i="0" u="sng">
+                <a:solidFill>
+                  <a:srgbClr val="FFFFFF">
+                    <a:alpha val="70000"/>
+                  </a:srgbClr>
+                </a:solidFill>
                 <a:effectLst/>
                 <a:highlight>
                   <a:srgbClr val="FFFFFF"/>
                 </a:highlight>
-                <a:latin typeface="-apple-system"/>
                 <a:hlinkClick r:id="rId2"/>
               </a:rPr>
               <a:t>https://ddaniel2024.github.io/Project-3/</a:t>
             </a:r>
-            <a:endParaRPr lang="en-GB" dirty="0"/>
+            <a:endParaRPr lang="en-US">
+              <a:solidFill>
+                <a:srgbClr val="FFFFFF">
+                  <a:alpha val="70000"/>
+                </a:srgbClr>
+              </a:solidFill>
+            </a:endParaRPr>
+          </a:p>
+        </p:txBody>
+      </p:sp>
+      <p:sp>
+        <p:nvSpPr>
+          <p:cNvPr id="61" name="Isosceles Triangle 60">
+            <a:extLst>
+              <a:ext uri="{FF2B5EF4-FFF2-40B4-BE49-F238E27FC236}">
+                <a16:creationId xmlns:a16="http://schemas.microsoft.com/office/drawing/2014/main" id="{9D2E8756-2465-473A-BA2A-2DB1D6224745}"/>
+              </a:ext>
+              <a:ext uri="{C183D7F6-B498-43B3-948B-1728B52AA6E4}">
+                <adec:decorative xmlns:adec="http://schemas.microsoft.com/office/drawing/2017/decorative" val="1"/>
+              </a:ext>
+            </a:extLst>
+          </p:cNvPr>
+          <p:cNvSpPr>
+            <a:spLocks noGrp="1" noRot="1" noChangeAspect="1" noMove="1" noResize="1" noEditPoints="1" noAdjustHandles="1" noChangeArrowheads="1" noChangeShapeType="1" noTextEdit="1"/>
+          </p:cNvSpPr>
+          <p:nvPr>
+            <p:extLst>
+              <p:ext uri="{386F3935-93C4-4BCD-93E2-E3B085C9AB24}">
+                <p16:designElem xmlns:p16="http://schemas.microsoft.com/office/powerpoint/2015/main" val="1"/>
+              </p:ext>
+            </p:extLst>
+          </p:nvPr>
+        </p:nvSpPr>
+        <p:spPr>
+          <a:xfrm rot="5400000">
+            <a:off x="4062562" y="3271487"/>
+            <a:ext cx="220660" cy="186439"/>
+          </a:xfrm>
+          <a:prstGeom prst="triangle">
+            <a:avLst/>
+          </a:prstGeom>
+          <a:solidFill>
+            <a:srgbClr val="FFFFFF"/>
+          </a:solidFill>
+          <a:ln>
+            <a:noFill/>
+          </a:ln>
+        </p:spPr>
+        <p:style>
+          <a:lnRef idx="2">
+            <a:schemeClr val="accent1">
+              <a:shade val="50000"/>
+            </a:schemeClr>
+          </a:lnRef>
+          <a:fillRef idx="1">
+            <a:schemeClr val="accent1"/>
+          </a:fillRef>
+          <a:effectRef idx="0">
+            <a:schemeClr val="accent1"/>
+          </a:effectRef>
+          <a:fontRef idx="minor">
+            <a:schemeClr val="lt1"/>
+          </a:fontRef>
+        </p:style>
+        <p:txBody>
+          <a:bodyPr rtlCol="0" anchor="ctr"/>
+          <a:lstStyle/>
+          <a:p>
+            <a:pPr algn="ctr"/>
+            <a:endParaRPr lang="en-US"/>
           </a:p>
         </p:txBody>
       </p:sp>
@@ -8674,7 +9408,7 @@
     </p:extLst>
   </p:cSld>
   <p:clrMapOvr>
-    <a:masterClrMapping/>
+    <a:overrideClrMapping bg1="dk1" tx1="lt1" bg2="dk2" tx2="lt2" accent1="accent1" accent2="accent2" accent3="accent3" accent4="accent4" accent5="accent5" accent6="accent6" hlink="hlink" folHlink="folHlink"/>
   </p:clrMapOvr>
 </p:sld>
 </file>
@@ -8704,759 +9438,6 @@
           <a:chExt cx="0" cy="0"/>
         </a:xfrm>
       </p:grpSpPr>
-      <p:grpSp>
-        <p:nvGrpSpPr>
-          <p:cNvPr id="12" name="Group 11">
-            <a:extLst>
-              <a:ext uri="{FF2B5EF4-FFF2-40B4-BE49-F238E27FC236}">
-                <a16:creationId xmlns:a16="http://schemas.microsoft.com/office/drawing/2014/main" id="{B4DE830A-B531-4A3B-96F6-0ECE88B08555}"/>
-              </a:ext>
-              <a:ext uri="{C183D7F6-B498-43B3-948B-1728B52AA6E4}">
-                <adec:decorative xmlns:adec="http://schemas.microsoft.com/office/drawing/2017/decorative" val="1"/>
-              </a:ext>
-            </a:extLst>
-          </p:cNvPr>
-          <p:cNvGrpSpPr>
-            <a:grpSpLocks noGrp="1" noUngrp="1" noRot="1" noChangeAspect="1" noMove="1" noResize="1"/>
-          </p:cNvGrpSpPr>
-          <p:nvPr>
-            <p:extLst>
-              <p:ext uri="{386F3935-93C4-4BCD-93E2-E3B085C9AB24}">
-                <p16:designElem xmlns:p16="http://schemas.microsoft.com/office/powerpoint/2015/main" val="1"/>
-              </p:ext>
-            </p:extLst>
-          </p:nvPr>
-        </p:nvGrpSpPr>
-        <p:grpSpPr>
-          <a:xfrm>
-            <a:off x="0" y="-8467"/>
-            <a:ext cx="12192000" cy="6866467"/>
-            <a:chOff x="0" y="-8467"/>
-            <a:chExt cx="12192000" cy="6866467"/>
-          </a:xfrm>
-        </p:grpSpPr>
-        <p:cxnSp>
-          <p:nvCxnSpPr>
-            <p:cNvPr id="13" name="Straight Connector 12">
-              <a:extLst>
-                <a:ext uri="{FF2B5EF4-FFF2-40B4-BE49-F238E27FC236}">
-                  <a16:creationId xmlns:a16="http://schemas.microsoft.com/office/drawing/2014/main" id="{2813DF2C-461A-4A8F-9679-A172790D1F3A}"/>
-                </a:ext>
-                <a:ext uri="{C183D7F6-B498-43B3-948B-1728B52AA6E4}">
-                  <adec:decorative xmlns:adec="http://schemas.microsoft.com/office/drawing/2017/decorative" val="1"/>
-                </a:ext>
-              </a:extLst>
-            </p:cNvPr>
-            <p:cNvCxnSpPr/>
-            <p:nvPr>
-              <p:extLst>
-                <p:ext uri="{386F3935-93C4-4BCD-93E2-E3B085C9AB24}">
-                  <p16:designElem xmlns:p16="http://schemas.microsoft.com/office/powerpoint/2015/main" val="1"/>
-                </p:ext>
-              </p:extLst>
-            </p:nvPr>
-          </p:nvCxnSpPr>
-          <p:spPr>
-            <a:xfrm>
-              <a:off x="9371012" y="0"/>
-              <a:ext cx="1219200" cy="6858000"/>
-            </a:xfrm>
-            <a:prstGeom prst="line">
-              <a:avLst/>
-            </a:prstGeom>
-            <a:ln w="9525">
-              <a:solidFill>
-                <a:schemeClr val="bg1">
-                  <a:lumMod val="75000"/>
-                </a:schemeClr>
-              </a:solidFill>
-            </a:ln>
-          </p:spPr>
-          <p:style>
-            <a:lnRef idx="2">
-              <a:schemeClr val="accent1"/>
-            </a:lnRef>
-            <a:fillRef idx="0">
-              <a:schemeClr val="accent1"/>
-            </a:fillRef>
-            <a:effectRef idx="1">
-              <a:schemeClr val="accent1"/>
-            </a:effectRef>
-            <a:fontRef idx="minor">
-              <a:schemeClr val="tx1"/>
-            </a:fontRef>
-          </p:style>
-        </p:cxnSp>
-        <p:cxnSp>
-          <p:nvCxnSpPr>
-            <p:cNvPr id="14" name="Straight Connector 13">
-              <a:extLst>
-                <a:ext uri="{FF2B5EF4-FFF2-40B4-BE49-F238E27FC236}">
-                  <a16:creationId xmlns:a16="http://schemas.microsoft.com/office/drawing/2014/main" id="{54CD3A85-C039-4249-86E4-1EB9318B5495}"/>
-                </a:ext>
-                <a:ext uri="{C183D7F6-B498-43B3-948B-1728B52AA6E4}">
-                  <adec:decorative xmlns:adec="http://schemas.microsoft.com/office/drawing/2017/decorative" val="1"/>
-                </a:ext>
-              </a:extLst>
-            </p:cNvPr>
-            <p:cNvCxnSpPr/>
-            <p:nvPr>
-              <p:extLst>
-                <p:ext uri="{386F3935-93C4-4BCD-93E2-E3B085C9AB24}">
-                  <p16:designElem xmlns:p16="http://schemas.microsoft.com/office/powerpoint/2015/main" val="1"/>
-                </p:ext>
-              </p:extLst>
-            </p:nvPr>
-          </p:nvCxnSpPr>
-          <p:spPr>
-            <a:xfrm flipH="1">
-              <a:off x="7425267" y="3681413"/>
-              <a:ext cx="4763558" cy="3176587"/>
-            </a:xfrm>
-            <a:prstGeom prst="line">
-              <a:avLst/>
-            </a:prstGeom>
-            <a:ln w="9525">
-              <a:solidFill>
-                <a:schemeClr val="bg1">
-                  <a:lumMod val="85000"/>
-                </a:schemeClr>
-              </a:solidFill>
-            </a:ln>
-          </p:spPr>
-          <p:style>
-            <a:lnRef idx="2">
-              <a:schemeClr val="accent1"/>
-            </a:lnRef>
-            <a:fillRef idx="0">
-              <a:schemeClr val="accent1"/>
-            </a:fillRef>
-            <a:effectRef idx="1">
-              <a:schemeClr val="accent1"/>
-            </a:effectRef>
-            <a:fontRef idx="minor">
-              <a:schemeClr val="tx1"/>
-            </a:fontRef>
-          </p:style>
-        </p:cxnSp>
-        <p:sp>
-          <p:nvSpPr>
-            <p:cNvPr id="15" name="Rectangle 23">
-              <a:extLst>
-                <a:ext uri="{FF2B5EF4-FFF2-40B4-BE49-F238E27FC236}">
-                  <a16:creationId xmlns:a16="http://schemas.microsoft.com/office/drawing/2014/main" id="{887EA6D2-2883-42C2-993D-094CA6D65DA3}"/>
-                </a:ext>
-                <a:ext uri="{C183D7F6-B498-43B3-948B-1728B52AA6E4}">
-                  <adec:decorative xmlns:adec="http://schemas.microsoft.com/office/drawing/2017/decorative" val="1"/>
-                </a:ext>
-              </a:extLst>
-            </p:cNvPr>
-            <p:cNvSpPr/>
-            <p:nvPr>
-              <p:extLst>
-                <p:ext uri="{386F3935-93C4-4BCD-93E2-E3B085C9AB24}">
-                  <p16:designElem xmlns:p16="http://schemas.microsoft.com/office/powerpoint/2015/main" val="1"/>
-                </p:ext>
-              </p:extLst>
-            </p:nvPr>
-          </p:nvSpPr>
-          <p:spPr>
-            <a:xfrm>
-              <a:off x="9181476" y="-8467"/>
-              <a:ext cx="3007349" cy="6866467"/>
-            </a:xfrm>
-            <a:custGeom>
-              <a:avLst/>
-              <a:gdLst/>
-              <a:ahLst/>
-              <a:cxnLst/>
-              <a:rect l="l" t="t" r="r" b="b"/>
-              <a:pathLst>
-                <a:path w="3007349" h="6866467">
-                  <a:moveTo>
-                    <a:pt x="2045532" y="0"/>
-                  </a:moveTo>
-                  <a:lnTo>
-                    <a:pt x="3007349" y="0"/>
-                  </a:lnTo>
-                  <a:lnTo>
-                    <a:pt x="3007349" y="6866467"/>
-                  </a:lnTo>
-                  <a:lnTo>
-                    <a:pt x="0" y="6866467"/>
-                  </a:lnTo>
-                  <a:lnTo>
-                    <a:pt x="2045532" y="0"/>
-                  </a:lnTo>
-                  <a:close/>
-                </a:path>
-              </a:pathLst>
-            </a:custGeom>
-            <a:solidFill>
-              <a:schemeClr val="accent1">
-                <a:alpha val="30000"/>
-              </a:schemeClr>
-            </a:solidFill>
-            <a:ln>
-              <a:noFill/>
-            </a:ln>
-            <a:effectLst/>
-          </p:spPr>
-          <p:style>
-            <a:lnRef idx="1">
-              <a:schemeClr val="accent1"/>
-            </a:lnRef>
-            <a:fillRef idx="3">
-              <a:schemeClr val="accent1"/>
-            </a:fillRef>
-            <a:effectRef idx="2">
-              <a:schemeClr val="accent1"/>
-            </a:effectRef>
-            <a:fontRef idx="minor">
-              <a:schemeClr val="lt1"/>
-            </a:fontRef>
-          </p:style>
-          <p:txBody>
-            <a:bodyPr/>
-            <a:lstStyle/>
-            <a:p>
-              <a:endParaRPr lang="en-GB"/>
-            </a:p>
-          </p:txBody>
-        </p:sp>
-        <p:sp>
-          <p:nvSpPr>
-            <p:cNvPr id="16" name="Rectangle 25">
-              <a:extLst>
-                <a:ext uri="{FF2B5EF4-FFF2-40B4-BE49-F238E27FC236}">
-                  <a16:creationId xmlns:a16="http://schemas.microsoft.com/office/drawing/2014/main" id="{3B895046-636F-4D1B-ACA4-29AA0CB3329F}"/>
-                </a:ext>
-                <a:ext uri="{C183D7F6-B498-43B3-948B-1728B52AA6E4}">
-                  <adec:decorative xmlns:adec="http://schemas.microsoft.com/office/drawing/2017/decorative" val="1"/>
-                </a:ext>
-              </a:extLst>
-            </p:cNvPr>
-            <p:cNvSpPr/>
-            <p:nvPr>
-              <p:extLst>
-                <p:ext uri="{386F3935-93C4-4BCD-93E2-E3B085C9AB24}">
-                  <p16:designElem xmlns:p16="http://schemas.microsoft.com/office/powerpoint/2015/main" val="1"/>
-                </p:ext>
-              </p:extLst>
-            </p:nvPr>
-          </p:nvSpPr>
-          <p:spPr>
-            <a:xfrm>
-              <a:off x="9603442" y="-8467"/>
-              <a:ext cx="2588558" cy="6866467"/>
-            </a:xfrm>
-            <a:custGeom>
-              <a:avLst/>
-              <a:gdLst/>
-              <a:ahLst/>
-              <a:cxnLst/>
-              <a:rect l="l" t="t" r="r" b="b"/>
-              <a:pathLst>
-                <a:path w="2573311" h="6866467">
-                  <a:moveTo>
-                    <a:pt x="0" y="0"/>
-                  </a:moveTo>
-                  <a:lnTo>
-                    <a:pt x="2573311" y="0"/>
-                  </a:lnTo>
-                  <a:lnTo>
-                    <a:pt x="2573311" y="6866467"/>
-                  </a:lnTo>
-                  <a:lnTo>
-                    <a:pt x="1202336" y="6866467"/>
-                  </a:lnTo>
-                  <a:lnTo>
-                    <a:pt x="0" y="0"/>
-                  </a:lnTo>
-                  <a:close/>
-                </a:path>
-              </a:pathLst>
-            </a:custGeom>
-            <a:solidFill>
-              <a:schemeClr val="accent1">
-                <a:alpha val="20000"/>
-              </a:schemeClr>
-            </a:solidFill>
-            <a:ln>
-              <a:noFill/>
-            </a:ln>
-            <a:effectLst/>
-          </p:spPr>
-          <p:style>
-            <a:lnRef idx="1">
-              <a:schemeClr val="accent1"/>
-            </a:lnRef>
-            <a:fillRef idx="3">
-              <a:schemeClr val="accent1"/>
-            </a:fillRef>
-            <a:effectRef idx="2">
-              <a:schemeClr val="accent1"/>
-            </a:effectRef>
-            <a:fontRef idx="minor">
-              <a:schemeClr val="lt1"/>
-            </a:fontRef>
-          </p:style>
-          <p:txBody>
-            <a:bodyPr/>
-            <a:lstStyle/>
-            <a:p>
-              <a:endParaRPr lang="en-GB"/>
-            </a:p>
-          </p:txBody>
-        </p:sp>
-        <p:sp>
-          <p:nvSpPr>
-            <p:cNvPr id="17" name="Isosceles Triangle 16">
-              <a:extLst>
-                <a:ext uri="{FF2B5EF4-FFF2-40B4-BE49-F238E27FC236}">
-                  <a16:creationId xmlns:a16="http://schemas.microsoft.com/office/drawing/2014/main" id="{C6B0CDE3-E054-4EDD-A43B-F96843D8BF51}"/>
-                </a:ext>
-                <a:ext uri="{C183D7F6-B498-43B3-948B-1728B52AA6E4}">
-                  <adec:decorative xmlns:adec="http://schemas.microsoft.com/office/drawing/2017/decorative" val="1"/>
-                </a:ext>
-              </a:extLst>
-            </p:cNvPr>
-            <p:cNvSpPr/>
-            <p:nvPr>
-              <p:extLst>
-                <p:ext uri="{386F3935-93C4-4BCD-93E2-E3B085C9AB24}">
-                  <p16:designElem xmlns:p16="http://schemas.microsoft.com/office/powerpoint/2015/main" val="1"/>
-                </p:ext>
-              </p:extLst>
-            </p:nvPr>
-          </p:nvSpPr>
-          <p:spPr>
-            <a:xfrm>
-              <a:off x="8932333" y="3048000"/>
-              <a:ext cx="3259667" cy="3810000"/>
-            </a:xfrm>
-            <a:prstGeom prst="triangle">
-              <a:avLst>
-                <a:gd name="adj" fmla="val 100000"/>
-              </a:avLst>
-            </a:prstGeom>
-            <a:solidFill>
-              <a:schemeClr val="accent2">
-                <a:alpha val="72000"/>
-              </a:schemeClr>
-            </a:solidFill>
-            <a:ln>
-              <a:noFill/>
-            </a:ln>
-            <a:effectLst/>
-          </p:spPr>
-          <p:style>
-            <a:lnRef idx="1">
-              <a:schemeClr val="accent1"/>
-            </a:lnRef>
-            <a:fillRef idx="3">
-              <a:schemeClr val="accent1"/>
-            </a:fillRef>
-            <a:effectRef idx="2">
-              <a:schemeClr val="accent1"/>
-            </a:effectRef>
-            <a:fontRef idx="minor">
-              <a:schemeClr val="lt1"/>
-            </a:fontRef>
-          </p:style>
-          <p:txBody>
-            <a:bodyPr/>
-            <a:lstStyle/>
-            <a:p>
-              <a:endParaRPr lang="en-GB"/>
-            </a:p>
-          </p:txBody>
-        </p:sp>
-        <p:sp>
-          <p:nvSpPr>
-            <p:cNvPr id="18" name="Rectangle 27">
-              <a:extLst>
-                <a:ext uri="{FF2B5EF4-FFF2-40B4-BE49-F238E27FC236}">
-                  <a16:creationId xmlns:a16="http://schemas.microsoft.com/office/drawing/2014/main" id="{3B66B1A2-F145-4C9B-85CC-4BF30D58CBC5}"/>
-                </a:ext>
-                <a:ext uri="{C183D7F6-B498-43B3-948B-1728B52AA6E4}">
-                  <adec:decorative xmlns:adec="http://schemas.microsoft.com/office/drawing/2017/decorative" val="1"/>
-                </a:ext>
-              </a:extLst>
-            </p:cNvPr>
-            <p:cNvSpPr/>
-            <p:nvPr>
-              <p:extLst>
-                <p:ext uri="{386F3935-93C4-4BCD-93E2-E3B085C9AB24}">
-                  <p16:designElem xmlns:p16="http://schemas.microsoft.com/office/powerpoint/2015/main" val="1"/>
-                </p:ext>
-              </p:extLst>
-            </p:nvPr>
-          </p:nvSpPr>
-          <p:spPr>
-            <a:xfrm>
-              <a:off x="9334500" y="-8467"/>
-              <a:ext cx="2854326" cy="6866467"/>
-            </a:xfrm>
-            <a:custGeom>
-              <a:avLst/>
-              <a:gdLst/>
-              <a:ahLst/>
-              <a:cxnLst/>
-              <a:rect l="l" t="t" r="r" b="b"/>
-              <a:pathLst>
-                <a:path w="2858013" h="6866467">
-                  <a:moveTo>
-                    <a:pt x="0" y="0"/>
-                  </a:moveTo>
-                  <a:lnTo>
-                    <a:pt x="2858013" y="0"/>
-                  </a:lnTo>
-                  <a:lnTo>
-                    <a:pt x="2858013" y="6866467"/>
-                  </a:lnTo>
-                  <a:lnTo>
-                    <a:pt x="2473942" y="6866467"/>
-                  </a:lnTo>
-                  <a:lnTo>
-                    <a:pt x="0" y="0"/>
-                  </a:lnTo>
-                  <a:close/>
-                </a:path>
-              </a:pathLst>
-            </a:custGeom>
-            <a:solidFill>
-              <a:schemeClr val="accent2">
-                <a:lumMod val="75000"/>
-                <a:alpha val="70000"/>
-              </a:schemeClr>
-            </a:solidFill>
-            <a:ln>
-              <a:noFill/>
-            </a:ln>
-            <a:effectLst/>
-          </p:spPr>
-          <p:style>
-            <a:lnRef idx="1">
-              <a:schemeClr val="accent1"/>
-            </a:lnRef>
-            <a:fillRef idx="3">
-              <a:schemeClr val="accent1"/>
-            </a:fillRef>
-            <a:effectRef idx="2">
-              <a:schemeClr val="accent1"/>
-            </a:effectRef>
-            <a:fontRef idx="minor">
-              <a:schemeClr val="lt1"/>
-            </a:fontRef>
-          </p:style>
-          <p:txBody>
-            <a:bodyPr/>
-            <a:lstStyle/>
-            <a:p>
-              <a:endParaRPr lang="en-GB"/>
-            </a:p>
-          </p:txBody>
-        </p:sp>
-        <p:sp>
-          <p:nvSpPr>
-            <p:cNvPr id="19" name="Rectangle 28">
-              <a:extLst>
-                <a:ext uri="{FF2B5EF4-FFF2-40B4-BE49-F238E27FC236}">
-                  <a16:creationId xmlns:a16="http://schemas.microsoft.com/office/drawing/2014/main" id="{5D4FC972-94B3-4035-8D31-E668C132B411}"/>
-                </a:ext>
-                <a:ext uri="{C183D7F6-B498-43B3-948B-1728B52AA6E4}">
-                  <adec:decorative xmlns:adec="http://schemas.microsoft.com/office/drawing/2017/decorative" val="1"/>
-                </a:ext>
-              </a:extLst>
-            </p:cNvPr>
-            <p:cNvSpPr/>
-            <p:nvPr>
-              <p:extLst>
-                <p:ext uri="{386F3935-93C4-4BCD-93E2-E3B085C9AB24}">
-                  <p16:designElem xmlns:p16="http://schemas.microsoft.com/office/powerpoint/2015/main" val="1"/>
-                </p:ext>
-              </p:extLst>
-            </p:nvPr>
-          </p:nvSpPr>
-          <p:spPr>
-            <a:xfrm>
-              <a:off x="10898730" y="-8467"/>
-              <a:ext cx="1290094" cy="6866467"/>
-            </a:xfrm>
-            <a:custGeom>
-              <a:avLst/>
-              <a:gdLst/>
-              <a:ahLst/>
-              <a:cxnLst/>
-              <a:rect l="l" t="t" r="r" b="b"/>
-              <a:pathLst>
-                <a:path w="1290094" h="6858000">
-                  <a:moveTo>
-                    <a:pt x="1019735" y="0"/>
-                  </a:moveTo>
-                  <a:lnTo>
-                    <a:pt x="1290094" y="0"/>
-                  </a:lnTo>
-                  <a:lnTo>
-                    <a:pt x="1290094" y="6858000"/>
-                  </a:lnTo>
-                  <a:lnTo>
-                    <a:pt x="0" y="6858000"/>
-                  </a:lnTo>
-                  <a:lnTo>
-                    <a:pt x="1019735" y="0"/>
-                  </a:lnTo>
-                  <a:close/>
-                </a:path>
-              </a:pathLst>
-            </a:custGeom>
-            <a:solidFill>
-              <a:schemeClr val="accent1">
-                <a:lumMod val="60000"/>
-                <a:lumOff val="40000"/>
-                <a:alpha val="70000"/>
-              </a:schemeClr>
-            </a:solidFill>
-            <a:ln>
-              <a:noFill/>
-            </a:ln>
-            <a:effectLst/>
-          </p:spPr>
-          <p:style>
-            <a:lnRef idx="1">
-              <a:schemeClr val="accent1"/>
-            </a:lnRef>
-            <a:fillRef idx="3">
-              <a:schemeClr val="accent1"/>
-            </a:fillRef>
-            <a:effectRef idx="2">
-              <a:schemeClr val="accent1"/>
-            </a:effectRef>
-            <a:fontRef idx="minor">
-              <a:schemeClr val="lt1"/>
-            </a:fontRef>
-          </p:style>
-          <p:txBody>
-            <a:bodyPr/>
-            <a:lstStyle/>
-            <a:p>
-              <a:endParaRPr lang="en-GB"/>
-            </a:p>
-          </p:txBody>
-        </p:sp>
-        <p:sp>
-          <p:nvSpPr>
-            <p:cNvPr id="20" name="Rectangle 29">
-              <a:extLst>
-                <a:ext uri="{FF2B5EF4-FFF2-40B4-BE49-F238E27FC236}">
-                  <a16:creationId xmlns:a16="http://schemas.microsoft.com/office/drawing/2014/main" id="{374B9941-AFBE-4A77-A50E-B6EA04A746AE}"/>
-                </a:ext>
-                <a:ext uri="{C183D7F6-B498-43B3-948B-1728B52AA6E4}">
-                  <adec:decorative xmlns:adec="http://schemas.microsoft.com/office/drawing/2017/decorative" val="1"/>
-                </a:ext>
-              </a:extLst>
-            </p:cNvPr>
-            <p:cNvSpPr/>
-            <p:nvPr>
-              <p:extLst>
-                <p:ext uri="{386F3935-93C4-4BCD-93E2-E3B085C9AB24}">
-                  <p16:designElem xmlns:p16="http://schemas.microsoft.com/office/powerpoint/2015/main" val="1"/>
-                </p:ext>
-              </p:extLst>
-            </p:nvPr>
-          </p:nvSpPr>
-          <p:spPr>
-            <a:xfrm>
-              <a:off x="10938999" y="-8467"/>
-              <a:ext cx="1249825" cy="6866467"/>
-            </a:xfrm>
-            <a:custGeom>
-              <a:avLst/>
-              <a:gdLst/>
-              <a:ahLst/>
-              <a:cxnLst/>
-              <a:rect l="l" t="t" r="r" b="b"/>
-              <a:pathLst>
-                <a:path w="1249825" h="6858000">
-                  <a:moveTo>
-                    <a:pt x="0" y="0"/>
-                  </a:moveTo>
-                  <a:lnTo>
-                    <a:pt x="1249825" y="0"/>
-                  </a:lnTo>
-                  <a:lnTo>
-                    <a:pt x="1249825" y="6858000"/>
-                  </a:lnTo>
-                  <a:lnTo>
-                    <a:pt x="1109382" y="6858000"/>
-                  </a:lnTo>
-                  <a:lnTo>
-                    <a:pt x="0" y="0"/>
-                  </a:lnTo>
-                  <a:close/>
-                </a:path>
-              </a:pathLst>
-            </a:custGeom>
-            <a:solidFill>
-              <a:schemeClr val="accent1">
-                <a:alpha val="65000"/>
-              </a:schemeClr>
-            </a:solidFill>
-            <a:ln>
-              <a:noFill/>
-            </a:ln>
-            <a:effectLst/>
-          </p:spPr>
-          <p:style>
-            <a:lnRef idx="1">
-              <a:schemeClr val="accent1"/>
-            </a:lnRef>
-            <a:fillRef idx="3">
-              <a:schemeClr val="accent1"/>
-            </a:fillRef>
-            <a:effectRef idx="2">
-              <a:schemeClr val="accent1"/>
-            </a:effectRef>
-            <a:fontRef idx="minor">
-              <a:schemeClr val="lt1"/>
-            </a:fontRef>
-          </p:style>
-          <p:txBody>
-            <a:bodyPr/>
-            <a:lstStyle/>
-            <a:p>
-              <a:endParaRPr lang="en-GB"/>
-            </a:p>
-          </p:txBody>
-        </p:sp>
-        <p:sp>
-          <p:nvSpPr>
-            <p:cNvPr id="21" name="Isosceles Triangle 20">
-              <a:extLst>
-                <a:ext uri="{FF2B5EF4-FFF2-40B4-BE49-F238E27FC236}">
-                  <a16:creationId xmlns:a16="http://schemas.microsoft.com/office/drawing/2014/main" id="{27A982C5-2C38-4CE9-BC18-94697AD657FB}"/>
-                </a:ext>
-                <a:ext uri="{C183D7F6-B498-43B3-948B-1728B52AA6E4}">
-                  <adec:decorative xmlns:adec="http://schemas.microsoft.com/office/drawing/2017/decorative" val="1"/>
-                </a:ext>
-              </a:extLst>
-            </p:cNvPr>
-            <p:cNvSpPr/>
-            <p:nvPr>
-              <p:extLst>
-                <p:ext uri="{386F3935-93C4-4BCD-93E2-E3B085C9AB24}">
-                  <p16:designElem xmlns:p16="http://schemas.microsoft.com/office/powerpoint/2015/main" val="1"/>
-                </p:ext>
-              </p:extLst>
-            </p:nvPr>
-          </p:nvSpPr>
-          <p:spPr>
-            <a:xfrm>
-              <a:off x="10371666" y="3589867"/>
-              <a:ext cx="1817159" cy="3268133"/>
-            </a:xfrm>
-            <a:prstGeom prst="triangle">
-              <a:avLst>
-                <a:gd name="adj" fmla="val 100000"/>
-              </a:avLst>
-            </a:prstGeom>
-            <a:solidFill>
-              <a:schemeClr val="accent1">
-                <a:alpha val="80000"/>
-              </a:schemeClr>
-            </a:solidFill>
-            <a:ln>
-              <a:noFill/>
-            </a:ln>
-            <a:effectLst/>
-          </p:spPr>
-          <p:style>
-            <a:lnRef idx="1">
-              <a:schemeClr val="accent1"/>
-            </a:lnRef>
-            <a:fillRef idx="3">
-              <a:schemeClr val="accent1"/>
-            </a:fillRef>
-            <a:effectRef idx="2">
-              <a:schemeClr val="accent1"/>
-            </a:effectRef>
-            <a:fontRef idx="minor">
-              <a:schemeClr val="lt1"/>
-            </a:fontRef>
-          </p:style>
-          <p:txBody>
-            <a:bodyPr/>
-            <a:lstStyle/>
-            <a:p>
-              <a:endParaRPr lang="en-GB"/>
-            </a:p>
-          </p:txBody>
-        </p:sp>
-        <p:sp>
-          <p:nvSpPr>
-            <p:cNvPr id="22" name="Isosceles Triangle 21">
-              <a:extLst>
-                <a:ext uri="{FF2B5EF4-FFF2-40B4-BE49-F238E27FC236}">
-                  <a16:creationId xmlns:a16="http://schemas.microsoft.com/office/drawing/2014/main" id="{0060D8D1-7BB1-498F-AFBB-ADAC130A9E90}"/>
-                </a:ext>
-                <a:ext uri="{C183D7F6-B498-43B3-948B-1728B52AA6E4}">
-                  <adec:decorative xmlns:adec="http://schemas.microsoft.com/office/drawing/2017/decorative" val="1"/>
-                </a:ext>
-              </a:extLst>
-            </p:cNvPr>
-            <p:cNvSpPr/>
-            <p:nvPr>
-              <p:extLst>
-                <p:ext uri="{386F3935-93C4-4BCD-93E2-E3B085C9AB24}">
-                  <p16:designElem xmlns:p16="http://schemas.microsoft.com/office/powerpoint/2015/main" val="1"/>
-                </p:ext>
-              </p:extLst>
-            </p:nvPr>
-          </p:nvSpPr>
-          <p:spPr>
-            <a:xfrm rot="10800000">
-              <a:off x="0" y="0"/>
-              <a:ext cx="842596" cy="5666154"/>
-            </a:xfrm>
-            <a:prstGeom prst="triangle">
-              <a:avLst>
-                <a:gd name="adj" fmla="val 100000"/>
-              </a:avLst>
-            </a:prstGeom>
-            <a:solidFill>
-              <a:schemeClr val="accent1">
-                <a:alpha val="85000"/>
-              </a:schemeClr>
-            </a:solidFill>
-            <a:ln>
-              <a:noFill/>
-            </a:ln>
-            <a:effectLst/>
-          </p:spPr>
-          <p:style>
-            <a:lnRef idx="1">
-              <a:schemeClr val="accent1"/>
-            </a:lnRef>
-            <a:fillRef idx="3">
-              <a:schemeClr val="accent1"/>
-            </a:fillRef>
-            <a:effectRef idx="2">
-              <a:schemeClr val="accent1"/>
-            </a:effectRef>
-            <a:fontRef idx="minor">
-              <a:schemeClr val="lt1"/>
-            </a:fontRef>
-          </p:style>
-          <p:txBody>
-            <a:bodyPr/>
-            <a:lstStyle/>
-            <a:p>
-              <a:endParaRPr lang="en-GB"/>
-            </a:p>
-          </p:txBody>
-        </p:sp>
-      </p:grpSp>
       <p:sp>
         <p:nvSpPr>
           <p:cNvPr id="4" name="Title 3">
@@ -9528,71 +9509,6 @@
           <a:lstStyle/>
           <a:p>
             <a:endParaRPr lang="en-US" sz="1800"/>
-          </a:p>
-        </p:txBody>
-      </p:sp>
-      <p:sp>
-        <p:nvSpPr>
-          <p:cNvPr id="24" name="Isosceles Triangle 23">
-            <a:extLst>
-              <a:ext uri="{FF2B5EF4-FFF2-40B4-BE49-F238E27FC236}">
-                <a16:creationId xmlns:a16="http://schemas.microsoft.com/office/drawing/2014/main" id="{5A7802B6-FF37-40CF-A7E2-6F2A0D9A91EF}"/>
-              </a:ext>
-              <a:ext uri="{C183D7F6-B498-43B3-948B-1728B52AA6E4}">
-                <adec:decorative xmlns:adec="http://schemas.microsoft.com/office/drawing/2017/decorative" val="1"/>
-              </a:ext>
-            </a:extLst>
-          </p:cNvPr>
-          <p:cNvSpPr>
-            <a:spLocks noGrp="1" noRot="1" noChangeAspect="1" noMove="1" noResize="1" noEditPoints="1" noAdjustHandles="1" noChangeArrowheads="1" noChangeShapeType="1" noTextEdit="1"/>
-          </p:cNvSpPr>
-          <p:nvPr>
-            <p:extLst>
-              <p:ext uri="{386F3935-93C4-4BCD-93E2-E3B085C9AB24}">
-                <p16:designElem xmlns:p16="http://schemas.microsoft.com/office/powerpoint/2015/main" val="1"/>
-              </p:ext>
-            </p:extLst>
-          </p:nvPr>
-        </p:nvSpPr>
-        <p:spPr>
-          <a:xfrm rot="10800000">
-            <a:off x="3174" y="12700"/>
-            <a:ext cx="842596" cy="5666154"/>
-          </a:xfrm>
-          <a:prstGeom prst="triangle">
-            <a:avLst>
-              <a:gd name="adj" fmla="val 100000"/>
-            </a:avLst>
-          </a:prstGeom>
-          <a:solidFill>
-            <a:schemeClr val="accent1">
-              <a:alpha val="85000"/>
-            </a:schemeClr>
-          </a:solidFill>
-          <a:ln>
-            <a:noFill/>
-          </a:ln>
-          <a:effectLst/>
-        </p:spPr>
-        <p:style>
-          <a:lnRef idx="1">
-            <a:schemeClr val="accent1"/>
-          </a:lnRef>
-          <a:fillRef idx="3">
-            <a:schemeClr val="accent1"/>
-          </a:fillRef>
-          <a:effectRef idx="2">
-            <a:schemeClr val="accent1"/>
-          </a:effectRef>
-          <a:fontRef idx="minor">
-            <a:schemeClr val="lt1"/>
-          </a:fontRef>
-        </p:style>
-        <p:txBody>
-          <a:bodyPr/>
-          <a:lstStyle/>
-          <a:p>
-            <a:endParaRPr lang="en-GB"/>
           </a:p>
         </p:txBody>
       </p:sp>
@@ -9839,682 +9755,6 @@
           </a:p>
         </p:txBody>
       </p:sp>
-      <p:cxnSp>
-        <p:nvCxnSpPr>
-          <p:cNvPr id="9" name="Straight Connector 8">
-            <a:extLst>
-              <a:ext uri="{FF2B5EF4-FFF2-40B4-BE49-F238E27FC236}">
-                <a16:creationId xmlns:a16="http://schemas.microsoft.com/office/drawing/2014/main" id="{64FA5DFF-7FE6-4855-84E6-DFA78EE978BD}"/>
-              </a:ext>
-              <a:ext uri="{C183D7F6-B498-43B3-948B-1728B52AA6E4}">
-                <adec:decorative xmlns:adec="http://schemas.microsoft.com/office/drawing/2017/decorative" val="1"/>
-              </a:ext>
-            </a:extLst>
-          </p:cNvPr>
-          <p:cNvCxnSpPr>
-            <a:cxnSpLocks noGrp="1" noRot="1" noChangeAspect="1" noMove="1" noResize="1" noEditPoints="1" noAdjustHandles="1" noChangeArrowheads="1" noChangeShapeType="1"/>
-          </p:cNvCxnSpPr>
-          <p:nvPr>
-            <p:extLst>
-              <p:ext uri="{386F3935-93C4-4BCD-93E2-E3B085C9AB24}">
-                <p16:designElem xmlns:p16="http://schemas.microsoft.com/office/powerpoint/2015/main" val="1"/>
-              </p:ext>
-            </p:extLst>
-          </p:nvPr>
-        </p:nvCxnSpPr>
-        <p:spPr>
-          <a:xfrm>
-            <a:off x="9371012" y="0"/>
-            <a:ext cx="1219200" cy="6858000"/>
-          </a:xfrm>
-          <a:prstGeom prst="line">
-            <a:avLst/>
-          </a:prstGeom>
-          <a:ln w="9525">
-            <a:solidFill>
-              <a:schemeClr val="bg1">
-                <a:lumMod val="75000"/>
-              </a:schemeClr>
-            </a:solidFill>
-          </a:ln>
-        </p:spPr>
-        <p:style>
-          <a:lnRef idx="2">
-            <a:schemeClr val="accent1"/>
-          </a:lnRef>
-          <a:fillRef idx="0">
-            <a:schemeClr val="accent1"/>
-          </a:fillRef>
-          <a:effectRef idx="1">
-            <a:schemeClr val="accent1"/>
-          </a:effectRef>
-          <a:fontRef idx="minor">
-            <a:schemeClr val="tx1"/>
-          </a:fontRef>
-        </p:style>
-      </p:cxnSp>
-      <p:cxnSp>
-        <p:nvCxnSpPr>
-          <p:cNvPr id="11" name="Straight Connector 10">
-            <a:extLst>
-              <a:ext uri="{FF2B5EF4-FFF2-40B4-BE49-F238E27FC236}">
-                <a16:creationId xmlns:a16="http://schemas.microsoft.com/office/drawing/2014/main" id="{2AFD8CBA-54A3-4363-991B-B9C631BBFA74}"/>
-              </a:ext>
-              <a:ext uri="{C183D7F6-B498-43B3-948B-1728B52AA6E4}">
-                <adec:decorative xmlns:adec="http://schemas.microsoft.com/office/drawing/2017/decorative" val="1"/>
-              </a:ext>
-            </a:extLst>
-          </p:cNvPr>
-          <p:cNvCxnSpPr>
-            <a:cxnSpLocks noGrp="1" noRot="1" noChangeAspect="1" noMove="1" noResize="1" noEditPoints="1" noAdjustHandles="1" noChangeArrowheads="1" noChangeShapeType="1"/>
-          </p:cNvCxnSpPr>
-          <p:nvPr>
-            <p:extLst>
-              <p:ext uri="{386F3935-93C4-4BCD-93E2-E3B085C9AB24}">
-                <p16:designElem xmlns:p16="http://schemas.microsoft.com/office/powerpoint/2015/main" val="1"/>
-              </p:ext>
-            </p:extLst>
-          </p:nvPr>
-        </p:nvCxnSpPr>
-        <p:spPr>
-          <a:xfrm flipH="1">
-            <a:off x="7425267" y="3681413"/>
-            <a:ext cx="4763558" cy="3176587"/>
-          </a:xfrm>
-          <a:prstGeom prst="line">
-            <a:avLst/>
-          </a:prstGeom>
-          <a:ln w="9525">
-            <a:solidFill>
-              <a:schemeClr val="bg1">
-                <a:lumMod val="85000"/>
-              </a:schemeClr>
-            </a:solidFill>
-          </a:ln>
-        </p:spPr>
-        <p:style>
-          <a:lnRef idx="2">
-            <a:schemeClr val="accent1"/>
-          </a:lnRef>
-          <a:fillRef idx="0">
-            <a:schemeClr val="accent1"/>
-          </a:fillRef>
-          <a:effectRef idx="1">
-            <a:schemeClr val="accent1"/>
-          </a:effectRef>
-          <a:fontRef idx="minor">
-            <a:schemeClr val="tx1"/>
-          </a:fontRef>
-        </p:style>
-      </p:cxnSp>
-      <p:sp>
-        <p:nvSpPr>
-          <p:cNvPr id="13" name="Rectangle 23">
-            <a:extLst>
-              <a:ext uri="{FF2B5EF4-FFF2-40B4-BE49-F238E27FC236}">
-                <a16:creationId xmlns:a16="http://schemas.microsoft.com/office/drawing/2014/main" id="{3F088236-D655-4F88-B238-E16762358025}"/>
-              </a:ext>
-              <a:ext uri="{C183D7F6-B498-43B3-948B-1728B52AA6E4}">
-                <adec:decorative xmlns:adec="http://schemas.microsoft.com/office/drawing/2017/decorative" val="1"/>
-              </a:ext>
-            </a:extLst>
-          </p:cNvPr>
-          <p:cNvSpPr>
-            <a:spLocks noGrp="1" noRot="1" noChangeAspect="1" noMove="1" noResize="1" noEditPoints="1" noAdjustHandles="1" noChangeArrowheads="1" noChangeShapeType="1" noTextEdit="1"/>
-          </p:cNvSpPr>
-          <p:nvPr>
-            <p:extLst>
-              <p:ext uri="{386F3935-93C4-4BCD-93E2-E3B085C9AB24}">
-                <p16:designElem xmlns:p16="http://schemas.microsoft.com/office/powerpoint/2015/main" val="1"/>
-              </p:ext>
-            </p:extLst>
-          </p:nvPr>
-        </p:nvSpPr>
-        <p:spPr>
-          <a:xfrm>
-            <a:off x="9181476" y="-8467"/>
-            <a:ext cx="3007349" cy="6866467"/>
-          </a:xfrm>
-          <a:custGeom>
-            <a:avLst/>
-            <a:gdLst/>
-            <a:ahLst/>
-            <a:cxnLst/>
-            <a:rect l="l" t="t" r="r" b="b"/>
-            <a:pathLst>
-              <a:path w="3007349" h="6866467">
-                <a:moveTo>
-                  <a:pt x="2045532" y="0"/>
-                </a:moveTo>
-                <a:lnTo>
-                  <a:pt x="3007349" y="0"/>
-                </a:lnTo>
-                <a:lnTo>
-                  <a:pt x="3007349" y="6866467"/>
-                </a:lnTo>
-                <a:lnTo>
-                  <a:pt x="0" y="6866467"/>
-                </a:lnTo>
-                <a:lnTo>
-                  <a:pt x="2045532" y="0"/>
-                </a:lnTo>
-                <a:close/>
-              </a:path>
-            </a:pathLst>
-          </a:custGeom>
-          <a:solidFill>
-            <a:schemeClr val="accent1">
-              <a:alpha val="30000"/>
-            </a:schemeClr>
-          </a:solidFill>
-          <a:ln>
-            <a:noFill/>
-          </a:ln>
-          <a:effectLst/>
-        </p:spPr>
-        <p:style>
-          <a:lnRef idx="1">
-            <a:schemeClr val="accent1"/>
-          </a:lnRef>
-          <a:fillRef idx="3">
-            <a:schemeClr val="accent1"/>
-          </a:fillRef>
-          <a:effectRef idx="2">
-            <a:schemeClr val="accent1"/>
-          </a:effectRef>
-          <a:fontRef idx="minor">
-            <a:schemeClr val="lt1"/>
-          </a:fontRef>
-        </p:style>
-        <p:txBody>
-          <a:bodyPr/>
-          <a:lstStyle/>
-          <a:p>
-            <a:endParaRPr lang="en-GB"/>
-          </a:p>
-        </p:txBody>
-      </p:sp>
-      <p:sp>
-        <p:nvSpPr>
-          <p:cNvPr id="15" name="Rectangle 25">
-            <a:extLst>
-              <a:ext uri="{FF2B5EF4-FFF2-40B4-BE49-F238E27FC236}">
-                <a16:creationId xmlns:a16="http://schemas.microsoft.com/office/drawing/2014/main" id="{3DAC0C92-199E-475C-9390-119A9B027276}"/>
-              </a:ext>
-              <a:ext uri="{C183D7F6-B498-43B3-948B-1728B52AA6E4}">
-                <adec:decorative xmlns:adec="http://schemas.microsoft.com/office/drawing/2017/decorative" val="1"/>
-              </a:ext>
-            </a:extLst>
-          </p:cNvPr>
-          <p:cNvSpPr>
-            <a:spLocks noGrp="1" noRot="1" noChangeAspect="1" noMove="1" noResize="1" noEditPoints="1" noAdjustHandles="1" noChangeArrowheads="1" noChangeShapeType="1" noTextEdit="1"/>
-          </p:cNvSpPr>
-          <p:nvPr>
-            <p:extLst>
-              <p:ext uri="{386F3935-93C4-4BCD-93E2-E3B085C9AB24}">
-                <p16:designElem xmlns:p16="http://schemas.microsoft.com/office/powerpoint/2015/main" val="1"/>
-              </p:ext>
-            </p:extLst>
-          </p:nvPr>
-        </p:nvSpPr>
-        <p:spPr>
-          <a:xfrm>
-            <a:off x="9603442" y="-8467"/>
-            <a:ext cx="2588558" cy="6866467"/>
-          </a:xfrm>
-          <a:custGeom>
-            <a:avLst/>
-            <a:gdLst/>
-            <a:ahLst/>
-            <a:cxnLst/>
-            <a:rect l="l" t="t" r="r" b="b"/>
-            <a:pathLst>
-              <a:path w="2573311" h="6866467">
-                <a:moveTo>
-                  <a:pt x="0" y="0"/>
-                </a:moveTo>
-                <a:lnTo>
-                  <a:pt x="2573311" y="0"/>
-                </a:lnTo>
-                <a:lnTo>
-                  <a:pt x="2573311" y="6866467"/>
-                </a:lnTo>
-                <a:lnTo>
-                  <a:pt x="1202336" y="6866467"/>
-                </a:lnTo>
-                <a:lnTo>
-                  <a:pt x="0" y="0"/>
-                </a:lnTo>
-                <a:close/>
-              </a:path>
-            </a:pathLst>
-          </a:custGeom>
-          <a:solidFill>
-            <a:schemeClr val="accent1">
-              <a:alpha val="20000"/>
-            </a:schemeClr>
-          </a:solidFill>
-          <a:ln>
-            <a:noFill/>
-          </a:ln>
-          <a:effectLst/>
-        </p:spPr>
-        <p:style>
-          <a:lnRef idx="1">
-            <a:schemeClr val="accent1"/>
-          </a:lnRef>
-          <a:fillRef idx="3">
-            <a:schemeClr val="accent1"/>
-          </a:fillRef>
-          <a:effectRef idx="2">
-            <a:schemeClr val="accent1"/>
-          </a:effectRef>
-          <a:fontRef idx="minor">
-            <a:schemeClr val="lt1"/>
-          </a:fontRef>
-        </p:style>
-        <p:txBody>
-          <a:bodyPr/>
-          <a:lstStyle/>
-          <a:p>
-            <a:endParaRPr lang="en-GB"/>
-          </a:p>
-        </p:txBody>
-      </p:sp>
-      <p:sp>
-        <p:nvSpPr>
-          <p:cNvPr id="17" name="Isosceles Triangle 24">
-            <a:extLst>
-              <a:ext uri="{FF2B5EF4-FFF2-40B4-BE49-F238E27FC236}">
-                <a16:creationId xmlns:a16="http://schemas.microsoft.com/office/drawing/2014/main" id="{C4CFB339-0ED8-4FE2-9EF1-6D1375B8499B}"/>
-              </a:ext>
-              <a:ext uri="{C183D7F6-B498-43B3-948B-1728B52AA6E4}">
-                <adec:decorative xmlns:adec="http://schemas.microsoft.com/office/drawing/2017/decorative" val="1"/>
-              </a:ext>
-            </a:extLst>
-          </p:cNvPr>
-          <p:cNvSpPr>
-            <a:spLocks noGrp="1" noRot="1" noChangeAspect="1" noMove="1" noResize="1" noEditPoints="1" noAdjustHandles="1" noChangeArrowheads="1" noChangeShapeType="1" noTextEdit="1"/>
-          </p:cNvSpPr>
-          <p:nvPr>
-            <p:extLst>
-              <p:ext uri="{386F3935-93C4-4BCD-93E2-E3B085C9AB24}">
-                <p16:designElem xmlns:p16="http://schemas.microsoft.com/office/powerpoint/2015/main" val="1"/>
-              </p:ext>
-            </p:extLst>
-          </p:nvPr>
-        </p:nvSpPr>
-        <p:spPr>
-          <a:xfrm>
-            <a:off x="8932333" y="3048000"/>
-            <a:ext cx="3259667" cy="3810000"/>
-          </a:xfrm>
-          <a:prstGeom prst="triangle">
-            <a:avLst>
-              <a:gd name="adj" fmla="val 100000"/>
-            </a:avLst>
-          </a:prstGeom>
-          <a:solidFill>
-            <a:schemeClr val="accent2">
-              <a:alpha val="72000"/>
-            </a:schemeClr>
-          </a:solidFill>
-          <a:ln>
-            <a:noFill/>
-          </a:ln>
-          <a:effectLst/>
-        </p:spPr>
-        <p:style>
-          <a:lnRef idx="1">
-            <a:schemeClr val="accent1"/>
-          </a:lnRef>
-          <a:fillRef idx="3">
-            <a:schemeClr val="accent1"/>
-          </a:fillRef>
-          <a:effectRef idx="2">
-            <a:schemeClr val="accent1"/>
-          </a:effectRef>
-          <a:fontRef idx="minor">
-            <a:schemeClr val="lt1"/>
-          </a:fontRef>
-        </p:style>
-        <p:txBody>
-          <a:bodyPr/>
-          <a:lstStyle/>
-          <a:p>
-            <a:endParaRPr lang="en-GB"/>
-          </a:p>
-        </p:txBody>
-      </p:sp>
-      <p:sp>
-        <p:nvSpPr>
-          <p:cNvPr id="19" name="Rectangle 27">
-            <a:extLst>
-              <a:ext uri="{FF2B5EF4-FFF2-40B4-BE49-F238E27FC236}">
-                <a16:creationId xmlns:a16="http://schemas.microsoft.com/office/drawing/2014/main" id="{31896C80-2069-4431-9C19-83B913734490}"/>
-              </a:ext>
-              <a:ext uri="{C183D7F6-B498-43B3-948B-1728B52AA6E4}">
-                <adec:decorative xmlns:adec="http://schemas.microsoft.com/office/drawing/2017/decorative" val="1"/>
-              </a:ext>
-            </a:extLst>
-          </p:cNvPr>
-          <p:cNvSpPr>
-            <a:spLocks noGrp="1" noRot="1" noChangeAspect="1" noMove="1" noResize="1" noEditPoints="1" noAdjustHandles="1" noChangeArrowheads="1" noChangeShapeType="1" noTextEdit="1"/>
-          </p:cNvSpPr>
-          <p:nvPr>
-            <p:extLst>
-              <p:ext uri="{386F3935-93C4-4BCD-93E2-E3B085C9AB24}">
-                <p16:designElem xmlns:p16="http://schemas.microsoft.com/office/powerpoint/2015/main" val="1"/>
-              </p:ext>
-            </p:extLst>
-          </p:nvPr>
-        </p:nvSpPr>
-        <p:spPr>
-          <a:xfrm>
-            <a:off x="9334500" y="-8467"/>
-            <a:ext cx="2854326" cy="6866467"/>
-          </a:xfrm>
-          <a:custGeom>
-            <a:avLst/>
-            <a:gdLst/>
-            <a:ahLst/>
-            <a:cxnLst/>
-            <a:rect l="l" t="t" r="r" b="b"/>
-            <a:pathLst>
-              <a:path w="2858013" h="6866467">
-                <a:moveTo>
-                  <a:pt x="0" y="0"/>
-                </a:moveTo>
-                <a:lnTo>
-                  <a:pt x="2858013" y="0"/>
-                </a:lnTo>
-                <a:lnTo>
-                  <a:pt x="2858013" y="6866467"/>
-                </a:lnTo>
-                <a:lnTo>
-                  <a:pt x="2473942" y="6866467"/>
-                </a:lnTo>
-                <a:lnTo>
-                  <a:pt x="0" y="0"/>
-                </a:lnTo>
-                <a:close/>
-              </a:path>
-            </a:pathLst>
-          </a:custGeom>
-          <a:solidFill>
-            <a:schemeClr val="accent2">
-              <a:lumMod val="75000"/>
-              <a:alpha val="47000"/>
-            </a:schemeClr>
-          </a:solidFill>
-          <a:ln>
-            <a:noFill/>
-          </a:ln>
-          <a:effectLst/>
-        </p:spPr>
-        <p:style>
-          <a:lnRef idx="1">
-            <a:schemeClr val="accent1"/>
-          </a:lnRef>
-          <a:fillRef idx="3">
-            <a:schemeClr val="accent1"/>
-          </a:fillRef>
-          <a:effectRef idx="2">
-            <a:schemeClr val="accent1"/>
-          </a:effectRef>
-          <a:fontRef idx="minor">
-            <a:schemeClr val="lt1"/>
-          </a:fontRef>
-        </p:style>
-        <p:txBody>
-          <a:bodyPr/>
-          <a:lstStyle/>
-          <a:p>
-            <a:endParaRPr lang="en-GB"/>
-          </a:p>
-        </p:txBody>
-      </p:sp>
-      <p:sp>
-        <p:nvSpPr>
-          <p:cNvPr id="21" name="Rectangle 28">
-            <a:extLst>
-              <a:ext uri="{FF2B5EF4-FFF2-40B4-BE49-F238E27FC236}">
-                <a16:creationId xmlns:a16="http://schemas.microsoft.com/office/drawing/2014/main" id="{BF120A21-0841-4823-B0C4-28AEBCEF9B78}"/>
-              </a:ext>
-              <a:ext uri="{C183D7F6-B498-43B3-948B-1728B52AA6E4}">
-                <adec:decorative xmlns:adec="http://schemas.microsoft.com/office/drawing/2017/decorative" val="1"/>
-              </a:ext>
-            </a:extLst>
-          </p:cNvPr>
-          <p:cNvSpPr>
-            <a:spLocks noGrp="1" noRot="1" noChangeAspect="1" noMove="1" noResize="1" noEditPoints="1" noAdjustHandles="1" noChangeArrowheads="1" noChangeShapeType="1" noTextEdit="1"/>
-          </p:cNvSpPr>
-          <p:nvPr>
-            <p:extLst>
-              <p:ext uri="{386F3935-93C4-4BCD-93E2-E3B085C9AB24}">
-                <p16:designElem xmlns:p16="http://schemas.microsoft.com/office/powerpoint/2015/main" val="1"/>
-              </p:ext>
-            </p:extLst>
-          </p:nvPr>
-        </p:nvSpPr>
-        <p:spPr>
-          <a:xfrm>
-            <a:off x="10898730" y="-8467"/>
-            <a:ext cx="1290094" cy="6866467"/>
-          </a:xfrm>
-          <a:custGeom>
-            <a:avLst/>
-            <a:gdLst/>
-            <a:ahLst/>
-            <a:cxnLst/>
-            <a:rect l="l" t="t" r="r" b="b"/>
-            <a:pathLst>
-              <a:path w="1290094" h="6858000">
-                <a:moveTo>
-                  <a:pt x="1019735" y="0"/>
-                </a:moveTo>
-                <a:lnTo>
-                  <a:pt x="1290094" y="0"/>
-                </a:lnTo>
-                <a:lnTo>
-                  <a:pt x="1290094" y="6858000"/>
-                </a:lnTo>
-                <a:lnTo>
-                  <a:pt x="0" y="6858000"/>
-                </a:lnTo>
-                <a:lnTo>
-                  <a:pt x="1019735" y="0"/>
-                </a:lnTo>
-                <a:close/>
-              </a:path>
-            </a:pathLst>
-          </a:custGeom>
-          <a:solidFill>
-            <a:schemeClr val="accent1">
-              <a:lumMod val="60000"/>
-              <a:lumOff val="40000"/>
-              <a:alpha val="70000"/>
-            </a:schemeClr>
-          </a:solidFill>
-          <a:ln>
-            <a:noFill/>
-          </a:ln>
-          <a:effectLst/>
-        </p:spPr>
-        <p:style>
-          <a:lnRef idx="1">
-            <a:schemeClr val="accent1"/>
-          </a:lnRef>
-          <a:fillRef idx="3">
-            <a:schemeClr val="accent1"/>
-          </a:fillRef>
-          <a:effectRef idx="2">
-            <a:schemeClr val="accent1"/>
-          </a:effectRef>
-          <a:fontRef idx="minor">
-            <a:schemeClr val="lt1"/>
-          </a:fontRef>
-        </p:style>
-        <p:txBody>
-          <a:bodyPr/>
-          <a:lstStyle/>
-          <a:p>
-            <a:endParaRPr lang="en-GB"/>
-          </a:p>
-        </p:txBody>
-      </p:sp>
-      <p:sp>
-        <p:nvSpPr>
-          <p:cNvPr id="23" name="Rectangle 29">
-            <a:extLst>
-              <a:ext uri="{FF2B5EF4-FFF2-40B4-BE49-F238E27FC236}">
-                <a16:creationId xmlns:a16="http://schemas.microsoft.com/office/drawing/2014/main" id="{DBB05BAE-BBD3-4289-899F-A6851503C6B0}"/>
-              </a:ext>
-              <a:ext uri="{C183D7F6-B498-43B3-948B-1728B52AA6E4}">
-                <adec:decorative xmlns:adec="http://schemas.microsoft.com/office/drawing/2017/decorative" val="1"/>
-              </a:ext>
-            </a:extLst>
-          </p:cNvPr>
-          <p:cNvSpPr>
-            <a:spLocks noGrp="1" noRot="1" noChangeAspect="1" noMove="1" noResize="1" noEditPoints="1" noAdjustHandles="1" noChangeArrowheads="1" noChangeShapeType="1" noTextEdit="1"/>
-          </p:cNvSpPr>
-          <p:nvPr>
-            <p:extLst>
-              <p:ext uri="{386F3935-93C4-4BCD-93E2-E3B085C9AB24}">
-                <p16:designElem xmlns:p16="http://schemas.microsoft.com/office/powerpoint/2015/main" val="1"/>
-              </p:ext>
-            </p:extLst>
-          </p:nvPr>
-        </p:nvSpPr>
-        <p:spPr>
-          <a:xfrm>
-            <a:off x="10938999" y="-8467"/>
-            <a:ext cx="1249825" cy="6866467"/>
-          </a:xfrm>
-          <a:custGeom>
-            <a:avLst/>
-            <a:gdLst/>
-            <a:ahLst/>
-            <a:cxnLst/>
-            <a:rect l="l" t="t" r="r" b="b"/>
-            <a:pathLst>
-              <a:path w="1249825" h="6858000">
-                <a:moveTo>
-                  <a:pt x="0" y="0"/>
-                </a:moveTo>
-                <a:lnTo>
-                  <a:pt x="1249825" y="0"/>
-                </a:lnTo>
-                <a:lnTo>
-                  <a:pt x="1249825" y="6858000"/>
-                </a:lnTo>
-                <a:lnTo>
-                  <a:pt x="1109382" y="6858000"/>
-                </a:lnTo>
-                <a:lnTo>
-                  <a:pt x="0" y="0"/>
-                </a:lnTo>
-                <a:close/>
-              </a:path>
-            </a:pathLst>
-          </a:custGeom>
-          <a:solidFill>
-            <a:schemeClr val="accent1">
-              <a:alpha val="65000"/>
-            </a:schemeClr>
-          </a:solidFill>
-          <a:ln>
-            <a:noFill/>
-          </a:ln>
-          <a:effectLst/>
-        </p:spPr>
-        <p:style>
-          <a:lnRef idx="1">
-            <a:schemeClr val="accent1"/>
-          </a:lnRef>
-          <a:fillRef idx="3">
-            <a:schemeClr val="accent1"/>
-          </a:fillRef>
-          <a:effectRef idx="2">
-            <a:schemeClr val="accent1"/>
-          </a:effectRef>
-          <a:fontRef idx="minor">
-            <a:schemeClr val="lt1"/>
-          </a:fontRef>
-        </p:style>
-        <p:txBody>
-          <a:bodyPr/>
-          <a:lstStyle/>
-          <a:p>
-            <a:endParaRPr lang="en-GB"/>
-          </a:p>
-        </p:txBody>
-      </p:sp>
-      <p:sp>
-        <p:nvSpPr>
-          <p:cNvPr id="25" name="Isosceles Triangle 29">
-            <a:extLst>
-              <a:ext uri="{FF2B5EF4-FFF2-40B4-BE49-F238E27FC236}">
-                <a16:creationId xmlns:a16="http://schemas.microsoft.com/office/drawing/2014/main" id="{9874D11C-36F5-4BBE-A490-019A54E953B0}"/>
-              </a:ext>
-              <a:ext uri="{C183D7F6-B498-43B3-948B-1728B52AA6E4}">
-                <adec:decorative xmlns:adec="http://schemas.microsoft.com/office/drawing/2017/decorative" val="1"/>
-              </a:ext>
-            </a:extLst>
-          </p:cNvPr>
-          <p:cNvSpPr>
-            <a:spLocks noGrp="1" noRot="1" noChangeAspect="1" noMove="1" noResize="1" noEditPoints="1" noAdjustHandles="1" noChangeArrowheads="1" noChangeShapeType="1" noTextEdit="1"/>
-          </p:cNvSpPr>
-          <p:nvPr>
-            <p:extLst>
-              <p:ext uri="{386F3935-93C4-4BCD-93E2-E3B085C9AB24}">
-                <p16:designElem xmlns:p16="http://schemas.microsoft.com/office/powerpoint/2015/main" val="1"/>
-              </p:ext>
-            </p:extLst>
-          </p:nvPr>
-        </p:nvSpPr>
-        <p:spPr>
-          <a:xfrm>
-            <a:off x="10371666" y="3589867"/>
-            <a:ext cx="1817159" cy="3268133"/>
-          </a:xfrm>
-          <a:prstGeom prst="triangle">
-            <a:avLst>
-              <a:gd name="adj" fmla="val 100000"/>
-            </a:avLst>
-          </a:prstGeom>
-          <a:solidFill>
-            <a:schemeClr val="accent1">
-              <a:alpha val="80000"/>
-            </a:schemeClr>
-          </a:solidFill>
-          <a:ln>
-            <a:noFill/>
-          </a:ln>
-          <a:effectLst/>
-        </p:spPr>
-        <p:style>
-          <a:lnRef idx="1">
-            <a:schemeClr val="accent1"/>
-          </a:lnRef>
-          <a:fillRef idx="3">
-            <a:schemeClr val="accent1"/>
-          </a:fillRef>
-          <a:effectRef idx="2">
-            <a:schemeClr val="accent1"/>
-          </a:effectRef>
-          <a:fontRef idx="minor">
-            <a:schemeClr val="lt1"/>
-          </a:fontRef>
-        </p:style>
-        <p:txBody>
-          <a:bodyPr/>
-          <a:lstStyle/>
-          <a:p>
-            <a:endParaRPr lang="en-GB"/>
-          </a:p>
-        </p:txBody>
-      </p:sp>
     </p:spTree>
     <p:extLst>
       <p:ext uri="{BB962C8B-B14F-4D97-AF65-F5344CB8AC3E}">
@@ -10703,69 +9943,6 @@
           </a:custGeom>
         </p:spPr>
       </p:pic>
-      <p:sp>
-        <p:nvSpPr>
-          <p:cNvPr id="9" name="Isosceles Triangle 8">
-            <a:extLst>
-              <a:ext uri="{FF2B5EF4-FFF2-40B4-BE49-F238E27FC236}">
-                <a16:creationId xmlns:a16="http://schemas.microsoft.com/office/drawing/2014/main" id="{3BCB5F6A-9EB0-40B0-9D13-3023E9A20508}"/>
-              </a:ext>
-              <a:ext uri="{C183D7F6-B498-43B3-948B-1728B52AA6E4}">
-                <adec:decorative xmlns:adec="http://schemas.microsoft.com/office/drawing/2017/decorative" val="1"/>
-              </a:ext>
-            </a:extLst>
-          </p:cNvPr>
-          <p:cNvSpPr>
-            <a:spLocks noGrp="1" noRot="1" noChangeAspect="1" noMove="1" noResize="1" noEditPoints="1" noAdjustHandles="1" noChangeArrowheads="1" noChangeShapeType="1" noTextEdit="1"/>
-          </p:cNvSpPr>
-          <p:nvPr>
-            <p:extLst>
-              <p:ext uri="{386F3935-93C4-4BCD-93E2-E3B085C9AB24}">
-                <p16:designElem xmlns:p16="http://schemas.microsoft.com/office/powerpoint/2015/main" val="1"/>
-              </p:ext>
-            </p:extLst>
-          </p:nvPr>
-        </p:nvSpPr>
-        <p:spPr>
-          <a:xfrm rot="10800000">
-            <a:off x="0" y="0"/>
-            <a:ext cx="842596" cy="5666154"/>
-          </a:xfrm>
-          <a:prstGeom prst="triangle">
-            <a:avLst>
-              <a:gd name="adj" fmla="val 100000"/>
-            </a:avLst>
-          </a:prstGeom>
-          <a:solidFill>
-            <a:schemeClr val="accent1"/>
-          </a:solidFill>
-          <a:ln>
-            <a:noFill/>
-          </a:ln>
-          <a:effectLst/>
-        </p:spPr>
-        <p:style>
-          <a:lnRef idx="1">
-            <a:schemeClr val="accent1"/>
-          </a:lnRef>
-          <a:fillRef idx="3">
-            <a:schemeClr val="accent1"/>
-          </a:fillRef>
-          <a:effectRef idx="2">
-            <a:schemeClr val="accent1"/>
-          </a:effectRef>
-          <a:fontRef idx="minor">
-            <a:schemeClr val="lt1"/>
-          </a:fontRef>
-        </p:style>
-        <p:txBody>
-          <a:bodyPr/>
-          <a:lstStyle/>
-          <a:p>
-            <a:endParaRPr lang="en-GB"/>
-          </a:p>
-        </p:txBody>
-      </p:sp>
     </p:spTree>
     <p:extLst>
       <p:ext uri="{BB962C8B-B14F-4D97-AF65-F5344CB8AC3E}">
@@ -10864,138 +10041,6 @@
           </a:prstGeom>
         </p:spPr>
       </p:pic>
-      <p:sp>
-        <p:nvSpPr>
-          <p:cNvPr id="21" name="Rectangle 20">
-            <a:extLst>
-              <a:ext uri="{FF2B5EF4-FFF2-40B4-BE49-F238E27FC236}">
-                <a16:creationId xmlns:a16="http://schemas.microsoft.com/office/drawing/2014/main" id="{799448F2-0E5B-42DA-B2D1-11A14E947BD4}"/>
-              </a:ext>
-              <a:ext uri="{C183D7F6-B498-43B3-948B-1728B52AA6E4}">
-                <adec:decorative xmlns:adec="http://schemas.microsoft.com/office/drawing/2017/decorative" val="1"/>
-              </a:ext>
-            </a:extLst>
-          </p:cNvPr>
-          <p:cNvSpPr>
-            <a:spLocks noGrp="1" noRot="1" noChangeAspect="1" noMove="1" noResize="1" noEditPoints="1" noAdjustHandles="1" noChangeArrowheads="1" noChangeShapeType="1" noTextEdit="1"/>
-          </p:cNvSpPr>
-          <p:nvPr>
-            <p:extLst>
-              <p:ext uri="{386F3935-93C4-4BCD-93E2-E3B085C9AB24}">
-                <p16:designElem xmlns:p16="http://schemas.microsoft.com/office/powerpoint/2015/main" val="1"/>
-              </p:ext>
-            </p:extLst>
-          </p:nvPr>
-        </p:nvSpPr>
-        <p:spPr>
-          <a:xfrm>
-            <a:off x="6050280" y="0"/>
-            <a:ext cx="91440" cy="6858000"/>
-          </a:xfrm>
-          <a:prstGeom prst="rect">
-            <a:avLst/>
-          </a:prstGeom>
-          <a:solidFill>
-            <a:schemeClr val="tx1">
-              <a:lumMod val="75000"/>
-              <a:lumOff val="25000"/>
-            </a:schemeClr>
-          </a:solidFill>
-          <a:ln>
-            <a:noFill/>
-          </a:ln>
-        </p:spPr>
-        <p:style>
-          <a:lnRef idx="2">
-            <a:schemeClr val="accent1">
-              <a:shade val="50000"/>
-            </a:schemeClr>
-          </a:lnRef>
-          <a:fillRef idx="1">
-            <a:schemeClr val="accent1"/>
-          </a:fillRef>
-          <a:effectRef idx="0">
-            <a:schemeClr val="accent1"/>
-          </a:effectRef>
-          <a:fontRef idx="minor">
-            <a:schemeClr val="lt1"/>
-          </a:fontRef>
-        </p:style>
-        <p:txBody>
-          <a:bodyPr rtlCol="0" anchor="ctr"/>
-          <a:lstStyle/>
-          <a:p>
-            <a:pPr algn="ctr"/>
-            <a:endParaRPr lang="en-US"/>
-          </a:p>
-        </p:txBody>
-      </p:sp>
-      <p:sp>
-        <p:nvSpPr>
-          <p:cNvPr id="23" name="Rectangle 22">
-            <a:extLst>
-              <a:ext uri="{FF2B5EF4-FFF2-40B4-BE49-F238E27FC236}">
-                <a16:creationId xmlns:a16="http://schemas.microsoft.com/office/drawing/2014/main" id="{4E8A7552-20E1-4F34-ADAB-C1DB6634D47E}"/>
-              </a:ext>
-              <a:ext uri="{C183D7F6-B498-43B3-948B-1728B52AA6E4}">
-                <adec:decorative xmlns:adec="http://schemas.microsoft.com/office/drawing/2017/decorative" val="1"/>
-              </a:ext>
-            </a:extLst>
-          </p:cNvPr>
-          <p:cNvSpPr>
-            <a:spLocks noGrp="1" noRot="1" noChangeAspect="1" noMove="1" noResize="1" noEditPoints="1" noAdjustHandles="1" noChangeArrowheads="1" noChangeShapeType="1" noTextEdit="1"/>
-          </p:cNvSpPr>
-          <p:nvPr>
-            <p:extLst>
-              <p:ext uri="{386F3935-93C4-4BCD-93E2-E3B085C9AB24}">
-                <p16:designElem xmlns:p16="http://schemas.microsoft.com/office/powerpoint/2015/main" val="1"/>
-              </p:ext>
-            </p:extLst>
-          </p:nvPr>
-        </p:nvSpPr>
-        <p:spPr>
-          <a:xfrm>
-            <a:off x="0" y="3383280"/>
-            <a:ext cx="6126480" cy="91440"/>
-          </a:xfrm>
-          <a:prstGeom prst="rect">
-            <a:avLst/>
-          </a:prstGeom>
-          <a:solidFill>
-            <a:schemeClr val="tx1">
-              <a:lumMod val="75000"/>
-              <a:lumOff val="25000"/>
-            </a:schemeClr>
-          </a:solidFill>
-          <a:ln>
-            <a:noFill/>
-          </a:ln>
-        </p:spPr>
-        <p:style>
-          <a:lnRef idx="2">
-            <a:schemeClr val="accent1">
-              <a:shade val="50000"/>
-            </a:schemeClr>
-          </a:lnRef>
-          <a:fillRef idx="1">
-            <a:schemeClr val="accent1"/>
-          </a:fillRef>
-          <a:effectRef idx="0">
-            <a:schemeClr val="accent1"/>
-          </a:effectRef>
-          <a:fontRef idx="minor">
-            <a:schemeClr val="lt1"/>
-          </a:fontRef>
-        </p:style>
-        <p:txBody>
-          <a:bodyPr rtlCol="0" anchor="ctr"/>
-          <a:lstStyle/>
-          <a:p>
-            <a:pPr algn="ctr"/>
-            <a:endParaRPr lang="en-US"/>
-          </a:p>
-        </p:txBody>
-      </p:sp>
       <p:pic>
         <p:nvPicPr>
           <p:cNvPr id="5" name="Picture 4" descr="A screenshot of a graph&#10;&#10;Description automatically generated">
@@ -11064,759 +10109,6 @@
           <a:chExt cx="0" cy="0"/>
         </a:xfrm>
       </p:grpSpPr>
-      <p:grpSp>
-        <p:nvGrpSpPr>
-          <p:cNvPr id="11" name="Group 10">
-            <a:extLst>
-              <a:ext uri="{FF2B5EF4-FFF2-40B4-BE49-F238E27FC236}">
-                <a16:creationId xmlns:a16="http://schemas.microsoft.com/office/drawing/2014/main" id="{88C9B83F-64CD-41C1-925F-A08801FFD0BD}"/>
-              </a:ext>
-              <a:ext uri="{C183D7F6-B498-43B3-948B-1728B52AA6E4}">
-                <adec:decorative xmlns:adec="http://schemas.microsoft.com/office/drawing/2017/decorative" val="1"/>
-              </a:ext>
-            </a:extLst>
-          </p:cNvPr>
-          <p:cNvGrpSpPr>
-            <a:grpSpLocks noGrp="1" noUngrp="1" noRot="1" noChangeAspect="1" noMove="1" noResize="1"/>
-          </p:cNvGrpSpPr>
-          <p:nvPr>
-            <p:extLst>
-              <p:ext uri="{386F3935-93C4-4BCD-93E2-E3B085C9AB24}">
-                <p16:designElem xmlns:p16="http://schemas.microsoft.com/office/powerpoint/2015/main" val="1"/>
-              </p:ext>
-            </p:extLst>
-          </p:nvPr>
-        </p:nvGrpSpPr>
-        <p:grpSpPr>
-          <a:xfrm>
-            <a:off x="0" y="-8467"/>
-            <a:ext cx="12192000" cy="6866467"/>
-            <a:chOff x="0" y="-8467"/>
-            <a:chExt cx="12192000" cy="6866467"/>
-          </a:xfrm>
-        </p:grpSpPr>
-        <p:cxnSp>
-          <p:nvCxnSpPr>
-            <p:cNvPr id="12" name="Straight Connector 11">
-              <a:extLst>
-                <a:ext uri="{FF2B5EF4-FFF2-40B4-BE49-F238E27FC236}">
-                  <a16:creationId xmlns:a16="http://schemas.microsoft.com/office/drawing/2014/main" id="{E1655065-0BD7-4422-BEC0-4401E998090A}"/>
-                </a:ext>
-                <a:ext uri="{C183D7F6-B498-43B3-948B-1728B52AA6E4}">
-                  <adec:decorative xmlns:adec="http://schemas.microsoft.com/office/drawing/2017/decorative" val="1"/>
-                </a:ext>
-              </a:extLst>
-            </p:cNvPr>
-            <p:cNvCxnSpPr/>
-            <p:nvPr>
-              <p:extLst>
-                <p:ext uri="{386F3935-93C4-4BCD-93E2-E3B085C9AB24}">
-                  <p16:designElem xmlns:p16="http://schemas.microsoft.com/office/powerpoint/2015/main" val="1"/>
-                </p:ext>
-              </p:extLst>
-            </p:nvPr>
-          </p:nvCxnSpPr>
-          <p:spPr>
-            <a:xfrm>
-              <a:off x="9371012" y="0"/>
-              <a:ext cx="1219200" cy="6858000"/>
-            </a:xfrm>
-            <a:prstGeom prst="line">
-              <a:avLst/>
-            </a:prstGeom>
-            <a:ln w="9525">
-              <a:solidFill>
-                <a:schemeClr val="bg1">
-                  <a:lumMod val="75000"/>
-                </a:schemeClr>
-              </a:solidFill>
-            </a:ln>
-          </p:spPr>
-          <p:style>
-            <a:lnRef idx="2">
-              <a:schemeClr val="accent1"/>
-            </a:lnRef>
-            <a:fillRef idx="0">
-              <a:schemeClr val="accent1"/>
-            </a:fillRef>
-            <a:effectRef idx="1">
-              <a:schemeClr val="accent1"/>
-            </a:effectRef>
-            <a:fontRef idx="minor">
-              <a:schemeClr val="tx1"/>
-            </a:fontRef>
-          </p:style>
-        </p:cxnSp>
-        <p:cxnSp>
-          <p:nvCxnSpPr>
-            <p:cNvPr id="13" name="Straight Connector 12">
-              <a:extLst>
-                <a:ext uri="{FF2B5EF4-FFF2-40B4-BE49-F238E27FC236}">
-                  <a16:creationId xmlns:a16="http://schemas.microsoft.com/office/drawing/2014/main" id="{4DDD90AC-ABEC-4A76-9C9C-AD0A5F8FC7F2}"/>
-                </a:ext>
-                <a:ext uri="{C183D7F6-B498-43B3-948B-1728B52AA6E4}">
-                  <adec:decorative xmlns:adec="http://schemas.microsoft.com/office/drawing/2017/decorative" val="1"/>
-                </a:ext>
-              </a:extLst>
-            </p:cNvPr>
-            <p:cNvCxnSpPr/>
-            <p:nvPr>
-              <p:extLst>
-                <p:ext uri="{386F3935-93C4-4BCD-93E2-E3B085C9AB24}">
-                  <p16:designElem xmlns:p16="http://schemas.microsoft.com/office/powerpoint/2015/main" val="1"/>
-                </p:ext>
-              </p:extLst>
-            </p:nvPr>
-          </p:nvCxnSpPr>
-          <p:spPr>
-            <a:xfrm flipH="1">
-              <a:off x="7425267" y="3681413"/>
-              <a:ext cx="4763558" cy="3176587"/>
-            </a:xfrm>
-            <a:prstGeom prst="line">
-              <a:avLst/>
-            </a:prstGeom>
-            <a:ln w="9525">
-              <a:solidFill>
-                <a:schemeClr val="bg1">
-                  <a:lumMod val="85000"/>
-                </a:schemeClr>
-              </a:solidFill>
-            </a:ln>
-          </p:spPr>
-          <p:style>
-            <a:lnRef idx="2">
-              <a:schemeClr val="accent1"/>
-            </a:lnRef>
-            <a:fillRef idx="0">
-              <a:schemeClr val="accent1"/>
-            </a:fillRef>
-            <a:effectRef idx="1">
-              <a:schemeClr val="accent1"/>
-            </a:effectRef>
-            <a:fontRef idx="minor">
-              <a:schemeClr val="tx1"/>
-            </a:fontRef>
-          </p:style>
-        </p:cxnSp>
-        <p:sp>
-          <p:nvSpPr>
-            <p:cNvPr id="14" name="Rectangle 23">
-              <a:extLst>
-                <a:ext uri="{FF2B5EF4-FFF2-40B4-BE49-F238E27FC236}">
-                  <a16:creationId xmlns:a16="http://schemas.microsoft.com/office/drawing/2014/main" id="{21A8AFEF-EC50-4C0B-9C64-814B76C82090}"/>
-                </a:ext>
-                <a:ext uri="{C183D7F6-B498-43B3-948B-1728B52AA6E4}">
-                  <adec:decorative xmlns:adec="http://schemas.microsoft.com/office/drawing/2017/decorative" val="1"/>
-                </a:ext>
-              </a:extLst>
-            </p:cNvPr>
-            <p:cNvSpPr/>
-            <p:nvPr>
-              <p:extLst>
-                <p:ext uri="{386F3935-93C4-4BCD-93E2-E3B085C9AB24}">
-                  <p16:designElem xmlns:p16="http://schemas.microsoft.com/office/powerpoint/2015/main" val="1"/>
-                </p:ext>
-              </p:extLst>
-            </p:nvPr>
-          </p:nvSpPr>
-          <p:spPr>
-            <a:xfrm>
-              <a:off x="9181476" y="-8467"/>
-              <a:ext cx="3007349" cy="6866467"/>
-            </a:xfrm>
-            <a:custGeom>
-              <a:avLst/>
-              <a:gdLst/>
-              <a:ahLst/>
-              <a:cxnLst/>
-              <a:rect l="l" t="t" r="r" b="b"/>
-              <a:pathLst>
-                <a:path w="3007349" h="6866467">
-                  <a:moveTo>
-                    <a:pt x="2045532" y="0"/>
-                  </a:moveTo>
-                  <a:lnTo>
-                    <a:pt x="3007349" y="0"/>
-                  </a:lnTo>
-                  <a:lnTo>
-                    <a:pt x="3007349" y="6866467"/>
-                  </a:lnTo>
-                  <a:lnTo>
-                    <a:pt x="0" y="6866467"/>
-                  </a:lnTo>
-                  <a:lnTo>
-                    <a:pt x="2045532" y="0"/>
-                  </a:lnTo>
-                  <a:close/>
-                </a:path>
-              </a:pathLst>
-            </a:custGeom>
-            <a:solidFill>
-              <a:schemeClr val="accent1">
-                <a:alpha val="30000"/>
-              </a:schemeClr>
-            </a:solidFill>
-            <a:ln>
-              <a:noFill/>
-            </a:ln>
-            <a:effectLst/>
-          </p:spPr>
-          <p:style>
-            <a:lnRef idx="1">
-              <a:schemeClr val="accent1"/>
-            </a:lnRef>
-            <a:fillRef idx="3">
-              <a:schemeClr val="accent1"/>
-            </a:fillRef>
-            <a:effectRef idx="2">
-              <a:schemeClr val="accent1"/>
-            </a:effectRef>
-            <a:fontRef idx="minor">
-              <a:schemeClr val="lt1"/>
-            </a:fontRef>
-          </p:style>
-          <p:txBody>
-            <a:bodyPr/>
-            <a:lstStyle/>
-            <a:p>
-              <a:endParaRPr lang="en-GB"/>
-            </a:p>
-          </p:txBody>
-        </p:sp>
-        <p:sp>
-          <p:nvSpPr>
-            <p:cNvPr id="15" name="Rectangle 25">
-              <a:extLst>
-                <a:ext uri="{FF2B5EF4-FFF2-40B4-BE49-F238E27FC236}">
-                  <a16:creationId xmlns:a16="http://schemas.microsoft.com/office/drawing/2014/main" id="{CAFAA800-E117-4357-84E4-56B63EA03E37}"/>
-                </a:ext>
-                <a:ext uri="{C183D7F6-B498-43B3-948B-1728B52AA6E4}">
-                  <adec:decorative xmlns:adec="http://schemas.microsoft.com/office/drawing/2017/decorative" val="1"/>
-                </a:ext>
-              </a:extLst>
-            </p:cNvPr>
-            <p:cNvSpPr/>
-            <p:nvPr>
-              <p:extLst>
-                <p:ext uri="{386F3935-93C4-4BCD-93E2-E3B085C9AB24}">
-                  <p16:designElem xmlns:p16="http://schemas.microsoft.com/office/powerpoint/2015/main" val="1"/>
-                </p:ext>
-              </p:extLst>
-            </p:nvPr>
-          </p:nvSpPr>
-          <p:spPr>
-            <a:xfrm>
-              <a:off x="9603442" y="-8467"/>
-              <a:ext cx="2588558" cy="6866467"/>
-            </a:xfrm>
-            <a:custGeom>
-              <a:avLst/>
-              <a:gdLst/>
-              <a:ahLst/>
-              <a:cxnLst/>
-              <a:rect l="l" t="t" r="r" b="b"/>
-              <a:pathLst>
-                <a:path w="2573311" h="6866467">
-                  <a:moveTo>
-                    <a:pt x="0" y="0"/>
-                  </a:moveTo>
-                  <a:lnTo>
-                    <a:pt x="2573311" y="0"/>
-                  </a:lnTo>
-                  <a:lnTo>
-                    <a:pt x="2573311" y="6866467"/>
-                  </a:lnTo>
-                  <a:lnTo>
-                    <a:pt x="1202336" y="6866467"/>
-                  </a:lnTo>
-                  <a:lnTo>
-                    <a:pt x="0" y="0"/>
-                  </a:lnTo>
-                  <a:close/>
-                </a:path>
-              </a:pathLst>
-            </a:custGeom>
-            <a:solidFill>
-              <a:schemeClr val="accent1">
-                <a:alpha val="20000"/>
-              </a:schemeClr>
-            </a:solidFill>
-            <a:ln>
-              <a:noFill/>
-            </a:ln>
-            <a:effectLst/>
-          </p:spPr>
-          <p:style>
-            <a:lnRef idx="1">
-              <a:schemeClr val="accent1"/>
-            </a:lnRef>
-            <a:fillRef idx="3">
-              <a:schemeClr val="accent1"/>
-            </a:fillRef>
-            <a:effectRef idx="2">
-              <a:schemeClr val="accent1"/>
-            </a:effectRef>
-            <a:fontRef idx="minor">
-              <a:schemeClr val="lt1"/>
-            </a:fontRef>
-          </p:style>
-          <p:txBody>
-            <a:bodyPr/>
-            <a:lstStyle/>
-            <a:p>
-              <a:endParaRPr lang="en-GB"/>
-            </a:p>
-          </p:txBody>
-        </p:sp>
-        <p:sp>
-          <p:nvSpPr>
-            <p:cNvPr id="16" name="Isosceles Triangle 15">
-              <a:extLst>
-                <a:ext uri="{FF2B5EF4-FFF2-40B4-BE49-F238E27FC236}">
-                  <a16:creationId xmlns:a16="http://schemas.microsoft.com/office/drawing/2014/main" id="{8DDFC9F4-3B45-402D-8AD7-60B3F08ED755}"/>
-                </a:ext>
-                <a:ext uri="{C183D7F6-B498-43B3-948B-1728B52AA6E4}">
-                  <adec:decorative xmlns:adec="http://schemas.microsoft.com/office/drawing/2017/decorative" val="1"/>
-                </a:ext>
-              </a:extLst>
-            </p:cNvPr>
-            <p:cNvSpPr/>
-            <p:nvPr>
-              <p:extLst>
-                <p:ext uri="{386F3935-93C4-4BCD-93E2-E3B085C9AB24}">
-                  <p16:designElem xmlns:p16="http://schemas.microsoft.com/office/powerpoint/2015/main" val="1"/>
-                </p:ext>
-              </p:extLst>
-            </p:nvPr>
-          </p:nvSpPr>
-          <p:spPr>
-            <a:xfrm>
-              <a:off x="8932333" y="3048000"/>
-              <a:ext cx="3259667" cy="3810000"/>
-            </a:xfrm>
-            <a:prstGeom prst="triangle">
-              <a:avLst>
-                <a:gd name="adj" fmla="val 100000"/>
-              </a:avLst>
-            </a:prstGeom>
-            <a:solidFill>
-              <a:schemeClr val="accent2">
-                <a:alpha val="72000"/>
-              </a:schemeClr>
-            </a:solidFill>
-            <a:ln>
-              <a:noFill/>
-            </a:ln>
-            <a:effectLst/>
-          </p:spPr>
-          <p:style>
-            <a:lnRef idx="1">
-              <a:schemeClr val="accent1"/>
-            </a:lnRef>
-            <a:fillRef idx="3">
-              <a:schemeClr val="accent1"/>
-            </a:fillRef>
-            <a:effectRef idx="2">
-              <a:schemeClr val="accent1"/>
-            </a:effectRef>
-            <a:fontRef idx="minor">
-              <a:schemeClr val="lt1"/>
-            </a:fontRef>
-          </p:style>
-          <p:txBody>
-            <a:bodyPr/>
-            <a:lstStyle/>
-            <a:p>
-              <a:endParaRPr lang="en-GB"/>
-            </a:p>
-          </p:txBody>
-        </p:sp>
-        <p:sp>
-          <p:nvSpPr>
-            <p:cNvPr id="17" name="Rectangle 27">
-              <a:extLst>
-                <a:ext uri="{FF2B5EF4-FFF2-40B4-BE49-F238E27FC236}">
-                  <a16:creationId xmlns:a16="http://schemas.microsoft.com/office/drawing/2014/main" id="{F26A0854-FBE4-4587-B349-06BE192BD7F6}"/>
-                </a:ext>
-                <a:ext uri="{C183D7F6-B498-43B3-948B-1728B52AA6E4}">
-                  <adec:decorative xmlns:adec="http://schemas.microsoft.com/office/drawing/2017/decorative" val="1"/>
-                </a:ext>
-              </a:extLst>
-            </p:cNvPr>
-            <p:cNvSpPr/>
-            <p:nvPr>
-              <p:extLst>
-                <p:ext uri="{386F3935-93C4-4BCD-93E2-E3B085C9AB24}">
-                  <p16:designElem xmlns:p16="http://schemas.microsoft.com/office/powerpoint/2015/main" val="1"/>
-                </p:ext>
-              </p:extLst>
-            </p:nvPr>
-          </p:nvSpPr>
-          <p:spPr>
-            <a:xfrm>
-              <a:off x="9334500" y="-8467"/>
-              <a:ext cx="2854326" cy="6866467"/>
-            </a:xfrm>
-            <a:custGeom>
-              <a:avLst/>
-              <a:gdLst/>
-              <a:ahLst/>
-              <a:cxnLst/>
-              <a:rect l="l" t="t" r="r" b="b"/>
-              <a:pathLst>
-                <a:path w="2858013" h="6866467">
-                  <a:moveTo>
-                    <a:pt x="0" y="0"/>
-                  </a:moveTo>
-                  <a:lnTo>
-                    <a:pt x="2858013" y="0"/>
-                  </a:lnTo>
-                  <a:lnTo>
-                    <a:pt x="2858013" y="6866467"/>
-                  </a:lnTo>
-                  <a:lnTo>
-                    <a:pt x="2473942" y="6866467"/>
-                  </a:lnTo>
-                  <a:lnTo>
-                    <a:pt x="0" y="0"/>
-                  </a:lnTo>
-                  <a:close/>
-                </a:path>
-              </a:pathLst>
-            </a:custGeom>
-            <a:solidFill>
-              <a:schemeClr val="accent2">
-                <a:lumMod val="75000"/>
-                <a:alpha val="70000"/>
-              </a:schemeClr>
-            </a:solidFill>
-            <a:ln>
-              <a:noFill/>
-            </a:ln>
-            <a:effectLst/>
-          </p:spPr>
-          <p:style>
-            <a:lnRef idx="1">
-              <a:schemeClr val="accent1"/>
-            </a:lnRef>
-            <a:fillRef idx="3">
-              <a:schemeClr val="accent1"/>
-            </a:fillRef>
-            <a:effectRef idx="2">
-              <a:schemeClr val="accent1"/>
-            </a:effectRef>
-            <a:fontRef idx="minor">
-              <a:schemeClr val="lt1"/>
-            </a:fontRef>
-          </p:style>
-          <p:txBody>
-            <a:bodyPr/>
-            <a:lstStyle/>
-            <a:p>
-              <a:endParaRPr lang="en-GB"/>
-            </a:p>
-          </p:txBody>
-        </p:sp>
-        <p:sp>
-          <p:nvSpPr>
-            <p:cNvPr id="18" name="Rectangle 28">
-              <a:extLst>
-                <a:ext uri="{FF2B5EF4-FFF2-40B4-BE49-F238E27FC236}">
-                  <a16:creationId xmlns:a16="http://schemas.microsoft.com/office/drawing/2014/main" id="{54A9C4C6-FF7D-470E-BFCA-CE4F60A1F0A8}"/>
-                </a:ext>
-                <a:ext uri="{C183D7F6-B498-43B3-948B-1728B52AA6E4}">
-                  <adec:decorative xmlns:adec="http://schemas.microsoft.com/office/drawing/2017/decorative" val="1"/>
-                </a:ext>
-              </a:extLst>
-            </p:cNvPr>
-            <p:cNvSpPr/>
-            <p:nvPr>
-              <p:extLst>
-                <p:ext uri="{386F3935-93C4-4BCD-93E2-E3B085C9AB24}">
-                  <p16:designElem xmlns:p16="http://schemas.microsoft.com/office/powerpoint/2015/main" val="1"/>
-                </p:ext>
-              </p:extLst>
-            </p:nvPr>
-          </p:nvSpPr>
-          <p:spPr>
-            <a:xfrm>
-              <a:off x="10898730" y="-8467"/>
-              <a:ext cx="1290094" cy="6866467"/>
-            </a:xfrm>
-            <a:custGeom>
-              <a:avLst/>
-              <a:gdLst/>
-              <a:ahLst/>
-              <a:cxnLst/>
-              <a:rect l="l" t="t" r="r" b="b"/>
-              <a:pathLst>
-                <a:path w="1290094" h="6858000">
-                  <a:moveTo>
-                    <a:pt x="1019735" y="0"/>
-                  </a:moveTo>
-                  <a:lnTo>
-                    <a:pt x="1290094" y="0"/>
-                  </a:lnTo>
-                  <a:lnTo>
-                    <a:pt x="1290094" y="6858000"/>
-                  </a:lnTo>
-                  <a:lnTo>
-                    <a:pt x="0" y="6858000"/>
-                  </a:lnTo>
-                  <a:lnTo>
-                    <a:pt x="1019735" y="0"/>
-                  </a:lnTo>
-                  <a:close/>
-                </a:path>
-              </a:pathLst>
-            </a:custGeom>
-            <a:solidFill>
-              <a:schemeClr val="accent1">
-                <a:lumMod val="60000"/>
-                <a:lumOff val="40000"/>
-                <a:alpha val="70000"/>
-              </a:schemeClr>
-            </a:solidFill>
-            <a:ln>
-              <a:noFill/>
-            </a:ln>
-            <a:effectLst/>
-          </p:spPr>
-          <p:style>
-            <a:lnRef idx="1">
-              <a:schemeClr val="accent1"/>
-            </a:lnRef>
-            <a:fillRef idx="3">
-              <a:schemeClr val="accent1"/>
-            </a:fillRef>
-            <a:effectRef idx="2">
-              <a:schemeClr val="accent1"/>
-            </a:effectRef>
-            <a:fontRef idx="minor">
-              <a:schemeClr val="lt1"/>
-            </a:fontRef>
-          </p:style>
-          <p:txBody>
-            <a:bodyPr/>
-            <a:lstStyle/>
-            <a:p>
-              <a:endParaRPr lang="en-GB"/>
-            </a:p>
-          </p:txBody>
-        </p:sp>
-        <p:sp>
-          <p:nvSpPr>
-            <p:cNvPr id="19" name="Rectangle 29">
-              <a:extLst>
-                <a:ext uri="{FF2B5EF4-FFF2-40B4-BE49-F238E27FC236}">
-                  <a16:creationId xmlns:a16="http://schemas.microsoft.com/office/drawing/2014/main" id="{B1721EA8-4871-45D4-B78F-AE805A3004B1}"/>
-                </a:ext>
-                <a:ext uri="{C183D7F6-B498-43B3-948B-1728B52AA6E4}">
-                  <adec:decorative xmlns:adec="http://schemas.microsoft.com/office/drawing/2017/decorative" val="1"/>
-                </a:ext>
-              </a:extLst>
-            </p:cNvPr>
-            <p:cNvSpPr/>
-            <p:nvPr>
-              <p:extLst>
-                <p:ext uri="{386F3935-93C4-4BCD-93E2-E3B085C9AB24}">
-                  <p16:designElem xmlns:p16="http://schemas.microsoft.com/office/powerpoint/2015/main" val="1"/>
-                </p:ext>
-              </p:extLst>
-            </p:nvPr>
-          </p:nvSpPr>
-          <p:spPr>
-            <a:xfrm>
-              <a:off x="10938999" y="-8467"/>
-              <a:ext cx="1249825" cy="6866467"/>
-            </a:xfrm>
-            <a:custGeom>
-              <a:avLst/>
-              <a:gdLst/>
-              <a:ahLst/>
-              <a:cxnLst/>
-              <a:rect l="l" t="t" r="r" b="b"/>
-              <a:pathLst>
-                <a:path w="1249825" h="6858000">
-                  <a:moveTo>
-                    <a:pt x="0" y="0"/>
-                  </a:moveTo>
-                  <a:lnTo>
-                    <a:pt x="1249825" y="0"/>
-                  </a:lnTo>
-                  <a:lnTo>
-                    <a:pt x="1249825" y="6858000"/>
-                  </a:lnTo>
-                  <a:lnTo>
-                    <a:pt x="1109382" y="6858000"/>
-                  </a:lnTo>
-                  <a:lnTo>
-                    <a:pt x="0" y="0"/>
-                  </a:lnTo>
-                  <a:close/>
-                </a:path>
-              </a:pathLst>
-            </a:custGeom>
-            <a:solidFill>
-              <a:schemeClr val="accent1">
-                <a:alpha val="65000"/>
-              </a:schemeClr>
-            </a:solidFill>
-            <a:ln>
-              <a:noFill/>
-            </a:ln>
-            <a:effectLst/>
-          </p:spPr>
-          <p:style>
-            <a:lnRef idx="1">
-              <a:schemeClr val="accent1"/>
-            </a:lnRef>
-            <a:fillRef idx="3">
-              <a:schemeClr val="accent1"/>
-            </a:fillRef>
-            <a:effectRef idx="2">
-              <a:schemeClr val="accent1"/>
-            </a:effectRef>
-            <a:fontRef idx="minor">
-              <a:schemeClr val="lt1"/>
-            </a:fontRef>
-          </p:style>
-          <p:txBody>
-            <a:bodyPr/>
-            <a:lstStyle/>
-            <a:p>
-              <a:endParaRPr lang="en-GB"/>
-            </a:p>
-          </p:txBody>
-        </p:sp>
-        <p:sp>
-          <p:nvSpPr>
-            <p:cNvPr id="20" name="Isosceles Triangle 19">
-              <a:extLst>
-                <a:ext uri="{FF2B5EF4-FFF2-40B4-BE49-F238E27FC236}">
-                  <a16:creationId xmlns:a16="http://schemas.microsoft.com/office/drawing/2014/main" id="{E5763971-E3A3-45C6-9BA8-2E032C7A55EB}"/>
-                </a:ext>
-                <a:ext uri="{C183D7F6-B498-43B3-948B-1728B52AA6E4}">
-                  <adec:decorative xmlns:adec="http://schemas.microsoft.com/office/drawing/2017/decorative" val="1"/>
-                </a:ext>
-              </a:extLst>
-            </p:cNvPr>
-            <p:cNvSpPr/>
-            <p:nvPr>
-              <p:extLst>
-                <p:ext uri="{386F3935-93C4-4BCD-93E2-E3B085C9AB24}">
-                  <p16:designElem xmlns:p16="http://schemas.microsoft.com/office/powerpoint/2015/main" val="1"/>
-                </p:ext>
-              </p:extLst>
-            </p:nvPr>
-          </p:nvSpPr>
-          <p:spPr>
-            <a:xfrm>
-              <a:off x="10371666" y="3589867"/>
-              <a:ext cx="1817159" cy="3268133"/>
-            </a:xfrm>
-            <a:prstGeom prst="triangle">
-              <a:avLst>
-                <a:gd name="adj" fmla="val 100000"/>
-              </a:avLst>
-            </a:prstGeom>
-            <a:solidFill>
-              <a:schemeClr val="accent1">
-                <a:alpha val="80000"/>
-              </a:schemeClr>
-            </a:solidFill>
-            <a:ln>
-              <a:noFill/>
-            </a:ln>
-            <a:effectLst/>
-          </p:spPr>
-          <p:style>
-            <a:lnRef idx="1">
-              <a:schemeClr val="accent1"/>
-            </a:lnRef>
-            <a:fillRef idx="3">
-              <a:schemeClr val="accent1"/>
-            </a:fillRef>
-            <a:effectRef idx="2">
-              <a:schemeClr val="accent1"/>
-            </a:effectRef>
-            <a:fontRef idx="minor">
-              <a:schemeClr val="lt1"/>
-            </a:fontRef>
-          </p:style>
-          <p:txBody>
-            <a:bodyPr/>
-            <a:lstStyle/>
-            <a:p>
-              <a:endParaRPr lang="en-GB"/>
-            </a:p>
-          </p:txBody>
-        </p:sp>
-        <p:sp>
-          <p:nvSpPr>
-            <p:cNvPr id="21" name="Isosceles Triangle 20">
-              <a:extLst>
-                <a:ext uri="{FF2B5EF4-FFF2-40B4-BE49-F238E27FC236}">
-                  <a16:creationId xmlns:a16="http://schemas.microsoft.com/office/drawing/2014/main" id="{32752E94-0E01-4AF5-A43A-F2FAD8737C29}"/>
-                </a:ext>
-                <a:ext uri="{C183D7F6-B498-43B3-948B-1728B52AA6E4}">
-                  <adec:decorative xmlns:adec="http://schemas.microsoft.com/office/drawing/2017/decorative" val="1"/>
-                </a:ext>
-              </a:extLst>
-            </p:cNvPr>
-            <p:cNvSpPr/>
-            <p:nvPr>
-              <p:extLst>
-                <p:ext uri="{386F3935-93C4-4BCD-93E2-E3B085C9AB24}">
-                  <p16:designElem xmlns:p16="http://schemas.microsoft.com/office/powerpoint/2015/main" val="1"/>
-                </p:ext>
-              </p:extLst>
-            </p:nvPr>
-          </p:nvSpPr>
-          <p:spPr>
-            <a:xfrm rot="10800000">
-              <a:off x="0" y="0"/>
-              <a:ext cx="842596" cy="5666154"/>
-            </a:xfrm>
-            <a:prstGeom prst="triangle">
-              <a:avLst>
-                <a:gd name="adj" fmla="val 100000"/>
-              </a:avLst>
-            </a:prstGeom>
-            <a:solidFill>
-              <a:schemeClr val="accent1">
-                <a:alpha val="85000"/>
-              </a:schemeClr>
-            </a:solidFill>
-            <a:ln>
-              <a:noFill/>
-            </a:ln>
-            <a:effectLst/>
-          </p:spPr>
-          <p:style>
-            <a:lnRef idx="1">
-              <a:schemeClr val="accent1"/>
-            </a:lnRef>
-            <a:fillRef idx="3">
-              <a:schemeClr val="accent1"/>
-            </a:fillRef>
-            <a:effectRef idx="2">
-              <a:schemeClr val="accent1"/>
-            </a:effectRef>
-            <a:fontRef idx="minor">
-              <a:schemeClr val="lt1"/>
-            </a:fontRef>
-          </p:style>
-          <p:txBody>
-            <a:bodyPr/>
-            <a:lstStyle/>
-            <a:p>
-              <a:endParaRPr lang="en-GB"/>
-            </a:p>
-          </p:txBody>
-        </p:sp>
-      </p:grpSp>
       <p:pic>
         <p:nvPicPr>
           <p:cNvPr id="7" name="Picture 6" descr="Computer script on a screen">

--- a/powerpoint.pptx
+++ b/powerpoint.pptx
@@ -28162,7 +28162,7 @@
               <a:buNone/>
             </a:pPr>
             <a:r>
-              <a:rPr lang="en-US" b="1" i="0" u="sng">
+              <a:rPr lang="en-US" b="1" i="0" u="sng" dirty="0">
                 <a:solidFill>
                   <a:schemeClr val="tx1"/>
                 </a:solidFill>
@@ -28172,9 +28172,23 @@
                 </a:highlight>
                 <a:hlinkClick r:id="rId2"/>
               </a:rPr>
-              <a:t>https://ddaniel2024.github.io/Project-3/</a:t>
+              <a:t>https://ddaniel2024.github.io/Project-3/global</a:t>
             </a:r>
-            <a:endParaRPr lang="en-US">
+            <a:endParaRPr lang="en-US" b="1" i="0" u="sng" dirty="0">
+              <a:solidFill>
+                <a:schemeClr val="tx1"/>
+              </a:solidFill>
+              <a:effectLst/>
+              <a:highlight>
+                <a:srgbClr val="FFFFFF"/>
+              </a:highlight>
+            </a:endParaRPr>
+          </a:p>
+          <a:p>
+            <a:pPr marL="0" indent="0" algn="r">
+              <a:buNone/>
+            </a:pPr>
+            <a:endParaRPr lang="en-US" dirty="0">
               <a:solidFill>
                 <a:schemeClr val="tx1"/>
               </a:solidFill>
